--- a/Text/02.화면설계도/3th_Project_화면 설계도(09.23).pptx
+++ b/Text/02.화면설계도/3th_Project_화면 설계도(09.23).pptx
@@ -2,25 +2,25 @@
 <file path=ppt/presentation.xml><?xml version="1.0" encoding="utf-8"?>
 <p:presentation xmlns:a="http://schemas.openxmlformats.org/drawingml/2006/main" xmlns:r="http://schemas.openxmlformats.org/officeDocument/2006/relationships" xmlns:p="http://schemas.openxmlformats.org/presentationml/2006/main" xmlns:p14="http://schemas.microsoft.com/office/powerpoint/2010/main" saveSubsetFonts="1">
   <p:sldMasterIdLst>
-    <p:sldMasterId id="2147484421" r:id="rId68"/>
-    <p:sldMasterId id="2147484422" r:id="rId70"/>
-    <p:sldMasterId id="2147484423" r:id="rId72"/>
-    <p:sldMasterId id="2147484424" r:id="rId74"/>
-    <p:sldMasterId id="2147484425" r:id="rId76"/>
-    <p:sldMasterId id="2147484426" r:id="rId78"/>
+    <p:sldMasterId id="2147484456" r:id="rId79"/>
+    <p:sldMasterId id="2147484457" r:id="rId81"/>
+    <p:sldMasterId id="2147484458" r:id="rId83"/>
+    <p:sldMasterId id="2147484459" r:id="rId85"/>
+    <p:sldMasterId id="2147484460" r:id="rId87"/>
+    <p:sldMasterId id="2147484461" r:id="rId89"/>
+    <p:sldMasterId id="2147484462" r:id="rId91"/>
   </p:sldMasterIdLst>
   <p:notesMasterIdLst>
-    <p:notesMasterId r:id="rId82"/>
+    <p:notesMasterId r:id="rId95"/>
   </p:notesMasterIdLst>
   <p:handoutMasterIdLst>
-    <p:handoutMasterId r:id="rId80"/>
+    <p:handoutMasterId r:id="rId93"/>
   </p:handoutMasterIdLst>
   <p:sldIdLst>
-    <p:sldId id="256" r:id="rId84"/>
-    <p:sldId id="271" r:id="rId85"/>
-    <p:sldId id="272" r:id="rId87"/>
-    <p:sldId id="273" r:id="rId89"/>
-    <p:sldId id="274" r:id="rId91"/>
+    <p:sldId id="256" r:id="rId97"/>
+    <p:sldId id="271" r:id="rId98"/>
+    <p:sldId id="272" r:id="rId99"/>
+    <p:sldId id="273" r:id="rId100"/>
   </p:sldIdLst>
   <p:sldSz cx="12192000" cy="6858000"/>
   <p:notesSz cx="6858000" cy="9144000"/>
@@ -1224,172 +1224,6 @@
 </p:notes>
 </file>
 
-<file path=ppt/notesSlides/notesSlide5.xml><?xml version="1.0" encoding="utf-8"?>
-<p:notes xmlns:a="http://schemas.openxmlformats.org/drawingml/2006/main" xmlns:r="http://schemas.openxmlformats.org/officeDocument/2006/relationships" xmlns:p="http://schemas.openxmlformats.org/presentationml/2006/main">
-  <p:cSld>
-    <p:spTree>
-      <p:nvGrpSpPr>
-        <p:cNvPr id="1" name=""/>
-        <p:cNvGrpSpPr/>
-        <p:nvPr/>
-      </p:nvGrpSpPr>
-      <p:grpSpPr>
-        <a:xfrm>
-          <a:off x="0" y="0"/>
-          <a:ext cx="0" cy="0"/>
-          <a:chOff x="0" y="0"/>
-          <a:chExt cx="0" cy="0"/>
-        </a:xfrm>
-      </p:grpSpPr>
-      <p:sp>
-        <p:nvSpPr>
-          <p:cNvPr id="2" name="온라인 이미지 개체 틀 1"/>
-          <p:cNvSpPr>
-            <a:spLocks noChangeAspect="1"/>
-          </p:cNvSpPr>
-          <p:nvPr>
-            <p:ph type="sldImg"/>
-          </p:nvPr>
-        </p:nvSpPr>
-        <p:spPr>
-          <a:xfrm rot="0">
-            <a:off x="685800" y="1143000"/>
-            <a:ext cx="5487035" cy="3086735"/>
-          </a:xfrm>
-          <a:prstGeom prst="rect"/>
-          <a:noFill/>
-          <a:ln w="12700" cap="flat" cmpd="sng">
-            <a:solidFill>
-              <a:srgbClr val="000000">
-                <a:alpha val="100000"/>
-              </a:srgbClr>
-            </a:solidFill>
-            <a:prstDash val="solid"/>
-          </a:ln>
-        </p:spPr>
-        <p:txBody>
-          <a:bodyPr wrap="square" lIns="0" tIns="0" rIns="0" bIns="0" vert="horz" anchor="t">
-            <a:noAutofit/>
-          </a:bodyPr>
-          <a:lstStyle/>
-          <a:p>
-            <a:pPr marL="0" indent="0" defTabSz="508000">
-              <a:lnSpc>
-                <a:spcPct val="100000"/>
-              </a:lnSpc>
-              <a:spcBef>
-                <a:spcPts val="0"/>
-              </a:spcBef>
-              <a:spcAft>
-                <a:spcPts val="0"/>
-              </a:spcAft>
-              <a:buFontTx/>
-              <a:buNone/>
-            </a:pPr>
-          </a:p>
-        </p:txBody>
-      </p:sp>
-      <p:sp>
-        <p:nvSpPr>
-          <p:cNvPr id="3" name="텍스트 개체 틀 2"/>
-          <p:cNvSpPr txBox="1">
-            <a:spLocks/>
-          </p:cNvSpPr>
-          <p:nvPr>
-            <p:ph type="body"/>
-          </p:nvPr>
-        </p:nvSpPr>
-        <p:spPr>
-          <a:xfrm rot="0">
-            <a:off x="685800" y="4400550"/>
-            <a:ext cx="5487035" cy="3601085"/>
-          </a:xfrm>
-          <a:prstGeom prst="rect"/>
-        </p:spPr>
-        <p:txBody>
-          <a:bodyPr wrap="square" lIns="91440" tIns="45720" rIns="91440" bIns="45720" vert="horz" anchor="t">
-            <a:noAutofit/>
-          </a:bodyPr>
-          <a:lstStyle/>
-          <a:p>
-            <a:pPr marL="0" indent="0" defTabSz="508000">
-              <a:lnSpc>
-                <a:spcPct val="100000"/>
-              </a:lnSpc>
-              <a:spcBef>
-                <a:spcPts val="0"/>
-              </a:spcBef>
-              <a:spcAft>
-                <a:spcPts val="0"/>
-              </a:spcAft>
-              <a:buFontTx/>
-              <a:buNone/>
-            </a:pPr>
-          </a:p>
-        </p:txBody>
-      </p:sp>
-      <p:sp>
-        <p:nvSpPr>
-          <p:cNvPr id="4" name="슬라이드 번호 개체 틀 3"/>
-          <p:cNvSpPr txBox="1">
-            <a:spLocks/>
-          </p:cNvSpPr>
-          <p:nvPr>
-            <p:ph type="sldNum"/>
-          </p:nvPr>
-        </p:nvSpPr>
-        <p:spPr>
-          <a:xfrm rot="0">
-            <a:off x="3884930" y="8685530"/>
-            <a:ext cx="2972435" cy="459105"/>
-          </a:xfrm>
-          <a:prstGeom prst="rect"/>
-        </p:spPr>
-        <p:txBody>
-          <a:bodyPr wrap="square" lIns="91440" tIns="45720" rIns="91440" bIns="45720" vert="horz" anchor="b">
-            <a:noAutofit/>
-          </a:bodyPr>
-          <a:lstStyle/>
-          <a:p>
-            <a:pPr marL="0" indent="0" defTabSz="508000">
-              <a:lnSpc>
-                <a:spcPct val="100000"/>
-              </a:lnSpc>
-              <a:spcBef>
-                <a:spcPts val="0"/>
-              </a:spcBef>
-              <a:spcAft>
-                <a:spcPts val="0"/>
-              </a:spcAft>
-              <a:buFontTx/>
-              <a:buNone/>
-            </a:pPr>
-            <a:fld id="{B9320F77-B9A0-41C5-862A-B4B631284C64}" type="slidenum">
-              <a:rPr lang="en-US" altLang="ko-KR" sz="1200">
-                <a:latin typeface="맑은 고딕" charset="0"/>
-                <a:ea typeface="맑은 고딕" charset="0"/>
-              </a:rPr>
-              <a:t>1</a:t>
-            </a:fld>
-          </a:p>
-        </p:txBody>
-      </p:sp>
-    </p:spTree>
-  </p:cSld>
-  <p:clrMapOvr>
-    <a:masterClrMapping/>
-  </p:clrMapOvr>
-  <mc:AlternateContent xmlns:mc="http://schemas.openxmlformats.org/markup-compatibility/2006">
-    <mc:Choice xmlns:p14="http://schemas.microsoft.com/office/powerpoint/2010/main" Requires="p14">
-      <p:transition spd="slow" p14:dur="0"/>
-    </mc:Choice>
-    <mc:Fallback>
-      <p:transition spd="slow"/>
-    </mc:Fallback>
-  </mc:AlternateContent>
-</p:notes>
-</file>
-
 <file path=ppt/slideLayouts/slideLayout1.xml><?xml version="1.0" encoding="utf-8"?>
 <p:sldLayout xmlns:a="http://schemas.openxmlformats.org/drawingml/2006/main" xmlns:r="http://schemas.openxmlformats.org/officeDocument/2006/relationships" xmlns:p="http://schemas.openxmlformats.org/presentationml/2006/main" type="title" preserve="1">
   <p:cSld name="제목 슬라이드">
@@ -22229,6 +22063,877 @@
 </p:sldLayout>
 </file>
 
+<file path=ppt/slideLayouts/slideLayout67.xml><?xml version="1.0" encoding="utf-8"?>
+<p:sldLayout xmlns:a="http://schemas.openxmlformats.org/drawingml/2006/main" xmlns:r="http://schemas.openxmlformats.org/officeDocument/2006/relationships" xmlns:p="http://schemas.openxmlformats.org/presentationml/2006/main" type="title">
+  <p:cSld name="제목 슬라이드">
+    <p:spTree>
+      <p:nvGrpSpPr>
+        <p:cNvPr id="1" name=""/>
+        <p:cNvGrpSpPr/>
+        <p:nvPr/>
+      </p:nvGrpSpPr>
+      <p:grpSpPr>
+        <a:xfrm>
+          <a:off x="0" y="0"/>
+          <a:ext cx="0" cy="0"/>
+          <a:chOff x="0" y="0"/>
+          <a:chExt cx="0" cy="0"/>
+        </a:xfrm>
+      </p:grpSpPr>
+      <p:sp>
+        <p:nvSpPr>
+          <p:cNvPr id="2" name="텍스트 개체 틀 1"/>
+          <p:cNvSpPr txBox="1">
+            <a:spLocks/>
+          </p:cNvSpPr>
+          <p:nvPr>
+            <p:ph type="ctrTitle"/>
+          </p:nvPr>
+        </p:nvSpPr>
+        <p:spPr>
+          <a:xfrm rot="0">
+            <a:off x="1524000" y="1122680"/>
+            <a:ext cx="9144635" cy="2388235"/>
+          </a:xfrm>
+          <a:prstGeom prst="rect"/>
+        </p:spPr>
+        <p:txBody>
+          <a:bodyPr wrap="square" lIns="91440" tIns="45720" rIns="91440" bIns="45720" vert="horz" anchor="b">
+            <a:normAutofit fontScale="100000" lnSpcReduction="0"/>
+          </a:bodyPr>
+          <a:lstStyle/>
+          <a:p>
+            <a:pPr marL="0" indent="0" defTabSz="508000">
+              <a:lnSpc>
+                <a:spcPct val="100000"/>
+              </a:lnSpc>
+              <a:spcBef>
+                <a:spcPts val="0"/>
+              </a:spcBef>
+              <a:spcAft>
+                <a:spcPts val="0"/>
+              </a:spcAft>
+              <a:buFontTx/>
+              <a:buNone/>
+            </a:pPr>
+            <a:r>
+              <a:rPr lang="en-US" altLang="ko-KR" sz="6000">
+                <a:latin typeface="맑은 고딕" charset="0"/>
+                <a:ea typeface="맑은 고딕" charset="0"/>
+              </a:rPr>
+              <a:t>마스터 제목 스타일 편집</a:t>
+            </a:r>
+          </a:p>
+        </p:txBody>
+      </p:sp>
+      <p:sp>
+        <p:nvSpPr>
+          <p:cNvPr id="3" name="부제목 2"/>
+          <p:cNvSpPr txBox="1">
+            <a:spLocks/>
+          </p:cNvSpPr>
+          <p:nvPr>
+            <p:ph type="subTitle"/>
+          </p:nvPr>
+        </p:nvSpPr>
+        <p:spPr>
+          <a:xfrm rot="0">
+            <a:off x="1524000" y="3602355"/>
+            <a:ext cx="9144635" cy="1656080"/>
+          </a:xfrm>
+          <a:prstGeom prst="rect"/>
+        </p:spPr>
+        <p:txBody>
+          <a:bodyPr wrap="square" lIns="91440" tIns="45720" rIns="91440" bIns="45720" vert="horz" anchor="t">
+            <a:normAutofit fontScale="100000" lnSpcReduction="0"/>
+          </a:bodyPr>
+          <a:lstStyle/>
+          <a:p>
+            <a:pPr marL="0" indent="0" defTabSz="508000">
+              <a:lnSpc>
+                <a:spcPct val="100000"/>
+              </a:lnSpc>
+              <a:spcBef>
+                <a:spcPts val="1000"/>
+              </a:spcBef>
+              <a:spcAft>
+                <a:spcPts val="0"/>
+              </a:spcAft>
+              <a:buFontTx/>
+              <a:buNone/>
+            </a:pPr>
+            <a:r>
+              <a:rPr lang="en-US" altLang="ko-KR" sz="2400">
+                <a:latin typeface="맑은 고딕" charset="0"/>
+                <a:ea typeface="맑은 고딕" charset="0"/>
+              </a:rPr>
+              <a:t>클릭하여 마스터 부제목 스타일 편집</a:t>
+            </a:r>
+          </a:p>
+        </p:txBody>
+      </p:sp>
+      <p:sp>
+        <p:nvSpPr>
+          <p:cNvPr id="4" name="날짜 개체 틀 3"/>
+          <p:cNvSpPr txBox="1">
+            <a:spLocks/>
+          </p:cNvSpPr>
+          <p:nvPr>
+            <p:ph type="dt"/>
+          </p:nvPr>
+        </p:nvSpPr>
+        <p:spPr>
+          <a:xfrm rot="0">
+            <a:off x="838200" y="6356350"/>
+            <a:ext cx="2743835" cy="365760"/>
+          </a:xfrm>
+          <a:prstGeom prst="rect"/>
+        </p:spPr>
+        <p:txBody>
+          <a:bodyPr wrap="square" lIns="91440" tIns="45720" rIns="91440" bIns="45720" vert="horz" anchor="ctr">
+            <a:noAutofit/>
+          </a:bodyPr>
+          <a:lstStyle/>
+          <a:p>
+            <a:pPr marL="0" indent="0" defTabSz="508000">
+              <a:lnSpc>
+                <a:spcPct val="100000"/>
+              </a:lnSpc>
+              <a:spcBef>
+                <a:spcPts val="0"/>
+              </a:spcBef>
+              <a:spcAft>
+                <a:spcPts val="0"/>
+              </a:spcAft>
+              <a:buFontTx/>
+              <a:buNone/>
+            </a:pPr>
+            <a:fld id="{B9320F77-B9A0-41C5-862A-B4B631284C64}" type="datetime1">
+              <a:rPr lang="ko-KR" altLang="en-US" sz="1200">
+                <a:latin typeface="맑은 고딕" charset="0"/>
+                <a:ea typeface="맑은 고딕" charset="0"/>
+              </a:rPr>
+              <a:t>2019-09-23</a:t>
+            </a:fld>
+          </a:p>
+        </p:txBody>
+      </p:sp>
+      <p:sp>
+        <p:nvSpPr>
+          <p:cNvPr id="5" name="바닥글 개체 틀 4"/>
+          <p:cNvSpPr txBox="1">
+            <a:spLocks/>
+          </p:cNvSpPr>
+          <p:nvPr>
+            <p:ph type="ftr"/>
+          </p:nvPr>
+        </p:nvSpPr>
+        <p:spPr>
+          <a:xfrm rot="0">
+            <a:off x="4038600" y="6356350"/>
+            <a:ext cx="4115435" cy="365760"/>
+          </a:xfrm>
+          <a:prstGeom prst="rect"/>
+        </p:spPr>
+        <p:txBody>
+          <a:bodyPr wrap="square" lIns="91440" tIns="45720" rIns="91440" bIns="45720" vert="horz" anchor="ctr">
+            <a:noAutofit/>
+          </a:bodyPr>
+          <a:lstStyle/>
+          <a:p>
+            <a:pPr marL="0" indent="0" defTabSz="508000">
+              <a:lnSpc>
+                <a:spcPct val="100000"/>
+              </a:lnSpc>
+              <a:spcBef>
+                <a:spcPts val="0"/>
+              </a:spcBef>
+              <a:spcAft>
+                <a:spcPts val="0"/>
+              </a:spcAft>
+              <a:buFontTx/>
+              <a:buNone/>
+            </a:pPr>
+          </a:p>
+        </p:txBody>
+      </p:sp>
+      <p:sp>
+        <p:nvSpPr>
+          <p:cNvPr id="6" name="슬라이드 번호 개체 틀 5"/>
+          <p:cNvSpPr txBox="1">
+            <a:spLocks/>
+          </p:cNvSpPr>
+          <p:nvPr>
+            <p:ph type="sldNum"/>
+          </p:nvPr>
+        </p:nvSpPr>
+        <p:spPr>
+          <a:xfrm rot="0">
+            <a:off x="8610600" y="6356350"/>
+            <a:ext cx="2743835" cy="365760"/>
+          </a:xfrm>
+          <a:prstGeom prst="rect"/>
+        </p:spPr>
+        <p:txBody>
+          <a:bodyPr wrap="square" lIns="91440" tIns="45720" rIns="91440" bIns="45720" vert="horz" anchor="ctr">
+            <a:noAutofit/>
+          </a:bodyPr>
+          <a:lstStyle/>
+          <a:p>
+            <a:pPr marL="0" indent="0" defTabSz="508000">
+              <a:lnSpc>
+                <a:spcPct val="100000"/>
+              </a:lnSpc>
+              <a:spcBef>
+                <a:spcPts val="0"/>
+              </a:spcBef>
+              <a:spcAft>
+                <a:spcPts val="0"/>
+              </a:spcAft>
+              <a:buFontTx/>
+              <a:buNone/>
+            </a:pPr>
+            <a:fld id="{B9320F77-B9A0-41C5-862A-B4B631284C64}" type="slidenum">
+              <a:rPr lang="en-US" altLang="ko-KR" sz="1200">
+                <a:latin typeface="맑은 고딕" charset="0"/>
+                <a:ea typeface="맑은 고딕" charset="0"/>
+              </a:rPr>
+              <a:t>‹#›</a:t>
+            </a:fld>
+          </a:p>
+        </p:txBody>
+      </p:sp>
+    </p:spTree>
+  </p:cSld>
+  <p:clrMapOvr>
+    <a:overrideClrMapping bg1="lt1" tx1="dk1" bg2="lt2" tx2="dk2" accent1="accent1" accent2="accent2" accent3="accent3" accent4="accent4" accent5="accent5" accent6="accent6" hlink="hlink" folHlink="folHlink"/>
+  </p:clrMapOvr>
+  <mc:AlternateContent xmlns:mc="http://schemas.openxmlformats.org/markup-compatibility/2006">
+    <mc:Choice xmlns:p14="http://schemas.microsoft.com/office/powerpoint/2010/main" Requires="p14">
+      <p:transition spd="slow" p14:dur="2000"/>
+    </mc:Choice>
+    <mc:Fallback>
+      <p:transition spd="slow"/>
+    </mc:Fallback>
+  </mc:AlternateContent>
+</p:sldLayout>
+</file>
+
+<file path=ppt/slideLayouts/slideLayout68.xml><?xml version="1.0" encoding="utf-8"?>
+<p:sldLayout xmlns:a="http://schemas.openxmlformats.org/drawingml/2006/main" xmlns:r="http://schemas.openxmlformats.org/officeDocument/2006/relationships" xmlns:p="http://schemas.openxmlformats.org/presentationml/2006/main" type="obj">
+  <p:cSld name="제목 및 내용">
+    <p:spTree>
+      <p:nvGrpSpPr>
+        <p:cNvPr id="1" name=""/>
+        <p:cNvGrpSpPr/>
+        <p:nvPr/>
+      </p:nvGrpSpPr>
+      <p:grpSpPr>
+        <a:xfrm>
+          <a:off x="0" y="0"/>
+          <a:ext cx="0" cy="0"/>
+          <a:chOff x="0" y="0"/>
+          <a:chExt cx="0" cy="0"/>
+        </a:xfrm>
+      </p:grpSpPr>
+      <p:sp>
+        <p:nvSpPr>
+          <p:cNvPr id="2" name="텍스트 개체 틀 1"/>
+          <p:cNvSpPr txBox="1">
+            <a:spLocks/>
+          </p:cNvSpPr>
+          <p:nvPr>
+            <p:ph type="title"/>
+          </p:nvPr>
+        </p:nvSpPr>
+        <p:spPr>
+          <a:xfrm rot="0">
+            <a:off x="838200" y="365125"/>
+            <a:ext cx="10516235" cy="1326515"/>
+          </a:xfrm>
+          <a:prstGeom prst="rect"/>
+        </p:spPr>
+        <p:txBody>
+          <a:bodyPr wrap="square" lIns="91440" tIns="45720" rIns="91440" bIns="45720" vert="horz" anchor="ctr">
+            <a:normAutofit fontScale="100000" lnSpcReduction="0"/>
+          </a:bodyPr>
+          <a:lstStyle/>
+          <a:p>
+            <a:pPr marL="0" indent="0" defTabSz="508000">
+              <a:lnSpc>
+                <a:spcPct val="100000"/>
+              </a:lnSpc>
+              <a:spcBef>
+                <a:spcPts val="0"/>
+              </a:spcBef>
+              <a:spcAft>
+                <a:spcPts val="0"/>
+              </a:spcAft>
+              <a:buFontTx/>
+              <a:buNone/>
+            </a:pPr>
+            <a:r>
+              <a:rPr lang="en-US" altLang="ko-KR" sz="4400">
+                <a:latin typeface="맑은 고딕" charset="0"/>
+                <a:ea typeface="맑은 고딕" charset="0"/>
+              </a:rPr>
+              <a:t>마스터 제목 스타일 편집</a:t>
+            </a:r>
+          </a:p>
+        </p:txBody>
+      </p:sp>
+      <p:sp>
+        <p:nvSpPr>
+          <p:cNvPr id="3" name="내용 개체 틀 2"/>
+          <p:cNvSpPr txBox="1">
+            <a:spLocks/>
+          </p:cNvSpPr>
+          <p:nvPr>
+            <p:ph type="obj"/>
+          </p:nvPr>
+        </p:nvSpPr>
+        <p:spPr>
+          <a:xfrm rot="0">
+            <a:off x="838200" y="1825625"/>
+            <a:ext cx="10516235" cy="4352290"/>
+          </a:xfrm>
+          <a:prstGeom prst="rect"/>
+        </p:spPr>
+        <p:txBody>
+          <a:bodyPr wrap="square" lIns="91440" tIns="45720" rIns="91440" bIns="45720" vert="horz" anchor="t">
+            <a:normAutofit fontScale="100000" lnSpcReduction="0"/>
+          </a:bodyPr>
+          <a:lstStyle/>
+          <a:p>
+            <a:pPr marL="228600" indent="-228600" defTabSz="508000">
+              <a:lnSpc>
+                <a:spcPct val="100000"/>
+              </a:lnSpc>
+              <a:spcBef>
+                <a:spcPts val="1000"/>
+              </a:spcBef>
+              <a:spcAft>
+                <a:spcPts val="0"/>
+              </a:spcAft>
+              <a:buClr>
+                <a:srgbClr val="000000"/>
+              </a:buClr>
+              <a:buFont typeface="맑은 고딕"/>
+              <a:buChar char="•"/>
+            </a:pPr>
+            <a:r>
+              <a:rPr lang="en-US" altLang="ko-KR" sz="2800">
+                <a:latin typeface="맑은 고딕" charset="0"/>
+                <a:ea typeface="맑은 고딕" charset="0"/>
+              </a:rPr>
+              <a:t>마스터 텍스트 스타일 편집</a:t>
+            </a:r>
+          </a:p>
+          <a:p>
+            <a:pPr marL="685800" indent="-228600" defTabSz="508000">
+              <a:lnSpc>
+                <a:spcPct val="100000"/>
+              </a:lnSpc>
+              <a:spcBef>
+                <a:spcPts val="500"/>
+              </a:spcBef>
+              <a:spcAft>
+                <a:spcPts val="0"/>
+              </a:spcAft>
+              <a:buClr>
+                <a:srgbClr val="000000"/>
+              </a:buClr>
+              <a:buFont typeface="맑은 고딕"/>
+              <a:buChar char="•"/>
+            </a:pPr>
+            <a:r>
+              <a:rPr lang="en-US" altLang="ko-KR" sz="2400">
+                <a:latin typeface="맑은 고딕" charset="0"/>
+                <a:ea typeface="맑은 고딕" charset="0"/>
+              </a:rPr>
+              <a:t>둘째 수준</a:t>
+            </a:r>
+          </a:p>
+          <a:p>
+            <a:pPr marL="1143000" indent="-228600" defTabSz="508000">
+              <a:lnSpc>
+                <a:spcPct val="100000"/>
+              </a:lnSpc>
+              <a:spcBef>
+                <a:spcPts val="500"/>
+              </a:spcBef>
+              <a:spcAft>
+                <a:spcPts val="0"/>
+              </a:spcAft>
+              <a:buClr>
+                <a:srgbClr val="000000"/>
+              </a:buClr>
+              <a:buFont typeface="맑은 고딕"/>
+              <a:buChar char="•"/>
+            </a:pPr>
+            <a:r>
+              <a:rPr lang="en-US" altLang="ko-KR" sz="2000">
+                <a:latin typeface="맑은 고딕" charset="0"/>
+                <a:ea typeface="맑은 고딕" charset="0"/>
+              </a:rPr>
+              <a:t>셋째 수준</a:t>
+            </a:r>
+          </a:p>
+          <a:p>
+            <a:pPr marL="1600200" indent="-228600" defTabSz="508000">
+              <a:lnSpc>
+                <a:spcPct val="100000"/>
+              </a:lnSpc>
+              <a:spcBef>
+                <a:spcPts val="500"/>
+              </a:spcBef>
+              <a:spcAft>
+                <a:spcPts val="0"/>
+              </a:spcAft>
+              <a:buClr>
+                <a:srgbClr val="000000"/>
+              </a:buClr>
+              <a:buFont typeface="맑은 고딕"/>
+              <a:buChar char="•"/>
+            </a:pPr>
+            <a:r>
+              <a:rPr lang="en-US" altLang="ko-KR" sz="1800">
+                <a:latin typeface="맑은 고딕" charset="0"/>
+                <a:ea typeface="맑은 고딕" charset="0"/>
+              </a:rPr>
+              <a:t>넷째 수준</a:t>
+            </a:r>
+          </a:p>
+          <a:p>
+            <a:pPr marL="2057400" indent="-228600" defTabSz="508000">
+              <a:lnSpc>
+                <a:spcPct val="100000"/>
+              </a:lnSpc>
+              <a:spcBef>
+                <a:spcPts val="500"/>
+              </a:spcBef>
+              <a:spcAft>
+                <a:spcPts val="0"/>
+              </a:spcAft>
+              <a:buClr>
+                <a:srgbClr val="000000"/>
+              </a:buClr>
+              <a:buFont typeface="맑은 고딕"/>
+              <a:buChar char="•"/>
+            </a:pPr>
+            <a:r>
+              <a:rPr lang="en-US" altLang="ko-KR" sz="1800">
+                <a:latin typeface="맑은 고딕" charset="0"/>
+                <a:ea typeface="맑은 고딕" charset="0"/>
+              </a:rPr>
+              <a:t>다섯째 수준</a:t>
+            </a:r>
+          </a:p>
+        </p:txBody>
+      </p:sp>
+      <p:sp>
+        <p:nvSpPr>
+          <p:cNvPr id="4" name="날짜 개체 틀 3"/>
+          <p:cNvSpPr txBox="1">
+            <a:spLocks/>
+          </p:cNvSpPr>
+          <p:nvPr>
+            <p:ph type="dt"/>
+          </p:nvPr>
+        </p:nvSpPr>
+        <p:spPr>
+          <a:xfrm rot="0">
+            <a:off x="838200" y="6356350"/>
+            <a:ext cx="2743835" cy="365760"/>
+          </a:xfrm>
+          <a:prstGeom prst="rect"/>
+        </p:spPr>
+        <p:txBody>
+          <a:bodyPr wrap="square" lIns="91440" tIns="45720" rIns="91440" bIns="45720" vert="horz" anchor="ctr">
+            <a:noAutofit/>
+          </a:bodyPr>
+          <a:lstStyle/>
+          <a:p>
+            <a:pPr marL="0" indent="0" defTabSz="508000">
+              <a:lnSpc>
+                <a:spcPct val="100000"/>
+              </a:lnSpc>
+              <a:spcBef>
+                <a:spcPts val="0"/>
+              </a:spcBef>
+              <a:spcAft>
+                <a:spcPts val="0"/>
+              </a:spcAft>
+              <a:buFontTx/>
+              <a:buNone/>
+            </a:pPr>
+            <a:fld id="{B9320F77-B9A0-41C5-862A-B4B631284C64}" type="datetime1">
+              <a:rPr lang="ko-KR" altLang="en-US" sz="1200">
+                <a:latin typeface="맑은 고딕" charset="0"/>
+                <a:ea typeface="맑은 고딕" charset="0"/>
+              </a:rPr>
+              <a:t>2019-09-23</a:t>
+            </a:fld>
+          </a:p>
+        </p:txBody>
+      </p:sp>
+      <p:sp>
+        <p:nvSpPr>
+          <p:cNvPr id="5" name="바닥글 개체 틀 4"/>
+          <p:cNvSpPr txBox="1">
+            <a:spLocks/>
+          </p:cNvSpPr>
+          <p:nvPr>
+            <p:ph type="ftr"/>
+          </p:nvPr>
+        </p:nvSpPr>
+        <p:spPr>
+          <a:xfrm rot="0">
+            <a:off x="4038600" y="6356350"/>
+            <a:ext cx="4115435" cy="365760"/>
+          </a:xfrm>
+          <a:prstGeom prst="rect"/>
+        </p:spPr>
+        <p:txBody>
+          <a:bodyPr wrap="square" lIns="91440" tIns="45720" rIns="91440" bIns="45720" vert="horz" anchor="ctr">
+            <a:noAutofit/>
+          </a:bodyPr>
+          <a:lstStyle/>
+          <a:p>
+            <a:pPr marL="0" indent="0" defTabSz="508000">
+              <a:lnSpc>
+                <a:spcPct val="100000"/>
+              </a:lnSpc>
+              <a:spcBef>
+                <a:spcPts val="0"/>
+              </a:spcBef>
+              <a:spcAft>
+                <a:spcPts val="0"/>
+              </a:spcAft>
+              <a:buFontTx/>
+              <a:buNone/>
+            </a:pPr>
+          </a:p>
+        </p:txBody>
+      </p:sp>
+      <p:sp>
+        <p:nvSpPr>
+          <p:cNvPr id="6" name="슬라이드 번호 개체 틀 5"/>
+          <p:cNvSpPr txBox="1">
+            <a:spLocks/>
+          </p:cNvSpPr>
+          <p:nvPr>
+            <p:ph type="sldNum"/>
+          </p:nvPr>
+        </p:nvSpPr>
+        <p:spPr>
+          <a:xfrm rot="0">
+            <a:off x="8610600" y="6356350"/>
+            <a:ext cx="2743835" cy="365760"/>
+          </a:xfrm>
+          <a:prstGeom prst="rect"/>
+        </p:spPr>
+        <p:txBody>
+          <a:bodyPr wrap="square" lIns="91440" tIns="45720" rIns="91440" bIns="45720" vert="horz" anchor="ctr">
+            <a:noAutofit/>
+          </a:bodyPr>
+          <a:lstStyle/>
+          <a:p>
+            <a:pPr marL="0" indent="0" defTabSz="508000">
+              <a:lnSpc>
+                <a:spcPct val="100000"/>
+              </a:lnSpc>
+              <a:spcBef>
+                <a:spcPts val="0"/>
+              </a:spcBef>
+              <a:spcAft>
+                <a:spcPts val="0"/>
+              </a:spcAft>
+              <a:buFontTx/>
+              <a:buNone/>
+            </a:pPr>
+            <a:fld id="{B9320F77-B9A0-41C5-862A-B4B631284C64}" type="slidenum">
+              <a:rPr lang="en-US" altLang="ko-KR" sz="1200">
+                <a:latin typeface="맑은 고딕" charset="0"/>
+                <a:ea typeface="맑은 고딕" charset="0"/>
+              </a:rPr>
+              <a:t>‹#›</a:t>
+            </a:fld>
+          </a:p>
+        </p:txBody>
+      </p:sp>
+    </p:spTree>
+  </p:cSld>
+  <p:clrMapOvr>
+    <a:overrideClrMapping bg1="lt1" tx1="dk1" bg2="lt2" tx2="dk2" accent1="accent1" accent2="accent2" accent3="accent3" accent4="accent4" accent5="accent5" accent6="accent6" hlink="hlink" folHlink="folHlink"/>
+  </p:clrMapOvr>
+  <mc:AlternateContent xmlns:mc="http://schemas.openxmlformats.org/markup-compatibility/2006">
+    <mc:Choice xmlns:p14="http://schemas.microsoft.com/office/powerpoint/2010/main" Requires="p14">
+      <p:transition spd="slow" p14:dur="2000"/>
+    </mc:Choice>
+    <mc:Fallback>
+      <p:transition spd="slow"/>
+    </mc:Fallback>
+  </mc:AlternateContent>
+</p:sldLayout>
+</file>
+
+<file path=ppt/slideLayouts/slideLayout69.xml><?xml version="1.0" encoding="utf-8"?>
+<p:sldLayout xmlns:a="http://schemas.openxmlformats.org/drawingml/2006/main" xmlns:r="http://schemas.openxmlformats.org/officeDocument/2006/relationships" xmlns:p="http://schemas.openxmlformats.org/presentationml/2006/main" type="secHead">
+  <p:cSld name="구역 머리글">
+    <p:spTree>
+      <p:nvGrpSpPr>
+        <p:cNvPr id="1" name=""/>
+        <p:cNvGrpSpPr/>
+        <p:nvPr/>
+      </p:nvGrpSpPr>
+      <p:grpSpPr>
+        <a:xfrm>
+          <a:off x="0" y="0"/>
+          <a:ext cx="0" cy="0"/>
+          <a:chOff x="0" y="0"/>
+          <a:chExt cx="0" cy="0"/>
+        </a:xfrm>
+      </p:grpSpPr>
+      <p:sp>
+        <p:nvSpPr>
+          <p:cNvPr id="2" name="텍스트 개체 틀 1"/>
+          <p:cNvSpPr txBox="1">
+            <a:spLocks/>
+          </p:cNvSpPr>
+          <p:nvPr>
+            <p:ph type="title"/>
+          </p:nvPr>
+        </p:nvSpPr>
+        <p:spPr>
+          <a:xfrm rot="0">
+            <a:off x="831850" y="1710055"/>
+            <a:ext cx="10516235" cy="2853055"/>
+          </a:xfrm>
+          <a:prstGeom prst="rect"/>
+        </p:spPr>
+        <p:txBody>
+          <a:bodyPr wrap="square" lIns="91440" tIns="45720" rIns="91440" bIns="45720" vert="horz" anchor="b">
+            <a:normAutofit fontScale="100000" lnSpcReduction="0"/>
+          </a:bodyPr>
+          <a:lstStyle/>
+          <a:p>
+            <a:pPr marL="0" indent="0" defTabSz="508000">
+              <a:lnSpc>
+                <a:spcPct val="100000"/>
+              </a:lnSpc>
+              <a:spcBef>
+                <a:spcPts val="0"/>
+              </a:spcBef>
+              <a:spcAft>
+                <a:spcPts val="0"/>
+              </a:spcAft>
+              <a:buFontTx/>
+              <a:buNone/>
+            </a:pPr>
+            <a:r>
+              <a:rPr lang="en-US" altLang="ko-KR" sz="6000">
+                <a:latin typeface="맑은 고딕" charset="0"/>
+                <a:ea typeface="맑은 고딕" charset="0"/>
+              </a:rPr>
+              <a:t>마스터 제목 스타일 편집</a:t>
+            </a:r>
+          </a:p>
+        </p:txBody>
+      </p:sp>
+      <p:sp>
+        <p:nvSpPr>
+          <p:cNvPr id="3" name="텍스트 개체 틀 2"/>
+          <p:cNvSpPr txBox="1">
+            <a:spLocks/>
+          </p:cNvSpPr>
+          <p:nvPr>
+            <p:ph type="body"/>
+          </p:nvPr>
+        </p:nvSpPr>
+        <p:spPr>
+          <a:xfrm rot="0">
+            <a:off x="831850" y="4589780"/>
+            <a:ext cx="10516235" cy="1500505"/>
+          </a:xfrm>
+          <a:prstGeom prst="rect"/>
+        </p:spPr>
+        <p:txBody>
+          <a:bodyPr wrap="square" lIns="91440" tIns="45720" rIns="91440" bIns="45720" vert="horz" anchor="t">
+            <a:normAutofit fontScale="100000" lnSpcReduction="0"/>
+          </a:bodyPr>
+          <a:lstStyle/>
+          <a:p>
+            <a:pPr marL="0" indent="0" defTabSz="508000">
+              <a:lnSpc>
+                <a:spcPct val="100000"/>
+              </a:lnSpc>
+              <a:spcBef>
+                <a:spcPts val="1000"/>
+              </a:spcBef>
+              <a:spcAft>
+                <a:spcPts val="0"/>
+              </a:spcAft>
+              <a:buFontTx/>
+              <a:buNone/>
+            </a:pPr>
+            <a:r>
+              <a:rPr lang="en-US" altLang="ko-KR" sz="2400">
+                <a:latin typeface="맑은 고딕" charset="0"/>
+                <a:ea typeface="맑은 고딕" charset="0"/>
+              </a:rPr>
+              <a:t>마스터 텍스트 스타일 편집</a:t>
+            </a:r>
+          </a:p>
+        </p:txBody>
+      </p:sp>
+      <p:sp>
+        <p:nvSpPr>
+          <p:cNvPr id="4" name="날짜 개체 틀 3"/>
+          <p:cNvSpPr txBox="1">
+            <a:spLocks/>
+          </p:cNvSpPr>
+          <p:nvPr>
+            <p:ph type="dt"/>
+          </p:nvPr>
+        </p:nvSpPr>
+        <p:spPr>
+          <a:xfrm rot="0">
+            <a:off x="838200" y="6356350"/>
+            <a:ext cx="2743835" cy="365760"/>
+          </a:xfrm>
+          <a:prstGeom prst="rect"/>
+        </p:spPr>
+        <p:txBody>
+          <a:bodyPr wrap="square" lIns="91440" tIns="45720" rIns="91440" bIns="45720" vert="horz" anchor="ctr">
+            <a:noAutofit/>
+          </a:bodyPr>
+          <a:lstStyle/>
+          <a:p>
+            <a:pPr marL="0" indent="0" defTabSz="508000">
+              <a:lnSpc>
+                <a:spcPct val="100000"/>
+              </a:lnSpc>
+              <a:spcBef>
+                <a:spcPts val="0"/>
+              </a:spcBef>
+              <a:spcAft>
+                <a:spcPts val="0"/>
+              </a:spcAft>
+              <a:buFontTx/>
+              <a:buNone/>
+            </a:pPr>
+            <a:fld id="{B9320F77-B9A0-41C5-862A-B4B631284C64}" type="datetime1">
+              <a:rPr lang="ko-KR" altLang="en-US" sz="1200">
+                <a:latin typeface="맑은 고딕" charset="0"/>
+                <a:ea typeface="맑은 고딕" charset="0"/>
+              </a:rPr>
+              <a:t>2019-09-23</a:t>
+            </a:fld>
+          </a:p>
+        </p:txBody>
+      </p:sp>
+      <p:sp>
+        <p:nvSpPr>
+          <p:cNvPr id="5" name="바닥글 개체 틀 4"/>
+          <p:cNvSpPr txBox="1">
+            <a:spLocks/>
+          </p:cNvSpPr>
+          <p:nvPr>
+            <p:ph type="ftr"/>
+          </p:nvPr>
+        </p:nvSpPr>
+        <p:spPr>
+          <a:xfrm rot="0">
+            <a:off x="4038600" y="6356350"/>
+            <a:ext cx="4115435" cy="365760"/>
+          </a:xfrm>
+          <a:prstGeom prst="rect"/>
+        </p:spPr>
+        <p:txBody>
+          <a:bodyPr wrap="square" lIns="91440" tIns="45720" rIns="91440" bIns="45720" vert="horz" anchor="ctr">
+            <a:noAutofit/>
+          </a:bodyPr>
+          <a:lstStyle/>
+          <a:p>
+            <a:pPr marL="0" indent="0" defTabSz="508000">
+              <a:lnSpc>
+                <a:spcPct val="100000"/>
+              </a:lnSpc>
+              <a:spcBef>
+                <a:spcPts val="0"/>
+              </a:spcBef>
+              <a:spcAft>
+                <a:spcPts val="0"/>
+              </a:spcAft>
+              <a:buFontTx/>
+              <a:buNone/>
+            </a:pPr>
+          </a:p>
+        </p:txBody>
+      </p:sp>
+      <p:sp>
+        <p:nvSpPr>
+          <p:cNvPr id="6" name="슬라이드 번호 개체 틀 5"/>
+          <p:cNvSpPr txBox="1">
+            <a:spLocks/>
+          </p:cNvSpPr>
+          <p:nvPr>
+            <p:ph type="sldNum"/>
+          </p:nvPr>
+        </p:nvSpPr>
+        <p:spPr>
+          <a:xfrm rot="0">
+            <a:off x="8610600" y="6356350"/>
+            <a:ext cx="2743835" cy="365760"/>
+          </a:xfrm>
+          <a:prstGeom prst="rect"/>
+        </p:spPr>
+        <p:txBody>
+          <a:bodyPr wrap="square" lIns="91440" tIns="45720" rIns="91440" bIns="45720" vert="horz" anchor="ctr">
+            <a:noAutofit/>
+          </a:bodyPr>
+          <a:lstStyle/>
+          <a:p>
+            <a:pPr marL="0" indent="0" defTabSz="508000">
+              <a:lnSpc>
+                <a:spcPct val="100000"/>
+              </a:lnSpc>
+              <a:spcBef>
+                <a:spcPts val="0"/>
+              </a:spcBef>
+              <a:spcAft>
+                <a:spcPts val="0"/>
+              </a:spcAft>
+              <a:buFontTx/>
+              <a:buNone/>
+            </a:pPr>
+            <a:fld id="{B9320F77-B9A0-41C5-862A-B4B631284C64}" type="slidenum">
+              <a:rPr lang="en-US" altLang="ko-KR" sz="1200">
+                <a:latin typeface="맑은 고딕" charset="0"/>
+                <a:ea typeface="맑은 고딕" charset="0"/>
+              </a:rPr>
+              <a:t>‹#›</a:t>
+            </a:fld>
+          </a:p>
+        </p:txBody>
+      </p:sp>
+    </p:spTree>
+  </p:cSld>
+  <p:clrMapOvr>
+    <a:overrideClrMapping bg1="lt1" tx1="dk1" bg2="lt2" tx2="dk2" accent1="accent1" accent2="accent2" accent3="accent3" accent4="accent4" accent5="accent5" accent6="accent6" hlink="hlink" folHlink="folHlink"/>
+  </p:clrMapOvr>
+  <mc:AlternateContent xmlns:mc="http://schemas.openxmlformats.org/markup-compatibility/2006">
+    <mc:Choice xmlns:p14="http://schemas.microsoft.com/office/powerpoint/2010/main" Requires="p14">
+      <p:transition spd="slow" p14:dur="2000"/>
+    </mc:Choice>
+    <mc:Fallback>
+      <p:transition spd="slow"/>
+    </mc:Fallback>
+  </mc:AlternateContent>
+</p:sldLayout>
+</file>
+
 <file path=ppt/slideLayouts/slideLayout7.xml><?xml version="1.0" encoding="utf-8"?>
 <p:sldLayout xmlns:a="http://schemas.openxmlformats.org/drawingml/2006/main" xmlns:r="http://schemas.openxmlformats.org/officeDocument/2006/relationships" xmlns:p="http://schemas.openxmlformats.org/presentationml/2006/main" type="blank" preserve="1">
   <p:cSld name="빈 화면">
@@ -22321,6 +23026,2885 @@
   <p:clrMapOvr>
     <a:masterClrMapping/>
   </p:clrMapOvr>
+</p:sldLayout>
+</file>
+
+<file path=ppt/slideLayouts/slideLayout70.xml><?xml version="1.0" encoding="utf-8"?>
+<p:sldLayout xmlns:a="http://schemas.openxmlformats.org/drawingml/2006/main" xmlns:r="http://schemas.openxmlformats.org/officeDocument/2006/relationships" xmlns:p="http://schemas.openxmlformats.org/presentationml/2006/main" type="twoObj">
+  <p:cSld name="콘텐츠 2개">
+    <p:spTree>
+      <p:nvGrpSpPr>
+        <p:cNvPr id="1" name=""/>
+        <p:cNvGrpSpPr/>
+        <p:nvPr/>
+      </p:nvGrpSpPr>
+      <p:grpSpPr>
+        <a:xfrm>
+          <a:off x="0" y="0"/>
+          <a:ext cx="0" cy="0"/>
+          <a:chOff x="0" y="0"/>
+          <a:chExt cx="0" cy="0"/>
+        </a:xfrm>
+      </p:grpSpPr>
+      <p:sp>
+        <p:nvSpPr>
+          <p:cNvPr id="2" name="텍스트 개체 틀 1"/>
+          <p:cNvSpPr txBox="1">
+            <a:spLocks/>
+          </p:cNvSpPr>
+          <p:nvPr>
+            <p:ph type="title"/>
+          </p:nvPr>
+        </p:nvSpPr>
+        <p:spPr>
+          <a:xfrm rot="0">
+            <a:off x="838200" y="365125"/>
+            <a:ext cx="10516235" cy="1326515"/>
+          </a:xfrm>
+          <a:prstGeom prst="rect"/>
+        </p:spPr>
+        <p:txBody>
+          <a:bodyPr wrap="square" lIns="91440" tIns="45720" rIns="91440" bIns="45720" vert="horz" anchor="ctr">
+            <a:normAutofit fontScale="100000" lnSpcReduction="0"/>
+          </a:bodyPr>
+          <a:lstStyle/>
+          <a:p>
+            <a:pPr marL="0" indent="0" defTabSz="508000">
+              <a:lnSpc>
+                <a:spcPct val="100000"/>
+              </a:lnSpc>
+              <a:spcBef>
+                <a:spcPts val="0"/>
+              </a:spcBef>
+              <a:spcAft>
+                <a:spcPts val="0"/>
+              </a:spcAft>
+              <a:buFontTx/>
+              <a:buNone/>
+            </a:pPr>
+            <a:r>
+              <a:rPr lang="en-US" altLang="ko-KR" sz="4400">
+                <a:latin typeface="맑은 고딕" charset="0"/>
+                <a:ea typeface="맑은 고딕" charset="0"/>
+              </a:rPr>
+              <a:t>마스터 제목 스타일 편집</a:t>
+            </a:r>
+          </a:p>
+        </p:txBody>
+      </p:sp>
+      <p:sp>
+        <p:nvSpPr>
+          <p:cNvPr id="3" name="내용 개체 틀 2"/>
+          <p:cNvSpPr txBox="1">
+            <a:spLocks/>
+          </p:cNvSpPr>
+          <p:nvPr>
+            <p:ph type="obj"/>
+          </p:nvPr>
+        </p:nvSpPr>
+        <p:spPr>
+          <a:xfrm rot="0">
+            <a:off x="838200" y="1825625"/>
+            <a:ext cx="5182235" cy="4352290"/>
+          </a:xfrm>
+          <a:prstGeom prst="rect"/>
+        </p:spPr>
+        <p:txBody>
+          <a:bodyPr wrap="square" lIns="91440" tIns="45720" rIns="91440" bIns="45720" vert="horz" anchor="t">
+            <a:normAutofit fontScale="100000" lnSpcReduction="0"/>
+          </a:bodyPr>
+          <a:lstStyle/>
+          <a:p>
+            <a:pPr marL="228600" indent="-228600" defTabSz="508000">
+              <a:lnSpc>
+                <a:spcPct val="100000"/>
+              </a:lnSpc>
+              <a:spcBef>
+                <a:spcPts val="1000"/>
+              </a:spcBef>
+              <a:spcAft>
+                <a:spcPts val="0"/>
+              </a:spcAft>
+              <a:buClr>
+                <a:srgbClr val="000000"/>
+              </a:buClr>
+              <a:buFont typeface="Arial"/>
+              <a:buChar char="•"/>
+            </a:pPr>
+            <a:r>
+              <a:rPr lang="en-US" altLang="ko-KR" sz="2800">
+                <a:latin typeface="맑은 고딕" charset="0"/>
+                <a:ea typeface="맑은 고딕" charset="0"/>
+              </a:rPr>
+              <a:t>마스터 텍스트 스타일 편집</a:t>
+            </a:r>
+          </a:p>
+          <a:p>
+            <a:pPr marL="685800" indent="-228600" defTabSz="508000">
+              <a:lnSpc>
+                <a:spcPct val="100000"/>
+              </a:lnSpc>
+              <a:spcBef>
+                <a:spcPts val="500"/>
+              </a:spcBef>
+              <a:spcAft>
+                <a:spcPts val="0"/>
+              </a:spcAft>
+              <a:buClr>
+                <a:srgbClr val="000000"/>
+              </a:buClr>
+              <a:buFont typeface="Arial"/>
+              <a:buChar char="•"/>
+            </a:pPr>
+            <a:r>
+              <a:rPr lang="en-US" altLang="ko-KR" sz="2400">
+                <a:latin typeface="맑은 고딕" charset="0"/>
+                <a:ea typeface="맑은 고딕" charset="0"/>
+              </a:rPr>
+              <a:t>둘째 수준</a:t>
+            </a:r>
+          </a:p>
+          <a:p>
+            <a:pPr marL="1143000" indent="-228600" defTabSz="508000">
+              <a:lnSpc>
+                <a:spcPct val="100000"/>
+              </a:lnSpc>
+              <a:spcBef>
+                <a:spcPts val="500"/>
+              </a:spcBef>
+              <a:spcAft>
+                <a:spcPts val="0"/>
+              </a:spcAft>
+              <a:buClr>
+                <a:srgbClr val="000000"/>
+              </a:buClr>
+              <a:buFont typeface="Arial"/>
+              <a:buChar char="•"/>
+            </a:pPr>
+            <a:r>
+              <a:rPr lang="en-US" altLang="ko-KR" sz="2000">
+                <a:latin typeface="맑은 고딕" charset="0"/>
+                <a:ea typeface="맑은 고딕" charset="0"/>
+              </a:rPr>
+              <a:t>셋째 수준</a:t>
+            </a:r>
+          </a:p>
+          <a:p>
+            <a:pPr marL="1600200" indent="-228600" defTabSz="508000">
+              <a:lnSpc>
+                <a:spcPct val="100000"/>
+              </a:lnSpc>
+              <a:spcBef>
+                <a:spcPts val="500"/>
+              </a:spcBef>
+              <a:spcAft>
+                <a:spcPts val="0"/>
+              </a:spcAft>
+              <a:buClr>
+                <a:srgbClr val="000000"/>
+              </a:buClr>
+              <a:buFont typeface="Arial"/>
+              <a:buChar char="•"/>
+            </a:pPr>
+            <a:r>
+              <a:rPr lang="en-US" altLang="ko-KR" sz="1800">
+                <a:latin typeface="맑은 고딕" charset="0"/>
+                <a:ea typeface="맑은 고딕" charset="0"/>
+              </a:rPr>
+              <a:t>넷째 수준</a:t>
+            </a:r>
+          </a:p>
+          <a:p>
+            <a:pPr marL="2057400" indent="-228600" defTabSz="508000">
+              <a:lnSpc>
+                <a:spcPct val="100000"/>
+              </a:lnSpc>
+              <a:spcBef>
+                <a:spcPts val="500"/>
+              </a:spcBef>
+              <a:spcAft>
+                <a:spcPts val="0"/>
+              </a:spcAft>
+              <a:buClr>
+                <a:srgbClr val="000000"/>
+              </a:buClr>
+              <a:buFont typeface="Arial"/>
+              <a:buChar char="•"/>
+            </a:pPr>
+            <a:r>
+              <a:rPr lang="en-US" altLang="ko-KR" sz="1800">
+                <a:latin typeface="맑은 고딕" charset="0"/>
+                <a:ea typeface="맑은 고딕" charset="0"/>
+              </a:rPr>
+              <a:t>다섯째 수준</a:t>
+            </a:r>
+          </a:p>
+        </p:txBody>
+      </p:sp>
+      <p:sp>
+        <p:nvSpPr>
+          <p:cNvPr id="4" name="내용 개체 틀 3"/>
+          <p:cNvSpPr txBox="1">
+            <a:spLocks/>
+          </p:cNvSpPr>
+          <p:nvPr>
+            <p:ph type="obj"/>
+          </p:nvPr>
+        </p:nvSpPr>
+        <p:spPr>
+          <a:xfrm rot="0">
+            <a:off x="6172200" y="1825625"/>
+            <a:ext cx="5182235" cy="4352290"/>
+          </a:xfrm>
+          <a:prstGeom prst="rect"/>
+        </p:spPr>
+        <p:txBody>
+          <a:bodyPr wrap="square" lIns="91440" tIns="45720" rIns="91440" bIns="45720" vert="horz" anchor="t">
+            <a:normAutofit fontScale="100000" lnSpcReduction="0"/>
+          </a:bodyPr>
+          <a:lstStyle/>
+          <a:p>
+            <a:pPr marL="228600" indent="-228600" defTabSz="508000">
+              <a:lnSpc>
+                <a:spcPct val="100000"/>
+              </a:lnSpc>
+              <a:spcBef>
+                <a:spcPts val="1000"/>
+              </a:spcBef>
+              <a:spcAft>
+                <a:spcPts val="0"/>
+              </a:spcAft>
+              <a:buClr>
+                <a:srgbClr val="000000"/>
+              </a:buClr>
+              <a:buFont typeface="Wingdings"/>
+              <a:buChar char="•"/>
+            </a:pPr>
+            <a:r>
+              <a:rPr lang="en-US" altLang="ko-KR" sz="2800">
+                <a:latin typeface="맑은 고딕" charset="0"/>
+                <a:ea typeface="맑은 고딕" charset="0"/>
+              </a:rPr>
+              <a:t>마스터 텍스트 스타일 편집</a:t>
+            </a:r>
+          </a:p>
+          <a:p>
+            <a:pPr marL="685800" indent="-228600" defTabSz="508000">
+              <a:lnSpc>
+                <a:spcPct val="100000"/>
+              </a:lnSpc>
+              <a:spcBef>
+                <a:spcPts val="500"/>
+              </a:spcBef>
+              <a:spcAft>
+                <a:spcPts val="0"/>
+              </a:spcAft>
+              <a:buClr>
+                <a:srgbClr val="000000"/>
+              </a:buClr>
+              <a:buFont typeface="Wingdings"/>
+              <a:buChar char="•"/>
+            </a:pPr>
+            <a:r>
+              <a:rPr lang="en-US" altLang="ko-KR" sz="2400">
+                <a:latin typeface="맑은 고딕" charset="0"/>
+                <a:ea typeface="맑은 고딕" charset="0"/>
+              </a:rPr>
+              <a:t>둘째 수준</a:t>
+            </a:r>
+          </a:p>
+          <a:p>
+            <a:pPr marL="1143000" indent="-228600" defTabSz="508000">
+              <a:lnSpc>
+                <a:spcPct val="100000"/>
+              </a:lnSpc>
+              <a:spcBef>
+                <a:spcPts val="500"/>
+              </a:spcBef>
+              <a:spcAft>
+                <a:spcPts val="0"/>
+              </a:spcAft>
+              <a:buClr>
+                <a:srgbClr val="000000"/>
+              </a:buClr>
+              <a:buFont typeface="Wingdings"/>
+              <a:buChar char="•"/>
+            </a:pPr>
+            <a:r>
+              <a:rPr lang="en-US" altLang="ko-KR" sz="2000">
+                <a:latin typeface="맑은 고딕" charset="0"/>
+                <a:ea typeface="맑은 고딕" charset="0"/>
+              </a:rPr>
+              <a:t>셋째 수준</a:t>
+            </a:r>
+          </a:p>
+          <a:p>
+            <a:pPr marL="1600200" indent="-228600" defTabSz="508000">
+              <a:lnSpc>
+                <a:spcPct val="100000"/>
+              </a:lnSpc>
+              <a:spcBef>
+                <a:spcPts val="500"/>
+              </a:spcBef>
+              <a:spcAft>
+                <a:spcPts val="0"/>
+              </a:spcAft>
+              <a:buClr>
+                <a:srgbClr val="000000"/>
+              </a:buClr>
+              <a:buFont typeface="Wingdings"/>
+              <a:buChar char="•"/>
+            </a:pPr>
+            <a:r>
+              <a:rPr lang="en-US" altLang="ko-KR" sz="1800">
+                <a:latin typeface="맑은 고딕" charset="0"/>
+                <a:ea typeface="맑은 고딕" charset="0"/>
+              </a:rPr>
+              <a:t>넷째 수준</a:t>
+            </a:r>
+          </a:p>
+          <a:p>
+            <a:pPr marL="2057400" indent="-228600" defTabSz="508000">
+              <a:lnSpc>
+                <a:spcPct val="100000"/>
+              </a:lnSpc>
+              <a:spcBef>
+                <a:spcPts val="500"/>
+              </a:spcBef>
+              <a:spcAft>
+                <a:spcPts val="0"/>
+              </a:spcAft>
+              <a:buClr>
+                <a:srgbClr val="000000"/>
+              </a:buClr>
+              <a:buFont typeface="Wingdings"/>
+              <a:buChar char="•"/>
+            </a:pPr>
+            <a:r>
+              <a:rPr lang="en-US" altLang="ko-KR" sz="1800">
+                <a:latin typeface="맑은 고딕" charset="0"/>
+                <a:ea typeface="맑은 고딕" charset="0"/>
+              </a:rPr>
+              <a:t>다섯째 수준</a:t>
+            </a:r>
+          </a:p>
+        </p:txBody>
+      </p:sp>
+      <p:sp>
+        <p:nvSpPr>
+          <p:cNvPr id="5" name="날짜 개체 틀 4"/>
+          <p:cNvSpPr txBox="1">
+            <a:spLocks/>
+          </p:cNvSpPr>
+          <p:nvPr>
+            <p:ph type="dt"/>
+          </p:nvPr>
+        </p:nvSpPr>
+        <p:spPr>
+          <a:xfrm rot="0">
+            <a:off x="838200" y="6356350"/>
+            <a:ext cx="2743835" cy="365760"/>
+          </a:xfrm>
+          <a:prstGeom prst="rect"/>
+        </p:spPr>
+        <p:txBody>
+          <a:bodyPr wrap="square" lIns="91440" tIns="45720" rIns="91440" bIns="45720" vert="horz" anchor="ctr">
+            <a:noAutofit/>
+          </a:bodyPr>
+          <a:lstStyle/>
+          <a:p>
+            <a:pPr marL="0" indent="0" defTabSz="508000">
+              <a:lnSpc>
+                <a:spcPct val="100000"/>
+              </a:lnSpc>
+              <a:spcBef>
+                <a:spcPts val="0"/>
+              </a:spcBef>
+              <a:spcAft>
+                <a:spcPts val="0"/>
+              </a:spcAft>
+              <a:buFontTx/>
+              <a:buNone/>
+            </a:pPr>
+            <a:fld id="{B9320F77-B9A0-41C5-862A-B4B631284C64}" type="datetime1">
+              <a:rPr lang="ko-KR" altLang="en-US" sz="1200">
+                <a:latin typeface="맑은 고딕" charset="0"/>
+                <a:ea typeface="맑은 고딕" charset="0"/>
+              </a:rPr>
+              <a:t>2019-09-23</a:t>
+            </a:fld>
+          </a:p>
+        </p:txBody>
+      </p:sp>
+      <p:sp>
+        <p:nvSpPr>
+          <p:cNvPr id="6" name="바닥글 개체 틀 5"/>
+          <p:cNvSpPr txBox="1">
+            <a:spLocks/>
+          </p:cNvSpPr>
+          <p:nvPr>
+            <p:ph type="ftr"/>
+          </p:nvPr>
+        </p:nvSpPr>
+        <p:spPr>
+          <a:xfrm rot="0">
+            <a:off x="4038600" y="6356350"/>
+            <a:ext cx="4115435" cy="365760"/>
+          </a:xfrm>
+          <a:prstGeom prst="rect"/>
+        </p:spPr>
+        <p:txBody>
+          <a:bodyPr wrap="square" lIns="91440" tIns="45720" rIns="91440" bIns="45720" vert="horz" anchor="ctr">
+            <a:noAutofit/>
+          </a:bodyPr>
+          <a:lstStyle/>
+          <a:p>
+            <a:pPr marL="0" indent="0" defTabSz="508000">
+              <a:lnSpc>
+                <a:spcPct val="100000"/>
+              </a:lnSpc>
+              <a:spcBef>
+                <a:spcPts val="0"/>
+              </a:spcBef>
+              <a:spcAft>
+                <a:spcPts val="0"/>
+              </a:spcAft>
+              <a:buFontTx/>
+              <a:buNone/>
+            </a:pPr>
+          </a:p>
+        </p:txBody>
+      </p:sp>
+      <p:sp>
+        <p:nvSpPr>
+          <p:cNvPr id="7" name="슬라이드 번호 개체 틀 6"/>
+          <p:cNvSpPr txBox="1">
+            <a:spLocks/>
+          </p:cNvSpPr>
+          <p:nvPr>
+            <p:ph type="sldNum"/>
+          </p:nvPr>
+        </p:nvSpPr>
+        <p:spPr>
+          <a:xfrm rot="0">
+            <a:off x="8610600" y="6356350"/>
+            <a:ext cx="2743835" cy="365760"/>
+          </a:xfrm>
+          <a:prstGeom prst="rect"/>
+        </p:spPr>
+        <p:txBody>
+          <a:bodyPr wrap="square" lIns="91440" tIns="45720" rIns="91440" bIns="45720" vert="horz" anchor="ctr">
+            <a:noAutofit/>
+          </a:bodyPr>
+          <a:lstStyle/>
+          <a:p>
+            <a:pPr marL="0" indent="0" defTabSz="508000">
+              <a:lnSpc>
+                <a:spcPct val="100000"/>
+              </a:lnSpc>
+              <a:spcBef>
+                <a:spcPts val="0"/>
+              </a:spcBef>
+              <a:spcAft>
+                <a:spcPts val="0"/>
+              </a:spcAft>
+              <a:buFontTx/>
+              <a:buNone/>
+            </a:pPr>
+            <a:fld id="{B9320F77-B9A0-41C5-862A-B4B631284C64}" type="slidenum">
+              <a:rPr lang="en-US" altLang="ko-KR" sz="1200">
+                <a:latin typeface="맑은 고딕" charset="0"/>
+                <a:ea typeface="맑은 고딕" charset="0"/>
+              </a:rPr>
+              <a:t>‹#›</a:t>
+            </a:fld>
+          </a:p>
+        </p:txBody>
+      </p:sp>
+    </p:spTree>
+  </p:cSld>
+  <p:clrMapOvr>
+    <a:overrideClrMapping bg1="lt1" tx1="dk1" bg2="lt2" tx2="dk2" accent1="accent1" accent2="accent2" accent3="accent3" accent4="accent4" accent5="accent5" accent6="accent6" hlink="hlink" folHlink="folHlink"/>
+  </p:clrMapOvr>
+  <mc:AlternateContent xmlns:mc="http://schemas.openxmlformats.org/markup-compatibility/2006">
+    <mc:Choice xmlns:p14="http://schemas.microsoft.com/office/powerpoint/2010/main" Requires="p14">
+      <p:transition spd="slow" p14:dur="2000"/>
+    </mc:Choice>
+    <mc:Fallback>
+      <p:transition spd="slow"/>
+    </mc:Fallback>
+  </mc:AlternateContent>
+</p:sldLayout>
+</file>
+
+<file path=ppt/slideLayouts/slideLayout71.xml><?xml version="1.0" encoding="utf-8"?>
+<p:sldLayout xmlns:a="http://schemas.openxmlformats.org/drawingml/2006/main" xmlns:r="http://schemas.openxmlformats.org/officeDocument/2006/relationships" xmlns:p="http://schemas.openxmlformats.org/presentationml/2006/main" type="twoTxTwoObj">
+  <p:cSld name="비교">
+    <p:spTree>
+      <p:nvGrpSpPr>
+        <p:cNvPr id="1" name=""/>
+        <p:cNvGrpSpPr/>
+        <p:nvPr/>
+      </p:nvGrpSpPr>
+      <p:grpSpPr>
+        <a:xfrm>
+          <a:off x="0" y="0"/>
+          <a:ext cx="0" cy="0"/>
+          <a:chOff x="0" y="0"/>
+          <a:chExt cx="0" cy="0"/>
+        </a:xfrm>
+      </p:grpSpPr>
+      <p:sp>
+        <p:nvSpPr>
+          <p:cNvPr id="2" name="텍스트 개체 틀 1"/>
+          <p:cNvSpPr txBox="1">
+            <a:spLocks/>
+          </p:cNvSpPr>
+          <p:nvPr>
+            <p:ph type="title"/>
+          </p:nvPr>
+        </p:nvSpPr>
+        <p:spPr>
+          <a:xfrm rot="0">
+            <a:off x="840105" y="365125"/>
+            <a:ext cx="10516235" cy="1326515"/>
+          </a:xfrm>
+          <a:prstGeom prst="rect"/>
+        </p:spPr>
+        <p:txBody>
+          <a:bodyPr wrap="square" lIns="91440" tIns="45720" rIns="91440" bIns="45720" vert="horz" anchor="ctr">
+            <a:normAutofit fontScale="100000" lnSpcReduction="0"/>
+          </a:bodyPr>
+          <a:lstStyle/>
+          <a:p>
+            <a:pPr marL="0" indent="0" defTabSz="508000">
+              <a:lnSpc>
+                <a:spcPct val="100000"/>
+              </a:lnSpc>
+              <a:spcBef>
+                <a:spcPts val="0"/>
+              </a:spcBef>
+              <a:spcAft>
+                <a:spcPts val="0"/>
+              </a:spcAft>
+              <a:buFontTx/>
+              <a:buNone/>
+            </a:pPr>
+            <a:r>
+              <a:rPr lang="en-US" altLang="ko-KR" sz="4400">
+                <a:latin typeface="맑은 고딕" charset="0"/>
+                <a:ea typeface="맑은 고딕" charset="0"/>
+              </a:rPr>
+              <a:t>마스터 제목 스타일 편집</a:t>
+            </a:r>
+          </a:p>
+        </p:txBody>
+      </p:sp>
+      <p:sp>
+        <p:nvSpPr>
+          <p:cNvPr id="3" name="텍스트 개체 틀 2"/>
+          <p:cNvSpPr txBox="1">
+            <a:spLocks/>
+          </p:cNvSpPr>
+          <p:nvPr>
+            <p:ph type="body"/>
+          </p:nvPr>
+        </p:nvSpPr>
+        <p:spPr>
+          <a:xfrm rot="0">
+            <a:off x="840105" y="1681480"/>
+            <a:ext cx="5158105" cy="824230"/>
+          </a:xfrm>
+          <a:prstGeom prst="rect"/>
+        </p:spPr>
+        <p:txBody>
+          <a:bodyPr wrap="square" lIns="91440" tIns="45720" rIns="91440" bIns="45720" vert="horz" anchor="b">
+            <a:normAutofit fontScale="100000" lnSpcReduction="0"/>
+          </a:bodyPr>
+          <a:lstStyle/>
+          <a:p>
+            <a:pPr marL="0" indent="0" defTabSz="508000">
+              <a:lnSpc>
+                <a:spcPct val="100000"/>
+              </a:lnSpc>
+              <a:spcBef>
+                <a:spcPts val="1000"/>
+              </a:spcBef>
+              <a:spcAft>
+                <a:spcPts val="0"/>
+              </a:spcAft>
+              <a:buFontTx/>
+              <a:buNone/>
+            </a:pPr>
+            <a:r>
+              <a:rPr lang="en-US" altLang="ko-KR" sz="2400">
+                <a:latin typeface="맑은 고딕" charset="0"/>
+                <a:ea typeface="맑은 고딕" charset="0"/>
+              </a:rPr>
+              <a:t>마스터 텍스트 스타일 편집</a:t>
+            </a:r>
+          </a:p>
+        </p:txBody>
+      </p:sp>
+      <p:sp>
+        <p:nvSpPr>
+          <p:cNvPr id="4" name="내용 개체 틀 3"/>
+          <p:cNvSpPr txBox="1">
+            <a:spLocks/>
+          </p:cNvSpPr>
+          <p:nvPr>
+            <p:ph type="obj"/>
+          </p:nvPr>
+        </p:nvSpPr>
+        <p:spPr>
+          <a:xfrm rot="0">
+            <a:off x="840105" y="2505075"/>
+            <a:ext cx="5158105" cy="3685540"/>
+          </a:xfrm>
+          <a:prstGeom prst="rect"/>
+        </p:spPr>
+        <p:txBody>
+          <a:bodyPr wrap="square" lIns="91440" tIns="45720" rIns="91440" bIns="45720" vert="horz" anchor="t">
+            <a:normAutofit fontScale="100000" lnSpcReduction="0"/>
+          </a:bodyPr>
+          <a:lstStyle/>
+          <a:p>
+            <a:pPr marL="228600" indent="-228600" defTabSz="508000">
+              <a:lnSpc>
+                <a:spcPct val="100000"/>
+              </a:lnSpc>
+              <a:spcBef>
+                <a:spcPts val="1000"/>
+              </a:spcBef>
+              <a:spcAft>
+                <a:spcPts val="0"/>
+              </a:spcAft>
+              <a:buClr>
+                <a:srgbClr val="000000"/>
+              </a:buClr>
+              <a:buFont typeface="Wingdings"/>
+              <a:buChar char="•"/>
+            </a:pPr>
+            <a:r>
+              <a:rPr lang="en-US" altLang="ko-KR" sz="2800">
+                <a:latin typeface="맑은 고딕" charset="0"/>
+                <a:ea typeface="맑은 고딕" charset="0"/>
+              </a:rPr>
+              <a:t>마스터 텍스트 스타일 편집</a:t>
+            </a:r>
+          </a:p>
+          <a:p>
+            <a:pPr marL="685800" indent="-228600" defTabSz="508000">
+              <a:lnSpc>
+                <a:spcPct val="100000"/>
+              </a:lnSpc>
+              <a:spcBef>
+                <a:spcPts val="500"/>
+              </a:spcBef>
+              <a:spcAft>
+                <a:spcPts val="0"/>
+              </a:spcAft>
+              <a:buClr>
+                <a:srgbClr val="000000"/>
+              </a:buClr>
+              <a:buFont typeface="Wingdings"/>
+              <a:buChar char="•"/>
+            </a:pPr>
+            <a:r>
+              <a:rPr lang="en-US" altLang="ko-KR" sz="2400">
+                <a:latin typeface="맑은 고딕" charset="0"/>
+                <a:ea typeface="맑은 고딕" charset="0"/>
+              </a:rPr>
+              <a:t>둘째 수준</a:t>
+            </a:r>
+          </a:p>
+          <a:p>
+            <a:pPr marL="1143000" indent="-228600" defTabSz="508000">
+              <a:lnSpc>
+                <a:spcPct val="100000"/>
+              </a:lnSpc>
+              <a:spcBef>
+                <a:spcPts val="500"/>
+              </a:spcBef>
+              <a:spcAft>
+                <a:spcPts val="0"/>
+              </a:spcAft>
+              <a:buClr>
+                <a:srgbClr val="000000"/>
+              </a:buClr>
+              <a:buFont typeface="Wingdings"/>
+              <a:buChar char="•"/>
+            </a:pPr>
+            <a:r>
+              <a:rPr lang="en-US" altLang="ko-KR" sz="2000">
+                <a:latin typeface="맑은 고딕" charset="0"/>
+                <a:ea typeface="맑은 고딕" charset="0"/>
+              </a:rPr>
+              <a:t>셋째 수준</a:t>
+            </a:r>
+          </a:p>
+          <a:p>
+            <a:pPr marL="1600200" indent="-228600" defTabSz="508000">
+              <a:lnSpc>
+                <a:spcPct val="100000"/>
+              </a:lnSpc>
+              <a:spcBef>
+                <a:spcPts val="500"/>
+              </a:spcBef>
+              <a:spcAft>
+                <a:spcPts val="0"/>
+              </a:spcAft>
+              <a:buClr>
+                <a:srgbClr val="000000"/>
+              </a:buClr>
+              <a:buFont typeface="Wingdings"/>
+              <a:buChar char="•"/>
+            </a:pPr>
+            <a:r>
+              <a:rPr lang="en-US" altLang="ko-KR" sz="1800">
+                <a:latin typeface="맑은 고딕" charset="0"/>
+                <a:ea typeface="맑은 고딕" charset="0"/>
+              </a:rPr>
+              <a:t>넷째 수준</a:t>
+            </a:r>
+          </a:p>
+          <a:p>
+            <a:pPr marL="2057400" indent="-228600" defTabSz="508000">
+              <a:lnSpc>
+                <a:spcPct val="100000"/>
+              </a:lnSpc>
+              <a:spcBef>
+                <a:spcPts val="500"/>
+              </a:spcBef>
+              <a:spcAft>
+                <a:spcPts val="0"/>
+              </a:spcAft>
+              <a:buClr>
+                <a:srgbClr val="000000"/>
+              </a:buClr>
+              <a:buFont typeface="Arial"/>
+              <a:buChar char="•"/>
+            </a:pPr>
+            <a:r>
+              <a:rPr lang="en-US" altLang="ko-KR" sz="1800">
+                <a:latin typeface="맑은 고딕" charset="0"/>
+                <a:ea typeface="맑은 고딕" charset="0"/>
+              </a:rPr>
+              <a:t>다섯째 수준</a:t>
+            </a:r>
+          </a:p>
+        </p:txBody>
+      </p:sp>
+      <p:sp>
+        <p:nvSpPr>
+          <p:cNvPr id="5" name="텍스트 개체 틀 4"/>
+          <p:cNvSpPr txBox="1">
+            <a:spLocks/>
+          </p:cNvSpPr>
+          <p:nvPr>
+            <p:ph type="body"/>
+          </p:nvPr>
+        </p:nvSpPr>
+        <p:spPr>
+          <a:xfrm rot="0">
+            <a:off x="6172200" y="1681480"/>
+            <a:ext cx="5184140" cy="824230"/>
+          </a:xfrm>
+          <a:prstGeom prst="rect"/>
+        </p:spPr>
+        <p:txBody>
+          <a:bodyPr wrap="square" lIns="91440" tIns="45720" rIns="91440" bIns="45720" vert="horz" anchor="b">
+            <a:normAutofit fontScale="100000" lnSpcReduction="0"/>
+          </a:bodyPr>
+          <a:lstStyle/>
+          <a:p>
+            <a:pPr marL="0" indent="0" defTabSz="508000">
+              <a:lnSpc>
+                <a:spcPct val="100000"/>
+              </a:lnSpc>
+              <a:spcBef>
+                <a:spcPts val="1000"/>
+              </a:spcBef>
+              <a:spcAft>
+                <a:spcPts val="0"/>
+              </a:spcAft>
+              <a:buFontTx/>
+              <a:buNone/>
+            </a:pPr>
+            <a:r>
+              <a:rPr lang="en-US" altLang="ko-KR" sz="2400">
+                <a:latin typeface="맑은 고딕" charset="0"/>
+                <a:ea typeface="맑은 고딕" charset="0"/>
+              </a:rPr>
+              <a:t>마스터 텍스트 스타일 편집</a:t>
+            </a:r>
+          </a:p>
+        </p:txBody>
+      </p:sp>
+      <p:sp>
+        <p:nvSpPr>
+          <p:cNvPr id="6" name="내용 개체 틀 5"/>
+          <p:cNvSpPr txBox="1">
+            <a:spLocks/>
+          </p:cNvSpPr>
+          <p:nvPr>
+            <p:ph type="obj"/>
+          </p:nvPr>
+        </p:nvSpPr>
+        <p:spPr>
+          <a:xfrm rot="0">
+            <a:off x="6172200" y="2505075"/>
+            <a:ext cx="5184140" cy="3685540"/>
+          </a:xfrm>
+          <a:prstGeom prst="rect"/>
+        </p:spPr>
+        <p:txBody>
+          <a:bodyPr wrap="square" lIns="91440" tIns="45720" rIns="91440" bIns="45720" vert="horz" anchor="t">
+            <a:normAutofit fontScale="100000" lnSpcReduction="0"/>
+          </a:bodyPr>
+          <a:lstStyle/>
+          <a:p>
+            <a:pPr marL="228600" indent="-228600" defTabSz="508000">
+              <a:lnSpc>
+                <a:spcPct val="100000"/>
+              </a:lnSpc>
+              <a:spcBef>
+                <a:spcPts val="1000"/>
+              </a:spcBef>
+              <a:spcAft>
+                <a:spcPts val="0"/>
+              </a:spcAft>
+              <a:buClr>
+                <a:srgbClr val="000000"/>
+              </a:buClr>
+              <a:buFont typeface="Arial"/>
+              <a:buChar char="•"/>
+            </a:pPr>
+            <a:r>
+              <a:rPr lang="en-US" altLang="ko-KR" sz="2800">
+                <a:latin typeface="맑은 고딕" charset="0"/>
+                <a:ea typeface="맑은 고딕" charset="0"/>
+              </a:rPr>
+              <a:t>마스터 텍스트 스타일 편집</a:t>
+            </a:r>
+          </a:p>
+          <a:p>
+            <a:pPr marL="685800" indent="-228600" defTabSz="508000">
+              <a:lnSpc>
+                <a:spcPct val="100000"/>
+              </a:lnSpc>
+              <a:spcBef>
+                <a:spcPts val="500"/>
+              </a:spcBef>
+              <a:spcAft>
+                <a:spcPts val="0"/>
+              </a:spcAft>
+              <a:buClr>
+                <a:srgbClr val="000000"/>
+              </a:buClr>
+              <a:buFont typeface="Arial"/>
+              <a:buChar char="•"/>
+            </a:pPr>
+            <a:r>
+              <a:rPr lang="en-US" altLang="ko-KR" sz="2400">
+                <a:latin typeface="맑은 고딕" charset="0"/>
+                <a:ea typeface="맑은 고딕" charset="0"/>
+              </a:rPr>
+              <a:t>둘째 수준</a:t>
+            </a:r>
+          </a:p>
+          <a:p>
+            <a:pPr marL="1143000" indent="-228600" defTabSz="508000">
+              <a:lnSpc>
+                <a:spcPct val="100000"/>
+              </a:lnSpc>
+              <a:spcBef>
+                <a:spcPts val="500"/>
+              </a:spcBef>
+              <a:spcAft>
+                <a:spcPts val="0"/>
+              </a:spcAft>
+              <a:buClr>
+                <a:srgbClr val="000000"/>
+              </a:buClr>
+              <a:buFont typeface="Arial"/>
+              <a:buChar char="•"/>
+            </a:pPr>
+            <a:r>
+              <a:rPr lang="en-US" altLang="ko-KR" sz="2000">
+                <a:latin typeface="맑은 고딕" charset="0"/>
+                <a:ea typeface="맑은 고딕" charset="0"/>
+              </a:rPr>
+              <a:t>셋째 수준</a:t>
+            </a:r>
+          </a:p>
+          <a:p>
+            <a:pPr marL="1600200" indent="-228600" defTabSz="508000">
+              <a:lnSpc>
+                <a:spcPct val="100000"/>
+              </a:lnSpc>
+              <a:spcBef>
+                <a:spcPts val="500"/>
+              </a:spcBef>
+              <a:spcAft>
+                <a:spcPts val="0"/>
+              </a:spcAft>
+              <a:buClr>
+                <a:srgbClr val="000000"/>
+              </a:buClr>
+              <a:buFont typeface="Arial"/>
+              <a:buChar char="•"/>
+            </a:pPr>
+            <a:r>
+              <a:rPr lang="en-US" altLang="ko-KR" sz="1800">
+                <a:latin typeface="맑은 고딕" charset="0"/>
+                <a:ea typeface="맑은 고딕" charset="0"/>
+              </a:rPr>
+              <a:t>넷째 수준</a:t>
+            </a:r>
+          </a:p>
+          <a:p>
+            <a:pPr marL="2057400" indent="-228600" defTabSz="508000">
+              <a:lnSpc>
+                <a:spcPct val="100000"/>
+              </a:lnSpc>
+              <a:spcBef>
+                <a:spcPts val="500"/>
+              </a:spcBef>
+              <a:spcAft>
+                <a:spcPts val="0"/>
+              </a:spcAft>
+              <a:buClr>
+                <a:srgbClr val="000000"/>
+              </a:buClr>
+              <a:buFont typeface="Arial"/>
+              <a:buChar char="•"/>
+            </a:pPr>
+            <a:r>
+              <a:rPr lang="en-US" altLang="ko-KR" sz="1800">
+                <a:latin typeface="맑은 고딕" charset="0"/>
+                <a:ea typeface="맑은 고딕" charset="0"/>
+              </a:rPr>
+              <a:t>다섯째 수준</a:t>
+            </a:r>
+          </a:p>
+        </p:txBody>
+      </p:sp>
+      <p:sp>
+        <p:nvSpPr>
+          <p:cNvPr id="7" name="날짜 개체 틀 6"/>
+          <p:cNvSpPr txBox="1">
+            <a:spLocks/>
+          </p:cNvSpPr>
+          <p:nvPr>
+            <p:ph type="dt"/>
+          </p:nvPr>
+        </p:nvSpPr>
+        <p:spPr>
+          <a:xfrm rot="0">
+            <a:off x="838200" y="6356350"/>
+            <a:ext cx="2743835" cy="365760"/>
+          </a:xfrm>
+          <a:prstGeom prst="rect"/>
+        </p:spPr>
+        <p:txBody>
+          <a:bodyPr wrap="square" lIns="91440" tIns="45720" rIns="91440" bIns="45720" vert="horz" anchor="ctr">
+            <a:noAutofit/>
+          </a:bodyPr>
+          <a:lstStyle/>
+          <a:p>
+            <a:pPr marL="0" indent="0" defTabSz="508000">
+              <a:lnSpc>
+                <a:spcPct val="100000"/>
+              </a:lnSpc>
+              <a:spcBef>
+                <a:spcPts val="0"/>
+              </a:spcBef>
+              <a:spcAft>
+                <a:spcPts val="0"/>
+              </a:spcAft>
+              <a:buFontTx/>
+              <a:buNone/>
+            </a:pPr>
+            <a:fld id="{B9320F77-B9A0-41C5-862A-B4B631284C64}" type="datetime1">
+              <a:rPr lang="ko-KR" altLang="en-US" sz="1200">
+                <a:latin typeface="맑은 고딕" charset="0"/>
+                <a:ea typeface="맑은 고딕" charset="0"/>
+              </a:rPr>
+              <a:t>2019-09-23</a:t>
+            </a:fld>
+          </a:p>
+        </p:txBody>
+      </p:sp>
+      <p:sp>
+        <p:nvSpPr>
+          <p:cNvPr id="8" name="바닥글 개체 틀 7"/>
+          <p:cNvSpPr txBox="1">
+            <a:spLocks/>
+          </p:cNvSpPr>
+          <p:nvPr>
+            <p:ph type="ftr"/>
+          </p:nvPr>
+        </p:nvSpPr>
+        <p:spPr>
+          <a:xfrm rot="0">
+            <a:off x="4038600" y="6356350"/>
+            <a:ext cx="4115435" cy="365760"/>
+          </a:xfrm>
+          <a:prstGeom prst="rect"/>
+        </p:spPr>
+        <p:txBody>
+          <a:bodyPr wrap="square" lIns="91440" tIns="45720" rIns="91440" bIns="45720" vert="horz" anchor="ctr">
+            <a:noAutofit/>
+          </a:bodyPr>
+          <a:lstStyle/>
+          <a:p>
+            <a:pPr marL="0" indent="0" defTabSz="508000">
+              <a:lnSpc>
+                <a:spcPct val="100000"/>
+              </a:lnSpc>
+              <a:spcBef>
+                <a:spcPts val="0"/>
+              </a:spcBef>
+              <a:spcAft>
+                <a:spcPts val="0"/>
+              </a:spcAft>
+              <a:buFontTx/>
+              <a:buNone/>
+            </a:pPr>
+          </a:p>
+        </p:txBody>
+      </p:sp>
+      <p:sp>
+        <p:nvSpPr>
+          <p:cNvPr id="9" name="슬라이드 번호 개체 틀 8"/>
+          <p:cNvSpPr txBox="1">
+            <a:spLocks/>
+          </p:cNvSpPr>
+          <p:nvPr>
+            <p:ph type="sldNum"/>
+          </p:nvPr>
+        </p:nvSpPr>
+        <p:spPr>
+          <a:xfrm rot="0">
+            <a:off x="8610600" y="6356350"/>
+            <a:ext cx="2743835" cy="365760"/>
+          </a:xfrm>
+          <a:prstGeom prst="rect"/>
+        </p:spPr>
+        <p:txBody>
+          <a:bodyPr wrap="square" lIns="91440" tIns="45720" rIns="91440" bIns="45720" vert="horz" anchor="ctr">
+            <a:noAutofit/>
+          </a:bodyPr>
+          <a:lstStyle/>
+          <a:p>
+            <a:pPr marL="0" indent="0" defTabSz="508000">
+              <a:lnSpc>
+                <a:spcPct val="100000"/>
+              </a:lnSpc>
+              <a:spcBef>
+                <a:spcPts val="0"/>
+              </a:spcBef>
+              <a:spcAft>
+                <a:spcPts val="0"/>
+              </a:spcAft>
+              <a:buFontTx/>
+              <a:buNone/>
+            </a:pPr>
+            <a:fld id="{B9320F77-B9A0-41C5-862A-B4B631284C64}" type="slidenum">
+              <a:rPr lang="en-US" altLang="ko-KR" sz="1200">
+                <a:latin typeface="맑은 고딕" charset="0"/>
+                <a:ea typeface="맑은 고딕" charset="0"/>
+              </a:rPr>
+              <a:t>‹#›</a:t>
+            </a:fld>
+          </a:p>
+        </p:txBody>
+      </p:sp>
+    </p:spTree>
+  </p:cSld>
+  <p:clrMapOvr>
+    <a:overrideClrMapping bg1="lt1" tx1="dk1" bg2="lt2" tx2="dk2" accent1="accent1" accent2="accent2" accent3="accent3" accent4="accent4" accent5="accent5" accent6="accent6" hlink="hlink" folHlink="folHlink"/>
+  </p:clrMapOvr>
+  <mc:AlternateContent xmlns:mc="http://schemas.openxmlformats.org/markup-compatibility/2006">
+    <mc:Choice xmlns:p14="http://schemas.microsoft.com/office/powerpoint/2010/main" Requires="p14">
+      <p:transition spd="slow" p14:dur="2000"/>
+    </mc:Choice>
+    <mc:Fallback>
+      <p:transition spd="slow"/>
+    </mc:Fallback>
+  </mc:AlternateContent>
+</p:sldLayout>
+</file>
+
+<file path=ppt/slideLayouts/slideLayout72.xml><?xml version="1.0" encoding="utf-8"?>
+<p:sldLayout xmlns:a="http://schemas.openxmlformats.org/drawingml/2006/main" xmlns:r="http://schemas.openxmlformats.org/officeDocument/2006/relationships" xmlns:p="http://schemas.openxmlformats.org/presentationml/2006/main" type="titleOnly">
+  <p:cSld name="제목만">
+    <p:spTree>
+      <p:nvGrpSpPr>
+        <p:cNvPr id="1" name=""/>
+        <p:cNvGrpSpPr/>
+        <p:nvPr/>
+      </p:nvGrpSpPr>
+      <p:grpSpPr>
+        <a:xfrm>
+          <a:off x="0" y="0"/>
+          <a:ext cx="0" cy="0"/>
+          <a:chOff x="0" y="0"/>
+          <a:chExt cx="0" cy="0"/>
+        </a:xfrm>
+      </p:grpSpPr>
+      <p:sp>
+        <p:nvSpPr>
+          <p:cNvPr id="2" name="텍스트 개체 틀 1"/>
+          <p:cNvSpPr txBox="1">
+            <a:spLocks/>
+          </p:cNvSpPr>
+          <p:nvPr>
+            <p:ph type="title"/>
+          </p:nvPr>
+        </p:nvSpPr>
+        <p:spPr>
+          <a:xfrm rot="0">
+            <a:off x="838200" y="365125"/>
+            <a:ext cx="10516235" cy="1326515"/>
+          </a:xfrm>
+          <a:prstGeom prst="rect"/>
+        </p:spPr>
+        <p:txBody>
+          <a:bodyPr wrap="square" lIns="91440" tIns="45720" rIns="91440" bIns="45720" vert="horz" anchor="ctr">
+            <a:normAutofit fontScale="100000" lnSpcReduction="0"/>
+          </a:bodyPr>
+          <a:lstStyle/>
+          <a:p>
+            <a:pPr marL="0" indent="0" defTabSz="508000">
+              <a:lnSpc>
+                <a:spcPct val="100000"/>
+              </a:lnSpc>
+              <a:spcBef>
+                <a:spcPts val="0"/>
+              </a:spcBef>
+              <a:spcAft>
+                <a:spcPts val="0"/>
+              </a:spcAft>
+              <a:buFontTx/>
+              <a:buNone/>
+            </a:pPr>
+            <a:r>
+              <a:rPr lang="en-US" altLang="ko-KR" sz="4400">
+                <a:latin typeface="맑은 고딕" charset="0"/>
+                <a:ea typeface="맑은 고딕" charset="0"/>
+              </a:rPr>
+              <a:t>마스터 제목 스타일 편집</a:t>
+            </a:r>
+          </a:p>
+        </p:txBody>
+      </p:sp>
+      <p:sp>
+        <p:nvSpPr>
+          <p:cNvPr id="3" name="날짜 개체 틀 2"/>
+          <p:cNvSpPr txBox="1">
+            <a:spLocks/>
+          </p:cNvSpPr>
+          <p:nvPr>
+            <p:ph type="dt"/>
+          </p:nvPr>
+        </p:nvSpPr>
+        <p:spPr>
+          <a:xfrm rot="0">
+            <a:off x="838200" y="6356350"/>
+            <a:ext cx="2743835" cy="365760"/>
+          </a:xfrm>
+          <a:prstGeom prst="rect"/>
+        </p:spPr>
+        <p:txBody>
+          <a:bodyPr wrap="square" lIns="91440" tIns="45720" rIns="91440" bIns="45720" vert="horz" anchor="ctr">
+            <a:noAutofit/>
+          </a:bodyPr>
+          <a:lstStyle/>
+          <a:p>
+            <a:pPr marL="0" indent="0" defTabSz="508000">
+              <a:lnSpc>
+                <a:spcPct val="100000"/>
+              </a:lnSpc>
+              <a:spcBef>
+                <a:spcPts val="0"/>
+              </a:spcBef>
+              <a:spcAft>
+                <a:spcPts val="0"/>
+              </a:spcAft>
+              <a:buFontTx/>
+              <a:buNone/>
+            </a:pPr>
+            <a:fld id="{B9320F77-B9A0-41C5-862A-B4B631284C64}" type="datetime1">
+              <a:rPr lang="ko-KR" altLang="en-US" sz="1200">
+                <a:latin typeface="맑은 고딕" charset="0"/>
+                <a:ea typeface="맑은 고딕" charset="0"/>
+              </a:rPr>
+              <a:t>2019-09-23</a:t>
+            </a:fld>
+          </a:p>
+        </p:txBody>
+      </p:sp>
+      <p:sp>
+        <p:nvSpPr>
+          <p:cNvPr id="4" name="바닥글 개체 틀 3"/>
+          <p:cNvSpPr txBox="1">
+            <a:spLocks/>
+          </p:cNvSpPr>
+          <p:nvPr>
+            <p:ph type="ftr"/>
+          </p:nvPr>
+        </p:nvSpPr>
+        <p:spPr>
+          <a:xfrm rot="0">
+            <a:off x="4038600" y="6356350"/>
+            <a:ext cx="4115435" cy="365760"/>
+          </a:xfrm>
+          <a:prstGeom prst="rect"/>
+        </p:spPr>
+        <p:txBody>
+          <a:bodyPr wrap="square" lIns="91440" tIns="45720" rIns="91440" bIns="45720" vert="horz" anchor="ctr">
+            <a:noAutofit/>
+          </a:bodyPr>
+          <a:lstStyle/>
+          <a:p>
+            <a:pPr marL="0" indent="0" defTabSz="508000">
+              <a:lnSpc>
+                <a:spcPct val="100000"/>
+              </a:lnSpc>
+              <a:spcBef>
+                <a:spcPts val="0"/>
+              </a:spcBef>
+              <a:spcAft>
+                <a:spcPts val="0"/>
+              </a:spcAft>
+              <a:buFontTx/>
+              <a:buNone/>
+            </a:pPr>
+          </a:p>
+        </p:txBody>
+      </p:sp>
+      <p:sp>
+        <p:nvSpPr>
+          <p:cNvPr id="5" name="슬라이드 번호 개체 틀 4"/>
+          <p:cNvSpPr txBox="1">
+            <a:spLocks/>
+          </p:cNvSpPr>
+          <p:nvPr>
+            <p:ph type="sldNum"/>
+          </p:nvPr>
+        </p:nvSpPr>
+        <p:spPr>
+          <a:xfrm rot="0">
+            <a:off x="8610600" y="6356350"/>
+            <a:ext cx="2743835" cy="365760"/>
+          </a:xfrm>
+          <a:prstGeom prst="rect"/>
+        </p:spPr>
+        <p:txBody>
+          <a:bodyPr wrap="square" lIns="91440" tIns="45720" rIns="91440" bIns="45720" vert="horz" anchor="ctr">
+            <a:noAutofit/>
+          </a:bodyPr>
+          <a:lstStyle/>
+          <a:p>
+            <a:pPr marL="0" indent="0" defTabSz="508000">
+              <a:lnSpc>
+                <a:spcPct val="100000"/>
+              </a:lnSpc>
+              <a:spcBef>
+                <a:spcPts val="0"/>
+              </a:spcBef>
+              <a:spcAft>
+                <a:spcPts val="0"/>
+              </a:spcAft>
+              <a:buFontTx/>
+              <a:buNone/>
+            </a:pPr>
+            <a:fld id="{B9320F77-B9A0-41C5-862A-B4B631284C64}" type="slidenum">
+              <a:rPr lang="en-US" altLang="ko-KR" sz="1200">
+                <a:latin typeface="맑은 고딕" charset="0"/>
+                <a:ea typeface="맑은 고딕" charset="0"/>
+              </a:rPr>
+              <a:t>‹#›</a:t>
+            </a:fld>
+          </a:p>
+        </p:txBody>
+      </p:sp>
+    </p:spTree>
+  </p:cSld>
+  <p:clrMapOvr>
+    <a:overrideClrMapping bg1="lt1" tx1="dk1" bg2="lt2" tx2="dk2" accent1="accent1" accent2="accent2" accent3="accent3" accent4="accent4" accent5="accent5" accent6="accent6" hlink="hlink" folHlink="folHlink"/>
+  </p:clrMapOvr>
+  <mc:AlternateContent xmlns:mc="http://schemas.openxmlformats.org/markup-compatibility/2006">
+    <mc:Choice xmlns:p14="http://schemas.microsoft.com/office/powerpoint/2010/main" Requires="p14">
+      <p:transition spd="slow" p14:dur="2000"/>
+    </mc:Choice>
+    <mc:Fallback>
+      <p:transition spd="slow"/>
+    </mc:Fallback>
+  </mc:AlternateContent>
+</p:sldLayout>
+</file>
+
+<file path=ppt/slideLayouts/slideLayout73.xml><?xml version="1.0" encoding="utf-8"?>
+<p:sldLayout xmlns:a="http://schemas.openxmlformats.org/drawingml/2006/main" xmlns:r="http://schemas.openxmlformats.org/officeDocument/2006/relationships" xmlns:p="http://schemas.openxmlformats.org/presentationml/2006/main" type="blank">
+  <p:cSld name="빈 화면">
+    <p:spTree>
+      <p:nvGrpSpPr>
+        <p:cNvPr id="1" name=""/>
+        <p:cNvGrpSpPr/>
+        <p:nvPr/>
+      </p:nvGrpSpPr>
+      <p:grpSpPr>
+        <a:xfrm>
+          <a:off x="0" y="0"/>
+          <a:ext cx="0" cy="0"/>
+          <a:chOff x="0" y="0"/>
+          <a:chExt cx="0" cy="0"/>
+        </a:xfrm>
+      </p:grpSpPr>
+      <p:sp>
+        <p:nvSpPr>
+          <p:cNvPr id="2" name="날짜 개체 틀 1"/>
+          <p:cNvSpPr txBox="1">
+            <a:spLocks/>
+          </p:cNvSpPr>
+          <p:nvPr>
+            <p:ph type="dt"/>
+          </p:nvPr>
+        </p:nvSpPr>
+        <p:spPr>
+          <a:xfrm rot="0">
+            <a:off x="838200" y="6356350"/>
+            <a:ext cx="2743835" cy="365760"/>
+          </a:xfrm>
+          <a:prstGeom prst="rect"/>
+        </p:spPr>
+        <p:txBody>
+          <a:bodyPr wrap="square" lIns="91440" tIns="45720" rIns="91440" bIns="45720" vert="horz" anchor="ctr">
+            <a:noAutofit/>
+          </a:bodyPr>
+          <a:lstStyle/>
+          <a:p>
+            <a:pPr marL="0" indent="0" defTabSz="508000">
+              <a:lnSpc>
+                <a:spcPct val="100000"/>
+              </a:lnSpc>
+              <a:spcBef>
+                <a:spcPts val="0"/>
+              </a:spcBef>
+              <a:spcAft>
+                <a:spcPts val="0"/>
+              </a:spcAft>
+              <a:buFontTx/>
+              <a:buNone/>
+            </a:pPr>
+            <a:fld id="{B9320F77-B9A0-41C5-862A-B4B631284C64}" type="datetime1">
+              <a:rPr lang="ko-KR" altLang="en-US" sz="1200">
+                <a:latin typeface="맑은 고딕" charset="0"/>
+                <a:ea typeface="맑은 고딕" charset="0"/>
+              </a:rPr>
+              <a:t>2019-09-23</a:t>
+            </a:fld>
+          </a:p>
+        </p:txBody>
+      </p:sp>
+      <p:sp>
+        <p:nvSpPr>
+          <p:cNvPr id="3" name="바닥글 개체 틀 2"/>
+          <p:cNvSpPr txBox="1">
+            <a:spLocks/>
+          </p:cNvSpPr>
+          <p:nvPr>
+            <p:ph type="ftr"/>
+          </p:nvPr>
+        </p:nvSpPr>
+        <p:spPr>
+          <a:xfrm rot="0">
+            <a:off x="4038600" y="6356350"/>
+            <a:ext cx="4115435" cy="365760"/>
+          </a:xfrm>
+          <a:prstGeom prst="rect"/>
+        </p:spPr>
+        <p:txBody>
+          <a:bodyPr wrap="square" lIns="91440" tIns="45720" rIns="91440" bIns="45720" vert="horz" anchor="ctr">
+            <a:noAutofit/>
+          </a:bodyPr>
+          <a:lstStyle/>
+          <a:p>
+            <a:pPr marL="0" indent="0" defTabSz="508000">
+              <a:lnSpc>
+                <a:spcPct val="100000"/>
+              </a:lnSpc>
+              <a:spcBef>
+                <a:spcPts val="0"/>
+              </a:spcBef>
+              <a:spcAft>
+                <a:spcPts val="0"/>
+              </a:spcAft>
+              <a:buFontTx/>
+              <a:buNone/>
+            </a:pPr>
+          </a:p>
+        </p:txBody>
+      </p:sp>
+      <p:sp>
+        <p:nvSpPr>
+          <p:cNvPr id="4" name="슬라이드 번호 개체 틀 3"/>
+          <p:cNvSpPr txBox="1">
+            <a:spLocks/>
+          </p:cNvSpPr>
+          <p:nvPr>
+            <p:ph type="sldNum"/>
+          </p:nvPr>
+        </p:nvSpPr>
+        <p:spPr>
+          <a:xfrm rot="0">
+            <a:off x="8610600" y="6356350"/>
+            <a:ext cx="2743835" cy="365760"/>
+          </a:xfrm>
+          <a:prstGeom prst="rect"/>
+        </p:spPr>
+        <p:txBody>
+          <a:bodyPr wrap="square" lIns="91440" tIns="45720" rIns="91440" bIns="45720" vert="horz" anchor="ctr">
+            <a:noAutofit/>
+          </a:bodyPr>
+          <a:lstStyle/>
+          <a:p>
+            <a:pPr marL="0" indent="0" defTabSz="508000">
+              <a:lnSpc>
+                <a:spcPct val="100000"/>
+              </a:lnSpc>
+              <a:spcBef>
+                <a:spcPts val="0"/>
+              </a:spcBef>
+              <a:spcAft>
+                <a:spcPts val="0"/>
+              </a:spcAft>
+              <a:buFontTx/>
+              <a:buNone/>
+            </a:pPr>
+            <a:fld id="{B9320F77-B9A0-41C5-862A-B4B631284C64}" type="slidenum">
+              <a:rPr lang="en-US" altLang="ko-KR" sz="1200">
+                <a:latin typeface="맑은 고딕" charset="0"/>
+                <a:ea typeface="맑은 고딕" charset="0"/>
+              </a:rPr>
+              <a:t>‹#›</a:t>
+            </a:fld>
+          </a:p>
+        </p:txBody>
+      </p:sp>
+    </p:spTree>
+  </p:cSld>
+  <p:clrMapOvr>
+    <a:overrideClrMapping bg1="lt1" tx1="dk1" bg2="lt2" tx2="dk2" accent1="accent1" accent2="accent2" accent3="accent3" accent4="accent4" accent5="accent5" accent6="accent6" hlink="hlink" folHlink="folHlink"/>
+  </p:clrMapOvr>
+  <mc:AlternateContent xmlns:mc="http://schemas.openxmlformats.org/markup-compatibility/2006">
+    <mc:Choice xmlns:p14="http://schemas.microsoft.com/office/powerpoint/2010/main" Requires="p14">
+      <p:transition spd="slow" p14:dur="2000"/>
+    </mc:Choice>
+    <mc:Fallback>
+      <p:transition spd="slow"/>
+    </mc:Fallback>
+  </mc:AlternateContent>
+</p:sldLayout>
+</file>
+
+<file path=ppt/slideLayouts/slideLayout74.xml><?xml version="1.0" encoding="utf-8"?>
+<p:sldLayout xmlns:a="http://schemas.openxmlformats.org/drawingml/2006/main" xmlns:r="http://schemas.openxmlformats.org/officeDocument/2006/relationships" xmlns:p="http://schemas.openxmlformats.org/presentationml/2006/main" type="objTx">
+  <p:cSld name="캡션 있는 콘텐츠">
+    <p:spTree>
+      <p:nvGrpSpPr>
+        <p:cNvPr id="1" name=""/>
+        <p:cNvGrpSpPr/>
+        <p:nvPr/>
+      </p:nvGrpSpPr>
+      <p:grpSpPr>
+        <a:xfrm>
+          <a:off x="0" y="0"/>
+          <a:ext cx="0" cy="0"/>
+          <a:chOff x="0" y="0"/>
+          <a:chExt cx="0" cy="0"/>
+        </a:xfrm>
+      </p:grpSpPr>
+      <p:sp>
+        <p:nvSpPr>
+          <p:cNvPr id="2" name="텍스트 개체 틀 1"/>
+          <p:cNvSpPr txBox="1">
+            <a:spLocks/>
+          </p:cNvSpPr>
+          <p:nvPr>
+            <p:ph type="title"/>
+          </p:nvPr>
+        </p:nvSpPr>
+        <p:spPr>
+          <a:xfrm rot="0">
+            <a:off x="840105" y="457200"/>
+            <a:ext cx="3932555" cy="1600835"/>
+          </a:xfrm>
+          <a:prstGeom prst="rect"/>
+        </p:spPr>
+        <p:txBody>
+          <a:bodyPr wrap="square" lIns="91440" tIns="45720" rIns="91440" bIns="45720" vert="horz" anchor="b">
+            <a:normAutofit fontScale="100000" lnSpcReduction="0"/>
+          </a:bodyPr>
+          <a:lstStyle/>
+          <a:p>
+            <a:pPr marL="0" indent="0" defTabSz="508000">
+              <a:lnSpc>
+                <a:spcPct val="100000"/>
+              </a:lnSpc>
+              <a:spcBef>
+                <a:spcPts val="0"/>
+              </a:spcBef>
+              <a:spcAft>
+                <a:spcPts val="0"/>
+              </a:spcAft>
+              <a:buFontTx/>
+              <a:buNone/>
+            </a:pPr>
+            <a:r>
+              <a:rPr lang="en-US" altLang="ko-KR" sz="3200">
+                <a:latin typeface="맑은 고딕" charset="0"/>
+                <a:ea typeface="맑은 고딕" charset="0"/>
+              </a:rPr>
+              <a:t>마스터 제목 스타일 편집</a:t>
+            </a:r>
+          </a:p>
+        </p:txBody>
+      </p:sp>
+      <p:sp>
+        <p:nvSpPr>
+          <p:cNvPr id="3" name="내용 개체 틀 2"/>
+          <p:cNvSpPr txBox="1">
+            <a:spLocks/>
+          </p:cNvSpPr>
+          <p:nvPr>
+            <p:ph type="obj"/>
+          </p:nvPr>
+        </p:nvSpPr>
+        <p:spPr>
+          <a:xfrm rot="0">
+            <a:off x="5183505" y="987425"/>
+            <a:ext cx="6172835" cy="4874260"/>
+          </a:xfrm>
+          <a:prstGeom prst="rect"/>
+        </p:spPr>
+        <p:txBody>
+          <a:bodyPr wrap="square" lIns="91440" tIns="45720" rIns="91440" bIns="45720" vert="horz" anchor="t">
+            <a:normAutofit fontScale="100000" lnSpcReduction="0"/>
+          </a:bodyPr>
+          <a:lstStyle/>
+          <a:p>
+            <a:pPr marL="228600" indent="-228600" defTabSz="508000">
+              <a:lnSpc>
+                <a:spcPct val="100000"/>
+              </a:lnSpc>
+              <a:spcBef>
+                <a:spcPts val="1000"/>
+              </a:spcBef>
+              <a:spcAft>
+                <a:spcPts val="0"/>
+              </a:spcAft>
+              <a:buClr>
+                <a:srgbClr val="000000"/>
+              </a:buClr>
+              <a:buFont typeface="Arial"/>
+              <a:buChar char="•"/>
+            </a:pPr>
+            <a:r>
+              <a:rPr lang="en-US" altLang="ko-KR" sz="3200">
+                <a:latin typeface="맑은 고딕" charset="0"/>
+                <a:ea typeface="맑은 고딕" charset="0"/>
+              </a:rPr>
+              <a:t>마스터 텍스트 스타일 편집</a:t>
+            </a:r>
+          </a:p>
+          <a:p>
+            <a:pPr marL="685800" indent="-228600" defTabSz="508000">
+              <a:lnSpc>
+                <a:spcPct val="100000"/>
+              </a:lnSpc>
+              <a:spcBef>
+                <a:spcPts val="500"/>
+              </a:spcBef>
+              <a:spcAft>
+                <a:spcPts val="0"/>
+              </a:spcAft>
+              <a:buClr>
+                <a:srgbClr val="000000"/>
+              </a:buClr>
+              <a:buFont typeface="Arial"/>
+              <a:buChar char="•"/>
+            </a:pPr>
+            <a:r>
+              <a:rPr lang="en-US" altLang="ko-KR" sz="2800">
+                <a:latin typeface="맑은 고딕" charset="0"/>
+                <a:ea typeface="맑은 고딕" charset="0"/>
+              </a:rPr>
+              <a:t>둘째 수준</a:t>
+            </a:r>
+          </a:p>
+          <a:p>
+            <a:pPr marL="1143000" indent="-228600" defTabSz="508000">
+              <a:lnSpc>
+                <a:spcPct val="100000"/>
+              </a:lnSpc>
+              <a:spcBef>
+                <a:spcPts val="500"/>
+              </a:spcBef>
+              <a:spcAft>
+                <a:spcPts val="0"/>
+              </a:spcAft>
+              <a:buClr>
+                <a:srgbClr val="000000"/>
+              </a:buClr>
+              <a:buFont typeface="Arial"/>
+              <a:buChar char="•"/>
+            </a:pPr>
+            <a:r>
+              <a:rPr lang="en-US" altLang="ko-KR" sz="2400">
+                <a:latin typeface="맑은 고딕" charset="0"/>
+                <a:ea typeface="맑은 고딕" charset="0"/>
+              </a:rPr>
+              <a:t>셋째 수준</a:t>
+            </a:r>
+          </a:p>
+          <a:p>
+            <a:pPr marL="1600200" indent="-228600" defTabSz="508000">
+              <a:lnSpc>
+                <a:spcPct val="100000"/>
+              </a:lnSpc>
+              <a:spcBef>
+                <a:spcPts val="500"/>
+              </a:spcBef>
+              <a:spcAft>
+                <a:spcPts val="0"/>
+              </a:spcAft>
+              <a:buClr>
+                <a:srgbClr val="000000"/>
+              </a:buClr>
+              <a:buFont typeface="Arial"/>
+              <a:buChar char="•"/>
+            </a:pPr>
+            <a:r>
+              <a:rPr lang="en-US" altLang="ko-KR" sz="2000">
+                <a:latin typeface="맑은 고딕" charset="0"/>
+                <a:ea typeface="맑은 고딕" charset="0"/>
+              </a:rPr>
+              <a:t>넷째 수준</a:t>
+            </a:r>
+          </a:p>
+          <a:p>
+            <a:pPr marL="2057400" indent="-228600" defTabSz="508000">
+              <a:lnSpc>
+                <a:spcPct val="100000"/>
+              </a:lnSpc>
+              <a:spcBef>
+                <a:spcPts val="500"/>
+              </a:spcBef>
+              <a:spcAft>
+                <a:spcPts val="0"/>
+              </a:spcAft>
+              <a:buClr>
+                <a:srgbClr val="000000"/>
+              </a:buClr>
+              <a:buFont typeface="Arial"/>
+              <a:buChar char="•"/>
+            </a:pPr>
+            <a:r>
+              <a:rPr lang="en-US" altLang="ko-KR" sz="2000">
+                <a:latin typeface="맑은 고딕" charset="0"/>
+                <a:ea typeface="맑은 고딕" charset="0"/>
+              </a:rPr>
+              <a:t>다섯째 수준</a:t>
+            </a:r>
+          </a:p>
+        </p:txBody>
+      </p:sp>
+      <p:sp>
+        <p:nvSpPr>
+          <p:cNvPr id="4" name="텍스트 개체 틀 3"/>
+          <p:cNvSpPr txBox="1">
+            <a:spLocks/>
+          </p:cNvSpPr>
+          <p:nvPr>
+            <p:ph type="body"/>
+          </p:nvPr>
+        </p:nvSpPr>
+        <p:spPr>
+          <a:xfrm rot="0">
+            <a:off x="840105" y="2057400"/>
+            <a:ext cx="3932555" cy="3812540"/>
+          </a:xfrm>
+          <a:prstGeom prst="rect"/>
+        </p:spPr>
+        <p:txBody>
+          <a:bodyPr wrap="square" lIns="91440" tIns="45720" rIns="91440" bIns="45720" vert="horz" anchor="t">
+            <a:normAutofit fontScale="100000" lnSpcReduction="0"/>
+          </a:bodyPr>
+          <a:lstStyle/>
+          <a:p>
+            <a:pPr marL="0" indent="0" defTabSz="508000">
+              <a:lnSpc>
+                <a:spcPct val="100000"/>
+              </a:lnSpc>
+              <a:spcBef>
+                <a:spcPts val="1000"/>
+              </a:spcBef>
+              <a:spcAft>
+                <a:spcPts val="0"/>
+              </a:spcAft>
+              <a:buFontTx/>
+              <a:buNone/>
+            </a:pPr>
+            <a:r>
+              <a:rPr lang="en-US" altLang="ko-KR" sz="1600">
+                <a:latin typeface="맑은 고딕" charset="0"/>
+                <a:ea typeface="맑은 고딕" charset="0"/>
+              </a:rPr>
+              <a:t>마스터 텍스트 스타일 편집</a:t>
+            </a:r>
+          </a:p>
+        </p:txBody>
+      </p:sp>
+      <p:sp>
+        <p:nvSpPr>
+          <p:cNvPr id="5" name="날짜 개체 틀 4"/>
+          <p:cNvSpPr txBox="1">
+            <a:spLocks/>
+          </p:cNvSpPr>
+          <p:nvPr>
+            <p:ph type="dt"/>
+          </p:nvPr>
+        </p:nvSpPr>
+        <p:spPr>
+          <a:xfrm rot="0">
+            <a:off x="838200" y="6356350"/>
+            <a:ext cx="2743835" cy="365760"/>
+          </a:xfrm>
+          <a:prstGeom prst="rect"/>
+        </p:spPr>
+        <p:txBody>
+          <a:bodyPr wrap="square" lIns="91440" tIns="45720" rIns="91440" bIns="45720" vert="horz" anchor="ctr">
+            <a:noAutofit/>
+          </a:bodyPr>
+          <a:lstStyle/>
+          <a:p>
+            <a:pPr marL="0" indent="0" defTabSz="508000">
+              <a:lnSpc>
+                <a:spcPct val="100000"/>
+              </a:lnSpc>
+              <a:spcBef>
+                <a:spcPts val="0"/>
+              </a:spcBef>
+              <a:spcAft>
+                <a:spcPts val="0"/>
+              </a:spcAft>
+              <a:buFontTx/>
+              <a:buNone/>
+            </a:pPr>
+            <a:fld id="{B9320F77-B9A0-41C5-862A-B4B631284C64}" type="datetime1">
+              <a:rPr lang="ko-KR" altLang="en-US" sz="1200">
+                <a:latin typeface="맑은 고딕" charset="0"/>
+                <a:ea typeface="맑은 고딕" charset="0"/>
+              </a:rPr>
+              <a:t>2019-09-23</a:t>
+            </a:fld>
+          </a:p>
+        </p:txBody>
+      </p:sp>
+      <p:sp>
+        <p:nvSpPr>
+          <p:cNvPr id="6" name="바닥글 개체 틀 5"/>
+          <p:cNvSpPr txBox="1">
+            <a:spLocks/>
+          </p:cNvSpPr>
+          <p:nvPr>
+            <p:ph type="ftr"/>
+          </p:nvPr>
+        </p:nvSpPr>
+        <p:spPr>
+          <a:xfrm rot="0">
+            <a:off x="4038600" y="6356350"/>
+            <a:ext cx="4115435" cy="365760"/>
+          </a:xfrm>
+          <a:prstGeom prst="rect"/>
+        </p:spPr>
+        <p:txBody>
+          <a:bodyPr wrap="square" lIns="91440" tIns="45720" rIns="91440" bIns="45720" vert="horz" anchor="ctr">
+            <a:noAutofit/>
+          </a:bodyPr>
+          <a:lstStyle/>
+          <a:p>
+            <a:pPr marL="0" indent="0" defTabSz="508000">
+              <a:lnSpc>
+                <a:spcPct val="100000"/>
+              </a:lnSpc>
+              <a:spcBef>
+                <a:spcPts val="0"/>
+              </a:spcBef>
+              <a:spcAft>
+                <a:spcPts val="0"/>
+              </a:spcAft>
+              <a:buFontTx/>
+              <a:buNone/>
+            </a:pPr>
+          </a:p>
+        </p:txBody>
+      </p:sp>
+      <p:sp>
+        <p:nvSpPr>
+          <p:cNvPr id="7" name="슬라이드 번호 개체 틀 6"/>
+          <p:cNvSpPr txBox="1">
+            <a:spLocks/>
+          </p:cNvSpPr>
+          <p:nvPr>
+            <p:ph type="sldNum"/>
+          </p:nvPr>
+        </p:nvSpPr>
+        <p:spPr>
+          <a:xfrm rot="0">
+            <a:off x="8610600" y="6356350"/>
+            <a:ext cx="2743835" cy="365760"/>
+          </a:xfrm>
+          <a:prstGeom prst="rect"/>
+        </p:spPr>
+        <p:txBody>
+          <a:bodyPr wrap="square" lIns="91440" tIns="45720" rIns="91440" bIns="45720" vert="horz" anchor="ctr">
+            <a:noAutofit/>
+          </a:bodyPr>
+          <a:lstStyle/>
+          <a:p>
+            <a:pPr marL="0" indent="0" defTabSz="508000">
+              <a:lnSpc>
+                <a:spcPct val="100000"/>
+              </a:lnSpc>
+              <a:spcBef>
+                <a:spcPts val="0"/>
+              </a:spcBef>
+              <a:spcAft>
+                <a:spcPts val="0"/>
+              </a:spcAft>
+              <a:buFontTx/>
+              <a:buNone/>
+            </a:pPr>
+            <a:fld id="{B9320F77-B9A0-41C5-862A-B4B631284C64}" type="slidenum">
+              <a:rPr lang="en-US" altLang="ko-KR" sz="1200">
+                <a:latin typeface="맑은 고딕" charset="0"/>
+                <a:ea typeface="맑은 고딕" charset="0"/>
+              </a:rPr>
+              <a:t>‹#›</a:t>
+            </a:fld>
+          </a:p>
+        </p:txBody>
+      </p:sp>
+    </p:spTree>
+  </p:cSld>
+  <p:clrMapOvr>
+    <a:overrideClrMapping bg1="lt1" tx1="dk1" bg2="lt2" tx2="dk2" accent1="accent1" accent2="accent2" accent3="accent3" accent4="accent4" accent5="accent5" accent6="accent6" hlink="hlink" folHlink="folHlink"/>
+  </p:clrMapOvr>
+  <mc:AlternateContent xmlns:mc="http://schemas.openxmlformats.org/markup-compatibility/2006">
+    <mc:Choice xmlns:p14="http://schemas.microsoft.com/office/powerpoint/2010/main" Requires="p14">
+      <p:transition spd="slow" p14:dur="2000"/>
+    </mc:Choice>
+    <mc:Fallback>
+      <p:transition spd="slow"/>
+    </mc:Fallback>
+  </mc:AlternateContent>
+</p:sldLayout>
+</file>
+
+<file path=ppt/slideLayouts/slideLayout75.xml><?xml version="1.0" encoding="utf-8"?>
+<p:sldLayout xmlns:a="http://schemas.openxmlformats.org/drawingml/2006/main" xmlns:r="http://schemas.openxmlformats.org/officeDocument/2006/relationships" xmlns:p="http://schemas.openxmlformats.org/presentationml/2006/main" type="picTx">
+  <p:cSld name="캡션 있는 그림">
+    <p:spTree>
+      <p:nvGrpSpPr>
+        <p:cNvPr id="1" name=""/>
+        <p:cNvGrpSpPr/>
+        <p:nvPr/>
+      </p:nvGrpSpPr>
+      <p:grpSpPr>
+        <a:xfrm>
+          <a:off x="0" y="0"/>
+          <a:ext cx="0" cy="0"/>
+          <a:chOff x="0" y="0"/>
+          <a:chExt cx="0" cy="0"/>
+        </a:xfrm>
+      </p:grpSpPr>
+      <p:sp>
+        <p:nvSpPr>
+          <p:cNvPr id="2" name="텍스트 개체 틀 1"/>
+          <p:cNvSpPr txBox="1">
+            <a:spLocks/>
+          </p:cNvSpPr>
+          <p:nvPr>
+            <p:ph type="title"/>
+          </p:nvPr>
+        </p:nvSpPr>
+        <p:spPr>
+          <a:xfrm rot="0">
+            <a:off x="840105" y="457200"/>
+            <a:ext cx="3932555" cy="1600835"/>
+          </a:xfrm>
+          <a:prstGeom prst="rect"/>
+        </p:spPr>
+        <p:txBody>
+          <a:bodyPr wrap="square" lIns="91440" tIns="45720" rIns="91440" bIns="45720" vert="horz" anchor="b">
+            <a:normAutofit fontScale="100000" lnSpcReduction="0"/>
+          </a:bodyPr>
+          <a:lstStyle/>
+          <a:p>
+            <a:pPr marL="0" indent="0" defTabSz="508000">
+              <a:lnSpc>
+                <a:spcPct val="100000"/>
+              </a:lnSpc>
+              <a:spcBef>
+                <a:spcPts val="0"/>
+              </a:spcBef>
+              <a:spcAft>
+                <a:spcPts val="0"/>
+              </a:spcAft>
+              <a:buFontTx/>
+              <a:buNone/>
+            </a:pPr>
+            <a:r>
+              <a:rPr lang="en-US" altLang="ko-KR" sz="3200">
+                <a:latin typeface="맑은 고딕" charset="0"/>
+                <a:ea typeface="맑은 고딕" charset="0"/>
+              </a:rPr>
+              <a:t>마스터 제목 스타일 편집</a:t>
+            </a:r>
+          </a:p>
+        </p:txBody>
+      </p:sp>
+      <p:sp>
+        <p:nvSpPr>
+          <p:cNvPr id="3" name="그림 개체 틀 2"/>
+          <p:cNvSpPr txBox="1">
+            <a:spLocks/>
+          </p:cNvSpPr>
+          <p:nvPr>
+            <p:ph type="pic"/>
+          </p:nvPr>
+        </p:nvSpPr>
+        <p:spPr>
+          <a:xfrm rot="0">
+            <a:off x="5183505" y="987425"/>
+            <a:ext cx="6172835" cy="4874260"/>
+          </a:xfrm>
+          <a:prstGeom prst="rect"/>
+        </p:spPr>
+      </p:sp>
+      <p:sp>
+        <p:nvSpPr>
+          <p:cNvPr id="4" name="텍스트 개체 틀 3"/>
+          <p:cNvSpPr txBox="1">
+            <a:spLocks/>
+          </p:cNvSpPr>
+          <p:nvPr>
+            <p:ph type="body"/>
+          </p:nvPr>
+        </p:nvSpPr>
+        <p:spPr>
+          <a:xfrm rot="0">
+            <a:off x="840105" y="2057400"/>
+            <a:ext cx="3932555" cy="3812540"/>
+          </a:xfrm>
+          <a:prstGeom prst="rect"/>
+        </p:spPr>
+        <p:txBody>
+          <a:bodyPr wrap="square" lIns="91440" tIns="45720" rIns="91440" bIns="45720" vert="horz" anchor="t">
+            <a:normAutofit fontScale="100000" lnSpcReduction="0"/>
+          </a:bodyPr>
+          <a:lstStyle/>
+          <a:p>
+            <a:pPr marL="0" indent="0" defTabSz="508000">
+              <a:lnSpc>
+                <a:spcPct val="100000"/>
+              </a:lnSpc>
+              <a:spcBef>
+                <a:spcPts val="1000"/>
+              </a:spcBef>
+              <a:spcAft>
+                <a:spcPts val="0"/>
+              </a:spcAft>
+              <a:buFontTx/>
+              <a:buNone/>
+            </a:pPr>
+            <a:r>
+              <a:rPr lang="en-US" altLang="ko-KR" sz="1600">
+                <a:latin typeface="맑은 고딕" charset="0"/>
+                <a:ea typeface="맑은 고딕" charset="0"/>
+              </a:rPr>
+              <a:t>마스터 텍스트 스타일 편집</a:t>
+            </a:r>
+          </a:p>
+        </p:txBody>
+      </p:sp>
+      <p:sp>
+        <p:nvSpPr>
+          <p:cNvPr id="5" name="날짜 개체 틀 4"/>
+          <p:cNvSpPr txBox="1">
+            <a:spLocks/>
+          </p:cNvSpPr>
+          <p:nvPr>
+            <p:ph type="dt"/>
+          </p:nvPr>
+        </p:nvSpPr>
+        <p:spPr>
+          <a:xfrm rot="0">
+            <a:off x="838200" y="6356350"/>
+            <a:ext cx="2743835" cy="365760"/>
+          </a:xfrm>
+          <a:prstGeom prst="rect"/>
+        </p:spPr>
+        <p:txBody>
+          <a:bodyPr wrap="square" lIns="91440" tIns="45720" rIns="91440" bIns="45720" vert="horz" anchor="ctr">
+            <a:noAutofit/>
+          </a:bodyPr>
+          <a:lstStyle/>
+          <a:p>
+            <a:pPr marL="0" indent="0" defTabSz="508000">
+              <a:lnSpc>
+                <a:spcPct val="100000"/>
+              </a:lnSpc>
+              <a:spcBef>
+                <a:spcPts val="0"/>
+              </a:spcBef>
+              <a:spcAft>
+                <a:spcPts val="0"/>
+              </a:spcAft>
+              <a:buFontTx/>
+              <a:buNone/>
+            </a:pPr>
+            <a:fld id="{B9320F77-B9A0-41C5-862A-B4B631284C64}" type="datetime1">
+              <a:rPr lang="ko-KR" altLang="en-US" sz="1200">
+                <a:latin typeface="맑은 고딕" charset="0"/>
+                <a:ea typeface="맑은 고딕" charset="0"/>
+              </a:rPr>
+              <a:t>2019-09-23</a:t>
+            </a:fld>
+          </a:p>
+        </p:txBody>
+      </p:sp>
+      <p:sp>
+        <p:nvSpPr>
+          <p:cNvPr id="6" name="바닥글 개체 틀 5"/>
+          <p:cNvSpPr txBox="1">
+            <a:spLocks/>
+          </p:cNvSpPr>
+          <p:nvPr>
+            <p:ph type="ftr"/>
+          </p:nvPr>
+        </p:nvSpPr>
+        <p:spPr>
+          <a:xfrm rot="0">
+            <a:off x="4038600" y="6356350"/>
+            <a:ext cx="4115435" cy="365760"/>
+          </a:xfrm>
+          <a:prstGeom prst="rect"/>
+        </p:spPr>
+        <p:txBody>
+          <a:bodyPr wrap="square" lIns="91440" tIns="45720" rIns="91440" bIns="45720" vert="horz" anchor="ctr">
+            <a:noAutofit/>
+          </a:bodyPr>
+          <a:lstStyle/>
+          <a:p>
+            <a:pPr marL="0" indent="0" defTabSz="508000">
+              <a:lnSpc>
+                <a:spcPct val="100000"/>
+              </a:lnSpc>
+              <a:spcBef>
+                <a:spcPts val="0"/>
+              </a:spcBef>
+              <a:spcAft>
+                <a:spcPts val="0"/>
+              </a:spcAft>
+              <a:buFontTx/>
+              <a:buNone/>
+            </a:pPr>
+          </a:p>
+        </p:txBody>
+      </p:sp>
+      <p:sp>
+        <p:nvSpPr>
+          <p:cNvPr id="7" name="슬라이드 번호 개체 틀 6"/>
+          <p:cNvSpPr txBox="1">
+            <a:spLocks/>
+          </p:cNvSpPr>
+          <p:nvPr>
+            <p:ph type="sldNum"/>
+          </p:nvPr>
+        </p:nvSpPr>
+        <p:spPr>
+          <a:xfrm rot="0">
+            <a:off x="8610600" y="6356350"/>
+            <a:ext cx="2743835" cy="365760"/>
+          </a:xfrm>
+          <a:prstGeom prst="rect"/>
+        </p:spPr>
+        <p:txBody>
+          <a:bodyPr wrap="square" lIns="91440" tIns="45720" rIns="91440" bIns="45720" vert="horz" anchor="ctr">
+            <a:noAutofit/>
+          </a:bodyPr>
+          <a:lstStyle/>
+          <a:p>
+            <a:pPr marL="0" indent="0" defTabSz="508000">
+              <a:lnSpc>
+                <a:spcPct val="100000"/>
+              </a:lnSpc>
+              <a:spcBef>
+                <a:spcPts val="0"/>
+              </a:spcBef>
+              <a:spcAft>
+                <a:spcPts val="0"/>
+              </a:spcAft>
+              <a:buFontTx/>
+              <a:buNone/>
+            </a:pPr>
+            <a:fld id="{B9320F77-B9A0-41C5-862A-B4B631284C64}" type="slidenum">
+              <a:rPr lang="en-US" altLang="ko-KR" sz="1200">
+                <a:latin typeface="맑은 고딕" charset="0"/>
+                <a:ea typeface="맑은 고딕" charset="0"/>
+              </a:rPr>
+              <a:t>‹#›</a:t>
+            </a:fld>
+          </a:p>
+        </p:txBody>
+      </p:sp>
+    </p:spTree>
+  </p:cSld>
+  <p:clrMapOvr>
+    <a:overrideClrMapping bg1="lt1" tx1="dk1" bg2="lt2" tx2="dk2" accent1="accent1" accent2="accent2" accent3="accent3" accent4="accent4" accent5="accent5" accent6="accent6" hlink="hlink" folHlink="folHlink"/>
+  </p:clrMapOvr>
+  <mc:AlternateContent xmlns:mc="http://schemas.openxmlformats.org/markup-compatibility/2006">
+    <mc:Choice xmlns:p14="http://schemas.microsoft.com/office/powerpoint/2010/main" Requires="p14">
+      <p:transition spd="slow" p14:dur="2000"/>
+    </mc:Choice>
+    <mc:Fallback>
+      <p:transition spd="slow"/>
+    </mc:Fallback>
+  </mc:AlternateContent>
+</p:sldLayout>
+</file>
+
+<file path=ppt/slideLayouts/slideLayout76.xml><?xml version="1.0" encoding="utf-8"?>
+<p:sldLayout xmlns:a="http://schemas.openxmlformats.org/drawingml/2006/main" xmlns:r="http://schemas.openxmlformats.org/officeDocument/2006/relationships" xmlns:p="http://schemas.openxmlformats.org/presentationml/2006/main" type="vertTx">
+  <p:cSld name="제목 및 세로 텍스트">
+    <p:spTree>
+      <p:nvGrpSpPr>
+        <p:cNvPr id="1" name=""/>
+        <p:cNvGrpSpPr/>
+        <p:nvPr/>
+      </p:nvGrpSpPr>
+      <p:grpSpPr>
+        <a:xfrm>
+          <a:off x="0" y="0"/>
+          <a:ext cx="0" cy="0"/>
+          <a:chOff x="0" y="0"/>
+          <a:chExt cx="0" cy="0"/>
+        </a:xfrm>
+      </p:grpSpPr>
+      <p:sp>
+        <p:nvSpPr>
+          <p:cNvPr id="2" name="텍스트 개체 틀 1"/>
+          <p:cNvSpPr txBox="1">
+            <a:spLocks/>
+          </p:cNvSpPr>
+          <p:nvPr>
+            <p:ph type="title"/>
+          </p:nvPr>
+        </p:nvSpPr>
+        <p:spPr>
+          <a:xfrm rot="0">
+            <a:off x="838200" y="365125"/>
+            <a:ext cx="10516235" cy="1326515"/>
+          </a:xfrm>
+          <a:prstGeom prst="rect"/>
+        </p:spPr>
+        <p:txBody>
+          <a:bodyPr wrap="square" lIns="91440" tIns="45720" rIns="91440" bIns="45720" vert="horz" anchor="ctr">
+            <a:normAutofit fontScale="100000" lnSpcReduction="0"/>
+          </a:bodyPr>
+          <a:lstStyle/>
+          <a:p>
+            <a:pPr marL="0" indent="0" defTabSz="508000">
+              <a:lnSpc>
+                <a:spcPct val="100000"/>
+              </a:lnSpc>
+              <a:spcBef>
+                <a:spcPts val="0"/>
+              </a:spcBef>
+              <a:spcAft>
+                <a:spcPts val="0"/>
+              </a:spcAft>
+              <a:buFontTx/>
+              <a:buNone/>
+            </a:pPr>
+            <a:r>
+              <a:rPr lang="en-US" altLang="ko-KR" sz="4400">
+                <a:latin typeface="맑은 고딕" charset="0"/>
+                <a:ea typeface="맑은 고딕" charset="0"/>
+              </a:rPr>
+              <a:t>마스터 제목 스타일 편집</a:t>
+            </a:r>
+          </a:p>
+        </p:txBody>
+      </p:sp>
+      <p:sp>
+        <p:nvSpPr>
+          <p:cNvPr id="3" name="세로 텍스트 개체 틀 2"/>
+          <p:cNvSpPr txBox="1">
+            <a:spLocks/>
+          </p:cNvSpPr>
+          <p:nvPr>
+            <p:ph type="body" orient="vert"/>
+          </p:nvPr>
+        </p:nvSpPr>
+        <p:spPr>
+          <a:xfrm rot="0">
+            <a:off x="838200" y="1825625"/>
+            <a:ext cx="10516235" cy="4352290"/>
+          </a:xfrm>
+          <a:prstGeom prst="rect"/>
+        </p:spPr>
+        <p:txBody>
+          <a:bodyPr wrap="square" lIns="91440" tIns="45720" rIns="91440" bIns="45720" vert="eaVert" anchor="t">
+            <a:normAutofit fontScale="100000" lnSpcReduction="0"/>
+          </a:bodyPr>
+          <a:lstStyle/>
+          <a:p>
+            <a:pPr marL="228600" indent="-228600" defTabSz="508000">
+              <a:lnSpc>
+                <a:spcPct val="100000"/>
+              </a:lnSpc>
+              <a:spcBef>
+                <a:spcPts val="1000"/>
+              </a:spcBef>
+              <a:spcAft>
+                <a:spcPts val="0"/>
+              </a:spcAft>
+              <a:buClr>
+                <a:srgbClr val="000000"/>
+              </a:buClr>
+              <a:buFont typeface="Arial"/>
+              <a:buChar char="•"/>
+            </a:pPr>
+            <a:r>
+              <a:rPr lang="en-US" altLang="ko-KR" sz="2800">
+                <a:latin typeface="맑은 고딕" charset="0"/>
+                <a:ea typeface="맑은 고딕" charset="0"/>
+              </a:rPr>
+              <a:t>마스터 텍스트 스타일 편집</a:t>
+            </a:r>
+          </a:p>
+          <a:p>
+            <a:pPr marL="685800" indent="-228600" defTabSz="508000">
+              <a:lnSpc>
+                <a:spcPct val="100000"/>
+              </a:lnSpc>
+              <a:spcBef>
+                <a:spcPts val="500"/>
+              </a:spcBef>
+              <a:spcAft>
+                <a:spcPts val="0"/>
+              </a:spcAft>
+              <a:buClr>
+                <a:srgbClr val="000000"/>
+              </a:buClr>
+              <a:buFont typeface="Arial"/>
+              <a:buChar char="•"/>
+            </a:pPr>
+            <a:r>
+              <a:rPr lang="en-US" altLang="ko-KR" sz="2400">
+                <a:latin typeface="맑은 고딕" charset="0"/>
+                <a:ea typeface="맑은 고딕" charset="0"/>
+              </a:rPr>
+              <a:t>둘째 수준</a:t>
+            </a:r>
+          </a:p>
+          <a:p>
+            <a:pPr marL="1143000" indent="-228600" defTabSz="508000">
+              <a:lnSpc>
+                <a:spcPct val="100000"/>
+              </a:lnSpc>
+              <a:spcBef>
+                <a:spcPts val="500"/>
+              </a:spcBef>
+              <a:spcAft>
+                <a:spcPts val="0"/>
+              </a:spcAft>
+              <a:buClr>
+                <a:srgbClr val="000000"/>
+              </a:buClr>
+              <a:buFont typeface="Arial"/>
+              <a:buChar char="•"/>
+            </a:pPr>
+            <a:r>
+              <a:rPr lang="en-US" altLang="ko-KR" sz="2000">
+                <a:latin typeface="맑은 고딕" charset="0"/>
+                <a:ea typeface="맑은 고딕" charset="0"/>
+              </a:rPr>
+              <a:t>셋째 수준</a:t>
+            </a:r>
+          </a:p>
+          <a:p>
+            <a:pPr marL="1600200" indent="-228600" defTabSz="508000">
+              <a:lnSpc>
+                <a:spcPct val="100000"/>
+              </a:lnSpc>
+              <a:spcBef>
+                <a:spcPts val="500"/>
+              </a:spcBef>
+              <a:spcAft>
+                <a:spcPts val="0"/>
+              </a:spcAft>
+              <a:buClr>
+                <a:srgbClr val="000000"/>
+              </a:buClr>
+              <a:buFont typeface="Arial"/>
+              <a:buChar char="•"/>
+            </a:pPr>
+            <a:r>
+              <a:rPr lang="en-US" altLang="ko-KR" sz="1800">
+                <a:latin typeface="맑은 고딕" charset="0"/>
+                <a:ea typeface="맑은 고딕" charset="0"/>
+              </a:rPr>
+              <a:t>넷째 수준</a:t>
+            </a:r>
+          </a:p>
+          <a:p>
+            <a:pPr marL="2057400" indent="-228600" defTabSz="508000">
+              <a:lnSpc>
+                <a:spcPct val="100000"/>
+              </a:lnSpc>
+              <a:spcBef>
+                <a:spcPts val="500"/>
+              </a:spcBef>
+              <a:spcAft>
+                <a:spcPts val="0"/>
+              </a:spcAft>
+              <a:buClr>
+                <a:srgbClr val="000000"/>
+              </a:buClr>
+              <a:buFont typeface="Arial"/>
+              <a:buChar char="•"/>
+            </a:pPr>
+            <a:r>
+              <a:rPr lang="en-US" altLang="ko-KR" sz="1800">
+                <a:latin typeface="맑은 고딕" charset="0"/>
+                <a:ea typeface="맑은 고딕" charset="0"/>
+              </a:rPr>
+              <a:t>다섯째 수준</a:t>
+            </a:r>
+          </a:p>
+        </p:txBody>
+      </p:sp>
+      <p:sp>
+        <p:nvSpPr>
+          <p:cNvPr id="4" name="날짜 개체 틀 3"/>
+          <p:cNvSpPr txBox="1">
+            <a:spLocks/>
+          </p:cNvSpPr>
+          <p:nvPr>
+            <p:ph type="dt"/>
+          </p:nvPr>
+        </p:nvSpPr>
+        <p:spPr>
+          <a:xfrm rot="0">
+            <a:off x="838200" y="6356350"/>
+            <a:ext cx="2743835" cy="365760"/>
+          </a:xfrm>
+          <a:prstGeom prst="rect"/>
+        </p:spPr>
+        <p:txBody>
+          <a:bodyPr wrap="square" lIns="91440" tIns="45720" rIns="91440" bIns="45720" vert="horz" anchor="ctr">
+            <a:noAutofit/>
+          </a:bodyPr>
+          <a:lstStyle/>
+          <a:p>
+            <a:pPr marL="0" indent="0" defTabSz="508000">
+              <a:lnSpc>
+                <a:spcPct val="100000"/>
+              </a:lnSpc>
+              <a:spcBef>
+                <a:spcPts val="0"/>
+              </a:spcBef>
+              <a:spcAft>
+                <a:spcPts val="0"/>
+              </a:spcAft>
+              <a:buFontTx/>
+              <a:buNone/>
+            </a:pPr>
+            <a:fld id="{B9320F77-B9A0-41C5-862A-B4B631284C64}" type="datetime1">
+              <a:rPr lang="ko-KR" altLang="en-US" sz="1200">
+                <a:latin typeface="맑은 고딕" charset="0"/>
+                <a:ea typeface="맑은 고딕" charset="0"/>
+              </a:rPr>
+              <a:t>2019-09-23</a:t>
+            </a:fld>
+          </a:p>
+        </p:txBody>
+      </p:sp>
+      <p:sp>
+        <p:nvSpPr>
+          <p:cNvPr id="5" name="바닥글 개체 틀 4"/>
+          <p:cNvSpPr txBox="1">
+            <a:spLocks/>
+          </p:cNvSpPr>
+          <p:nvPr>
+            <p:ph type="ftr"/>
+          </p:nvPr>
+        </p:nvSpPr>
+        <p:spPr>
+          <a:xfrm rot="0">
+            <a:off x="4038600" y="6356350"/>
+            <a:ext cx="4115435" cy="365760"/>
+          </a:xfrm>
+          <a:prstGeom prst="rect"/>
+        </p:spPr>
+        <p:txBody>
+          <a:bodyPr wrap="square" lIns="91440" tIns="45720" rIns="91440" bIns="45720" vert="horz" anchor="ctr">
+            <a:noAutofit/>
+          </a:bodyPr>
+          <a:lstStyle/>
+          <a:p>
+            <a:pPr marL="0" indent="0" defTabSz="508000">
+              <a:lnSpc>
+                <a:spcPct val="100000"/>
+              </a:lnSpc>
+              <a:spcBef>
+                <a:spcPts val="0"/>
+              </a:spcBef>
+              <a:spcAft>
+                <a:spcPts val="0"/>
+              </a:spcAft>
+              <a:buFontTx/>
+              <a:buNone/>
+            </a:pPr>
+          </a:p>
+        </p:txBody>
+      </p:sp>
+      <p:sp>
+        <p:nvSpPr>
+          <p:cNvPr id="6" name="슬라이드 번호 개체 틀 5"/>
+          <p:cNvSpPr txBox="1">
+            <a:spLocks/>
+          </p:cNvSpPr>
+          <p:nvPr>
+            <p:ph type="sldNum"/>
+          </p:nvPr>
+        </p:nvSpPr>
+        <p:spPr>
+          <a:xfrm rot="0">
+            <a:off x="8610600" y="6356350"/>
+            <a:ext cx="2743835" cy="365760"/>
+          </a:xfrm>
+          <a:prstGeom prst="rect"/>
+        </p:spPr>
+        <p:txBody>
+          <a:bodyPr wrap="square" lIns="91440" tIns="45720" rIns="91440" bIns="45720" vert="horz" anchor="ctr">
+            <a:noAutofit/>
+          </a:bodyPr>
+          <a:lstStyle/>
+          <a:p>
+            <a:pPr marL="0" indent="0" defTabSz="508000">
+              <a:lnSpc>
+                <a:spcPct val="100000"/>
+              </a:lnSpc>
+              <a:spcBef>
+                <a:spcPts val="0"/>
+              </a:spcBef>
+              <a:spcAft>
+                <a:spcPts val="0"/>
+              </a:spcAft>
+              <a:buFontTx/>
+              <a:buNone/>
+            </a:pPr>
+            <a:fld id="{B9320F77-B9A0-41C5-862A-B4B631284C64}" type="slidenum">
+              <a:rPr lang="en-US" altLang="ko-KR" sz="1200">
+                <a:latin typeface="맑은 고딕" charset="0"/>
+                <a:ea typeface="맑은 고딕" charset="0"/>
+              </a:rPr>
+              <a:t>‹#›</a:t>
+            </a:fld>
+          </a:p>
+        </p:txBody>
+      </p:sp>
+    </p:spTree>
+  </p:cSld>
+  <p:clrMapOvr>
+    <a:overrideClrMapping bg1="lt1" tx1="dk1" bg2="lt2" tx2="dk2" accent1="accent1" accent2="accent2" accent3="accent3" accent4="accent4" accent5="accent5" accent6="accent6" hlink="hlink" folHlink="folHlink"/>
+  </p:clrMapOvr>
+  <mc:AlternateContent xmlns:mc="http://schemas.openxmlformats.org/markup-compatibility/2006">
+    <mc:Choice xmlns:p14="http://schemas.microsoft.com/office/powerpoint/2010/main" Requires="p14">
+      <p:transition spd="slow" p14:dur="2000"/>
+    </mc:Choice>
+    <mc:Fallback>
+      <p:transition spd="slow"/>
+    </mc:Fallback>
+  </mc:AlternateContent>
+</p:sldLayout>
+</file>
+
+<file path=ppt/slideLayouts/slideLayout77.xml><?xml version="1.0" encoding="utf-8"?>
+<p:sldLayout xmlns:a="http://schemas.openxmlformats.org/drawingml/2006/main" xmlns:r="http://schemas.openxmlformats.org/officeDocument/2006/relationships" xmlns:p="http://schemas.openxmlformats.org/presentationml/2006/main" type="vertTitleAndTx">
+  <p:cSld name="세로 제목 및 텍스트">
+    <p:spTree>
+      <p:nvGrpSpPr>
+        <p:cNvPr id="1" name=""/>
+        <p:cNvGrpSpPr/>
+        <p:nvPr/>
+      </p:nvGrpSpPr>
+      <p:grpSpPr>
+        <a:xfrm>
+          <a:off x="0" y="0"/>
+          <a:ext cx="0" cy="0"/>
+          <a:chOff x="0" y="0"/>
+          <a:chExt cx="0" cy="0"/>
+        </a:xfrm>
+      </p:grpSpPr>
+      <p:sp>
+        <p:nvSpPr>
+          <p:cNvPr id="2" name="세로 제목 1"/>
+          <p:cNvSpPr txBox="1">
+            <a:spLocks/>
+          </p:cNvSpPr>
+          <p:nvPr>
+            <p:ph type="title" orient="vert"/>
+          </p:nvPr>
+        </p:nvSpPr>
+        <p:spPr>
+          <a:xfrm rot="0">
+            <a:off x="8724900" y="365125"/>
+            <a:ext cx="2629535" cy="5812790"/>
+          </a:xfrm>
+          <a:prstGeom prst="rect"/>
+        </p:spPr>
+        <p:txBody>
+          <a:bodyPr wrap="square" lIns="91440" tIns="45720" rIns="91440" bIns="45720" vert="eaVert" anchor="ctr">
+            <a:normAutofit fontScale="100000" lnSpcReduction="0"/>
+          </a:bodyPr>
+          <a:lstStyle/>
+          <a:p>
+            <a:pPr marL="0" indent="0" defTabSz="508000">
+              <a:lnSpc>
+                <a:spcPct val="100000"/>
+              </a:lnSpc>
+              <a:spcBef>
+                <a:spcPts val="0"/>
+              </a:spcBef>
+              <a:spcAft>
+                <a:spcPts val="0"/>
+              </a:spcAft>
+              <a:buFontTx/>
+              <a:buNone/>
+            </a:pPr>
+            <a:r>
+              <a:rPr lang="en-US" altLang="ko-KR" sz="4400">
+                <a:latin typeface="맑은 고딕" charset="0"/>
+                <a:ea typeface="맑은 고딕" charset="0"/>
+              </a:rPr>
+              <a:t>마스터 제목 스타일 편집</a:t>
+            </a:r>
+          </a:p>
+        </p:txBody>
+      </p:sp>
+      <p:sp>
+        <p:nvSpPr>
+          <p:cNvPr id="3" name="세로 텍스트 개체 틀 2"/>
+          <p:cNvSpPr txBox="1">
+            <a:spLocks/>
+          </p:cNvSpPr>
+          <p:nvPr>
+            <p:ph type="body" orient="vert"/>
+          </p:nvPr>
+        </p:nvSpPr>
+        <p:spPr>
+          <a:xfrm rot="0">
+            <a:off x="838200" y="365125"/>
+            <a:ext cx="7734935" cy="5812790"/>
+          </a:xfrm>
+          <a:prstGeom prst="rect"/>
+        </p:spPr>
+        <p:txBody>
+          <a:bodyPr wrap="square" lIns="91440" tIns="45720" rIns="91440" bIns="45720" vert="eaVert" anchor="t">
+            <a:normAutofit fontScale="100000" lnSpcReduction="0"/>
+          </a:bodyPr>
+          <a:lstStyle/>
+          <a:p>
+            <a:pPr marL="228600" indent="-228600" defTabSz="508000">
+              <a:lnSpc>
+                <a:spcPct val="100000"/>
+              </a:lnSpc>
+              <a:spcBef>
+                <a:spcPts val="1000"/>
+              </a:spcBef>
+              <a:spcAft>
+                <a:spcPts val="0"/>
+              </a:spcAft>
+              <a:buClr>
+                <a:srgbClr val="000000"/>
+              </a:buClr>
+              <a:buFont typeface="Arial"/>
+              <a:buChar char="•"/>
+            </a:pPr>
+            <a:r>
+              <a:rPr lang="en-US" altLang="ko-KR" sz="2800">
+                <a:latin typeface="맑은 고딕" charset="0"/>
+                <a:ea typeface="맑은 고딕" charset="0"/>
+              </a:rPr>
+              <a:t>마스터 텍스트 스타일 편집</a:t>
+            </a:r>
+          </a:p>
+          <a:p>
+            <a:pPr marL="685800" indent="-228600" defTabSz="508000">
+              <a:lnSpc>
+                <a:spcPct val="100000"/>
+              </a:lnSpc>
+              <a:spcBef>
+                <a:spcPts val="500"/>
+              </a:spcBef>
+              <a:spcAft>
+                <a:spcPts val="0"/>
+              </a:spcAft>
+              <a:buClr>
+                <a:srgbClr val="000000"/>
+              </a:buClr>
+              <a:buFont typeface="Arial"/>
+              <a:buChar char="•"/>
+            </a:pPr>
+            <a:r>
+              <a:rPr lang="en-US" altLang="ko-KR" sz="2400">
+                <a:latin typeface="맑은 고딕" charset="0"/>
+                <a:ea typeface="맑은 고딕" charset="0"/>
+              </a:rPr>
+              <a:t>둘째 수준</a:t>
+            </a:r>
+          </a:p>
+          <a:p>
+            <a:pPr marL="1143000" indent="-228600" defTabSz="508000">
+              <a:lnSpc>
+                <a:spcPct val="100000"/>
+              </a:lnSpc>
+              <a:spcBef>
+                <a:spcPts val="500"/>
+              </a:spcBef>
+              <a:spcAft>
+                <a:spcPts val="0"/>
+              </a:spcAft>
+              <a:buClr>
+                <a:srgbClr val="000000"/>
+              </a:buClr>
+              <a:buFont typeface="Arial"/>
+              <a:buChar char="•"/>
+            </a:pPr>
+            <a:r>
+              <a:rPr lang="en-US" altLang="ko-KR" sz="2000">
+                <a:latin typeface="맑은 고딕" charset="0"/>
+                <a:ea typeface="맑은 고딕" charset="0"/>
+              </a:rPr>
+              <a:t>셋째 수준</a:t>
+            </a:r>
+          </a:p>
+          <a:p>
+            <a:pPr marL="1600200" indent="-228600" defTabSz="508000">
+              <a:lnSpc>
+                <a:spcPct val="100000"/>
+              </a:lnSpc>
+              <a:spcBef>
+                <a:spcPts val="500"/>
+              </a:spcBef>
+              <a:spcAft>
+                <a:spcPts val="0"/>
+              </a:spcAft>
+              <a:buClr>
+                <a:srgbClr val="000000"/>
+              </a:buClr>
+              <a:buFont typeface="Arial"/>
+              <a:buChar char="•"/>
+            </a:pPr>
+            <a:r>
+              <a:rPr lang="en-US" altLang="ko-KR" sz="1800">
+                <a:latin typeface="맑은 고딕" charset="0"/>
+                <a:ea typeface="맑은 고딕" charset="0"/>
+              </a:rPr>
+              <a:t>넷째 수준</a:t>
+            </a:r>
+          </a:p>
+          <a:p>
+            <a:pPr marL="2057400" indent="-228600" defTabSz="508000">
+              <a:lnSpc>
+                <a:spcPct val="100000"/>
+              </a:lnSpc>
+              <a:spcBef>
+                <a:spcPts val="500"/>
+              </a:spcBef>
+              <a:spcAft>
+                <a:spcPts val="0"/>
+              </a:spcAft>
+              <a:buClr>
+                <a:srgbClr val="000000"/>
+              </a:buClr>
+              <a:buFont typeface="Arial"/>
+              <a:buChar char="•"/>
+            </a:pPr>
+            <a:r>
+              <a:rPr lang="en-US" altLang="ko-KR" sz="1800">
+                <a:latin typeface="맑은 고딕" charset="0"/>
+                <a:ea typeface="맑은 고딕" charset="0"/>
+              </a:rPr>
+              <a:t>다섯째 수준</a:t>
+            </a:r>
+          </a:p>
+        </p:txBody>
+      </p:sp>
+      <p:sp>
+        <p:nvSpPr>
+          <p:cNvPr id="4" name="날짜 개체 틀 3"/>
+          <p:cNvSpPr txBox="1">
+            <a:spLocks/>
+          </p:cNvSpPr>
+          <p:nvPr>
+            <p:ph type="dt"/>
+          </p:nvPr>
+        </p:nvSpPr>
+        <p:spPr>
+          <a:xfrm rot="0">
+            <a:off x="838200" y="6356350"/>
+            <a:ext cx="2743835" cy="365760"/>
+          </a:xfrm>
+          <a:prstGeom prst="rect"/>
+        </p:spPr>
+        <p:txBody>
+          <a:bodyPr wrap="square" lIns="91440" tIns="45720" rIns="91440" bIns="45720" vert="horz" anchor="ctr">
+            <a:noAutofit/>
+          </a:bodyPr>
+          <a:lstStyle/>
+          <a:p>
+            <a:pPr marL="0" indent="0" defTabSz="508000">
+              <a:lnSpc>
+                <a:spcPct val="100000"/>
+              </a:lnSpc>
+              <a:spcBef>
+                <a:spcPts val="0"/>
+              </a:spcBef>
+              <a:spcAft>
+                <a:spcPts val="0"/>
+              </a:spcAft>
+              <a:buFontTx/>
+              <a:buNone/>
+            </a:pPr>
+            <a:fld id="{B9320F77-B9A0-41C5-862A-B4B631284C64}" type="datetime1">
+              <a:rPr lang="ko-KR" altLang="en-US" sz="1200">
+                <a:latin typeface="맑은 고딕" charset="0"/>
+                <a:ea typeface="맑은 고딕" charset="0"/>
+              </a:rPr>
+              <a:t>2019-09-23</a:t>
+            </a:fld>
+          </a:p>
+        </p:txBody>
+      </p:sp>
+      <p:sp>
+        <p:nvSpPr>
+          <p:cNvPr id="5" name="바닥글 개체 틀 4"/>
+          <p:cNvSpPr txBox="1">
+            <a:spLocks/>
+          </p:cNvSpPr>
+          <p:nvPr>
+            <p:ph type="ftr"/>
+          </p:nvPr>
+        </p:nvSpPr>
+        <p:spPr>
+          <a:xfrm rot="0">
+            <a:off x="4038600" y="6356350"/>
+            <a:ext cx="4115435" cy="365760"/>
+          </a:xfrm>
+          <a:prstGeom prst="rect"/>
+        </p:spPr>
+        <p:txBody>
+          <a:bodyPr wrap="square" lIns="91440" tIns="45720" rIns="91440" bIns="45720" vert="horz" anchor="ctr">
+            <a:noAutofit/>
+          </a:bodyPr>
+          <a:lstStyle/>
+          <a:p>
+            <a:pPr marL="0" indent="0" defTabSz="508000">
+              <a:lnSpc>
+                <a:spcPct val="100000"/>
+              </a:lnSpc>
+              <a:spcBef>
+                <a:spcPts val="0"/>
+              </a:spcBef>
+              <a:spcAft>
+                <a:spcPts val="0"/>
+              </a:spcAft>
+              <a:buFontTx/>
+              <a:buNone/>
+            </a:pPr>
+          </a:p>
+        </p:txBody>
+      </p:sp>
+      <p:sp>
+        <p:nvSpPr>
+          <p:cNvPr id="6" name="슬라이드 번호 개체 틀 5"/>
+          <p:cNvSpPr txBox="1">
+            <a:spLocks/>
+          </p:cNvSpPr>
+          <p:nvPr>
+            <p:ph type="sldNum"/>
+          </p:nvPr>
+        </p:nvSpPr>
+        <p:spPr>
+          <a:xfrm rot="0">
+            <a:off x="8610600" y="6356350"/>
+            <a:ext cx="2743835" cy="365760"/>
+          </a:xfrm>
+          <a:prstGeom prst="rect"/>
+        </p:spPr>
+        <p:txBody>
+          <a:bodyPr wrap="square" lIns="91440" tIns="45720" rIns="91440" bIns="45720" vert="horz" anchor="ctr">
+            <a:noAutofit/>
+          </a:bodyPr>
+          <a:lstStyle/>
+          <a:p>
+            <a:pPr marL="0" indent="0" defTabSz="508000">
+              <a:lnSpc>
+                <a:spcPct val="100000"/>
+              </a:lnSpc>
+              <a:spcBef>
+                <a:spcPts val="0"/>
+              </a:spcBef>
+              <a:spcAft>
+                <a:spcPts val="0"/>
+              </a:spcAft>
+              <a:buFontTx/>
+              <a:buNone/>
+            </a:pPr>
+            <a:fld id="{B9320F77-B9A0-41C5-862A-B4B631284C64}" type="slidenum">
+              <a:rPr lang="en-US" altLang="ko-KR" sz="1200">
+                <a:latin typeface="맑은 고딕" charset="0"/>
+                <a:ea typeface="맑은 고딕" charset="0"/>
+              </a:rPr>
+              <a:t>‹#›</a:t>
+            </a:fld>
+          </a:p>
+        </p:txBody>
+      </p:sp>
+    </p:spTree>
+  </p:cSld>
+  <p:clrMapOvr>
+    <a:overrideClrMapping bg1="lt1" tx1="dk1" bg2="lt2" tx2="dk2" accent1="accent1" accent2="accent2" accent3="accent3" accent4="accent4" accent5="accent5" accent6="accent6" hlink="hlink" folHlink="folHlink"/>
+  </p:clrMapOvr>
+  <mc:AlternateContent xmlns:mc="http://schemas.openxmlformats.org/markup-compatibility/2006">
+    <mc:Choice xmlns:p14="http://schemas.microsoft.com/office/powerpoint/2010/main" Requires="p14">
+      <p:transition spd="slow" p14:dur="2000"/>
+    </mc:Choice>
+    <mc:Fallback>
+      <p:transition spd="slow"/>
+    </mc:Fallback>
+  </mc:AlternateContent>
 </p:sldLayout>
 </file>
 
@@ -25727,6 +29311,461 @@
 </p:sldMaster>
 </file>
 
+<file path=ppt/slideMasters/slideMaster7.xml><?xml version="1.0" encoding="utf-8"?>
+<p:sldMaster xmlns:a="http://schemas.openxmlformats.org/drawingml/2006/main" xmlns:r="http://schemas.openxmlformats.org/officeDocument/2006/relationships" xmlns:p="http://schemas.openxmlformats.org/presentationml/2006/main">
+  <p:cSld>
+    <p:bg>
+      <p:bgRef idx="1001">
+        <a:schemeClr val="bg1"/>
+      </p:bgRef>
+    </p:bg>
+    <p:spTree>
+      <p:nvGrpSpPr>
+        <p:cNvPr id="1" name=""/>
+        <p:cNvGrpSpPr/>
+        <p:nvPr/>
+      </p:nvGrpSpPr>
+      <p:grpSpPr>
+        <a:xfrm>
+          <a:off x="0" y="0"/>
+          <a:ext cx="0" cy="0"/>
+          <a:chOff x="0" y="0"/>
+          <a:chExt cx="0" cy="0"/>
+        </a:xfrm>
+      </p:grpSpPr>
+      <p:sp>
+        <p:nvSpPr>
+          <p:cNvPr id="2" name="텍스트 개체 틀 1"/>
+          <p:cNvSpPr txBox="1">
+            <a:spLocks/>
+          </p:cNvSpPr>
+          <p:nvPr>
+            <p:ph type="title"/>
+          </p:nvPr>
+        </p:nvSpPr>
+        <p:spPr>
+          <a:xfrm rot="0">
+            <a:off x="838200" y="365125"/>
+            <a:ext cx="10516235" cy="1326515"/>
+          </a:xfrm>
+          <a:prstGeom prst="rect"/>
+        </p:spPr>
+        <p:txBody>
+          <a:bodyPr wrap="square" lIns="91440" tIns="45720" rIns="91440" bIns="45720" vert="horz" anchor="ctr">
+            <a:normAutofit fontScale="100000" lnSpcReduction="0"/>
+          </a:bodyPr>
+          <a:lstStyle/>
+          <a:p>
+            <a:pPr marL="0" indent="0" defTabSz="508000">
+              <a:lnSpc>
+                <a:spcPct val="100000"/>
+              </a:lnSpc>
+              <a:spcBef>
+                <a:spcPts val="0"/>
+              </a:spcBef>
+              <a:spcAft>
+                <a:spcPts val="0"/>
+              </a:spcAft>
+              <a:buFontTx/>
+              <a:buNone/>
+            </a:pPr>
+            <a:r>
+              <a:rPr lang="en-US" altLang="ko-KR" sz="4400">
+                <a:latin typeface="맑은 고딕" charset="0"/>
+                <a:ea typeface="맑은 고딕" charset="0"/>
+              </a:rPr>
+              <a:t>마스터 제목 스타일 편집</a:t>
+            </a:r>
+          </a:p>
+        </p:txBody>
+      </p:sp>
+      <p:sp>
+        <p:nvSpPr>
+          <p:cNvPr id="3" name="텍스트 개체 틀 2"/>
+          <p:cNvSpPr txBox="1">
+            <a:spLocks/>
+          </p:cNvSpPr>
+          <p:nvPr>
+            <p:ph type="body"/>
+          </p:nvPr>
+        </p:nvSpPr>
+        <p:spPr>
+          <a:xfrm rot="0">
+            <a:off x="838200" y="1825625"/>
+            <a:ext cx="10516235" cy="4352290"/>
+          </a:xfrm>
+          <a:prstGeom prst="rect"/>
+        </p:spPr>
+        <p:txBody>
+          <a:bodyPr wrap="square" lIns="91440" tIns="45720" rIns="91440" bIns="45720" vert="horz" anchor="t">
+            <a:normAutofit fontScale="100000" lnSpcReduction="0"/>
+          </a:bodyPr>
+          <a:lstStyle/>
+          <a:p>
+            <a:pPr marL="228600" indent="-228600" defTabSz="508000">
+              <a:lnSpc>
+                <a:spcPct val="100000"/>
+              </a:lnSpc>
+              <a:spcBef>
+                <a:spcPts val="1000"/>
+              </a:spcBef>
+              <a:spcAft>
+                <a:spcPts val="0"/>
+              </a:spcAft>
+              <a:buClr>
+                <a:srgbClr val="000000"/>
+              </a:buClr>
+              <a:buFont typeface="Arial"/>
+              <a:buChar char="•"/>
+            </a:pPr>
+            <a:r>
+              <a:rPr lang="en-US" altLang="ko-KR" sz="2800">
+                <a:latin typeface="맑은 고딕" charset="0"/>
+                <a:ea typeface="맑은 고딕" charset="0"/>
+              </a:rPr>
+              <a:t>마스터 텍스트 스타일 편집</a:t>
+            </a:r>
+          </a:p>
+          <a:p>
+            <a:pPr marL="685800" indent="-228600" defTabSz="508000">
+              <a:lnSpc>
+                <a:spcPct val="100000"/>
+              </a:lnSpc>
+              <a:spcBef>
+                <a:spcPts val="500"/>
+              </a:spcBef>
+              <a:spcAft>
+                <a:spcPts val="0"/>
+              </a:spcAft>
+              <a:buClr>
+                <a:srgbClr val="000000"/>
+              </a:buClr>
+              <a:buFont typeface="Arial"/>
+              <a:buChar char="•"/>
+            </a:pPr>
+            <a:r>
+              <a:rPr lang="en-US" altLang="ko-KR" sz="2400">
+                <a:latin typeface="맑은 고딕" charset="0"/>
+                <a:ea typeface="맑은 고딕" charset="0"/>
+              </a:rPr>
+              <a:t>둘째 수준</a:t>
+            </a:r>
+          </a:p>
+          <a:p>
+            <a:pPr marL="1143000" indent="-228600" defTabSz="508000">
+              <a:lnSpc>
+                <a:spcPct val="100000"/>
+              </a:lnSpc>
+              <a:spcBef>
+                <a:spcPts val="500"/>
+              </a:spcBef>
+              <a:spcAft>
+                <a:spcPts val="0"/>
+              </a:spcAft>
+              <a:buClr>
+                <a:srgbClr val="000000"/>
+              </a:buClr>
+              <a:buFont typeface="Arial"/>
+              <a:buChar char="•"/>
+            </a:pPr>
+            <a:r>
+              <a:rPr lang="en-US" altLang="ko-KR" sz="2000">
+                <a:latin typeface="맑은 고딕" charset="0"/>
+                <a:ea typeface="맑은 고딕" charset="0"/>
+              </a:rPr>
+              <a:t>셋째 수준</a:t>
+            </a:r>
+          </a:p>
+          <a:p>
+            <a:pPr marL="1600200" indent="-228600" defTabSz="508000">
+              <a:lnSpc>
+                <a:spcPct val="100000"/>
+              </a:lnSpc>
+              <a:spcBef>
+                <a:spcPts val="500"/>
+              </a:spcBef>
+              <a:spcAft>
+                <a:spcPts val="0"/>
+              </a:spcAft>
+              <a:buClr>
+                <a:srgbClr val="000000"/>
+              </a:buClr>
+              <a:buFont typeface="Arial"/>
+              <a:buChar char="•"/>
+            </a:pPr>
+            <a:r>
+              <a:rPr lang="en-US" altLang="ko-KR" sz="1800">
+                <a:latin typeface="맑은 고딕" charset="0"/>
+                <a:ea typeface="맑은 고딕" charset="0"/>
+              </a:rPr>
+              <a:t>넷째 수준</a:t>
+            </a:r>
+          </a:p>
+          <a:p>
+            <a:pPr marL="2057400" indent="-228600" defTabSz="508000">
+              <a:lnSpc>
+                <a:spcPct val="100000"/>
+              </a:lnSpc>
+              <a:spcBef>
+                <a:spcPts val="500"/>
+              </a:spcBef>
+              <a:spcAft>
+                <a:spcPts val="0"/>
+              </a:spcAft>
+              <a:buClr>
+                <a:srgbClr val="000000"/>
+              </a:buClr>
+              <a:buFont typeface="Arial"/>
+              <a:buChar char="•"/>
+            </a:pPr>
+            <a:r>
+              <a:rPr lang="en-US" altLang="ko-KR" sz="1800">
+                <a:latin typeface="맑은 고딕" charset="0"/>
+                <a:ea typeface="맑은 고딕" charset="0"/>
+              </a:rPr>
+              <a:t>다섯째 수준</a:t>
+            </a:r>
+          </a:p>
+        </p:txBody>
+      </p:sp>
+      <p:sp>
+        <p:nvSpPr>
+          <p:cNvPr id="4" name="날짜 개체 틀 3"/>
+          <p:cNvSpPr txBox="1">
+            <a:spLocks/>
+          </p:cNvSpPr>
+          <p:nvPr>
+            <p:ph type="dt"/>
+          </p:nvPr>
+        </p:nvSpPr>
+        <p:spPr>
+          <a:xfrm rot="0">
+            <a:off x="838200" y="6356350"/>
+            <a:ext cx="2743835" cy="365760"/>
+          </a:xfrm>
+          <a:prstGeom prst="rect"/>
+        </p:spPr>
+        <p:txBody>
+          <a:bodyPr wrap="square" lIns="91440" tIns="45720" rIns="91440" bIns="45720" vert="horz" anchor="ctr">
+            <a:noAutofit/>
+          </a:bodyPr>
+          <a:lstStyle/>
+          <a:p>
+            <a:pPr marL="0" indent="0" defTabSz="508000">
+              <a:lnSpc>
+                <a:spcPct val="100000"/>
+              </a:lnSpc>
+              <a:spcBef>
+                <a:spcPts val="0"/>
+              </a:spcBef>
+              <a:spcAft>
+                <a:spcPts val="0"/>
+              </a:spcAft>
+              <a:buFontTx/>
+              <a:buNone/>
+            </a:pPr>
+            <a:fld id="{B9320F77-B9A0-41C5-862A-B4B631284C64}" type="datetime1">
+              <a:rPr lang="ko-KR" altLang="en-US" sz="1200">
+                <a:latin typeface="맑은 고딕" charset="0"/>
+                <a:ea typeface="맑은 고딕" charset="0"/>
+              </a:rPr>
+              <a:t>2019-09-23</a:t>
+            </a:fld>
+          </a:p>
+        </p:txBody>
+      </p:sp>
+      <p:sp>
+        <p:nvSpPr>
+          <p:cNvPr id="5" name="바닥글 개체 틀 4"/>
+          <p:cNvSpPr txBox="1">
+            <a:spLocks/>
+          </p:cNvSpPr>
+          <p:nvPr>
+            <p:ph type="ftr"/>
+          </p:nvPr>
+        </p:nvSpPr>
+        <p:spPr>
+          <a:xfrm rot="0">
+            <a:off x="4038600" y="6356350"/>
+            <a:ext cx="4115435" cy="365760"/>
+          </a:xfrm>
+          <a:prstGeom prst="rect"/>
+        </p:spPr>
+        <p:txBody>
+          <a:bodyPr wrap="square" lIns="91440" tIns="45720" rIns="91440" bIns="45720" vert="horz" anchor="ctr">
+            <a:noAutofit/>
+          </a:bodyPr>
+          <a:lstStyle/>
+          <a:p>
+            <a:pPr marL="0" indent="0" defTabSz="508000">
+              <a:lnSpc>
+                <a:spcPct val="100000"/>
+              </a:lnSpc>
+              <a:spcBef>
+                <a:spcPts val="0"/>
+              </a:spcBef>
+              <a:spcAft>
+                <a:spcPts val="0"/>
+              </a:spcAft>
+              <a:buFontTx/>
+              <a:buNone/>
+            </a:pPr>
+          </a:p>
+        </p:txBody>
+      </p:sp>
+      <p:sp>
+        <p:nvSpPr>
+          <p:cNvPr id="6" name="슬라이드 번호 개체 틀 5"/>
+          <p:cNvSpPr txBox="1">
+            <a:spLocks/>
+          </p:cNvSpPr>
+          <p:nvPr>
+            <p:ph type="sldNum"/>
+          </p:nvPr>
+        </p:nvSpPr>
+        <p:spPr>
+          <a:xfrm rot="0">
+            <a:off x="8610600" y="6356350"/>
+            <a:ext cx="2743835" cy="365760"/>
+          </a:xfrm>
+          <a:prstGeom prst="rect"/>
+        </p:spPr>
+        <p:txBody>
+          <a:bodyPr wrap="square" lIns="91440" tIns="45720" rIns="91440" bIns="45720" vert="horz" anchor="ctr">
+            <a:noAutofit/>
+          </a:bodyPr>
+          <a:lstStyle/>
+          <a:p>
+            <a:pPr marL="0" indent="0" defTabSz="508000">
+              <a:lnSpc>
+                <a:spcPct val="100000"/>
+              </a:lnSpc>
+              <a:spcBef>
+                <a:spcPts val="0"/>
+              </a:spcBef>
+              <a:spcAft>
+                <a:spcPts val="0"/>
+              </a:spcAft>
+              <a:buFontTx/>
+              <a:buNone/>
+            </a:pPr>
+            <a:fld id="{B9320F77-B9A0-41C5-862A-B4B631284C64}" type="slidenum">
+              <a:rPr lang="en-US" altLang="ko-KR" sz="1200">
+                <a:latin typeface="맑은 고딕" charset="0"/>
+                <a:ea typeface="맑은 고딕" charset="0"/>
+              </a:rPr>
+              <a:t>‹#›</a:t>
+            </a:fld>
+          </a:p>
+        </p:txBody>
+      </p:sp>
+    </p:spTree>
+  </p:cSld>
+  <p:clrMap bg1="lt1" tx1="dk1" bg2="lt2" tx2="dk2" accent1="accent1" accent2="accent2" accent3="accent3" accent4="accent4" accent5="accent5" accent6="accent6" hlink="hlink" folHlink="folHlink"/>
+  <p:sldLayoutIdLst>
+    <p:sldLayoutId id="2147484445" r:id="rId1"/>
+    <p:sldLayoutId id="2147484446" r:id="rId2"/>
+    <p:sldLayoutId id="2147484447" r:id="rId3"/>
+    <p:sldLayoutId id="2147484448" r:id="rId4"/>
+    <p:sldLayoutId id="2147484449" r:id="rId5"/>
+    <p:sldLayoutId id="2147484450" r:id="rId6"/>
+    <p:sldLayoutId id="2147484451" r:id="rId7"/>
+    <p:sldLayoutId id="2147484452" r:id="rId8"/>
+    <p:sldLayoutId id="2147484453" r:id="rId9"/>
+    <p:sldLayoutId id="2147484454" r:id="rId10"/>
+    <p:sldLayoutId id="2147484455" r:id="rId11"/>
+  </p:sldLayoutIdLst>
+  <mc:AlternateContent xmlns:mc="http://schemas.openxmlformats.org/markup-compatibility/2006">
+    <mc:Choice xmlns:p14="http://schemas.microsoft.com/office/powerpoint/2010/main" Requires="p14">
+      <p:transition spd="slow" p14:dur="2000"/>
+    </mc:Choice>
+    <mc:Fallback>
+      <p:transition spd="slow"/>
+    </mc:Fallback>
+  </mc:AlternateContent>
+  <p:txStyles>
+    <p:titleStyle>
+      <a:lvl1pPr algn="ctr" marL="0" indent="0" defTabSz="914400" latinLnBrk="1">
+        <a:buNone/>
+        <a:defRPr lang="ko-KR" smtClean="0" sz="4400" baseline="0">
+          <a:solidFill>
+            <a:schemeClr val="tx1"/>
+          </a:solidFill>
+          <a:latin typeface="+mn-lt"/>
+          <a:ea typeface="+mn-ea"/>
+          <a:cs typeface="+mn-cs"/>
+        </a:defRPr>
+      </a:lvl1pPr>
+    </p:titleStyle>
+    <p:bodyStyle>
+      <a:lvl1pPr algn="l" marL="342900" indent="-342900" defTabSz="914400" latinLnBrk="1">
+        <a:spcBef>
+          <a:spcPct val="20000"/>
+        </a:spcBef>
+        <a:buFont typeface="Arial"/>
+        <a:buChar char="•"/>
+        <a:defRPr lang="ko-KR" smtClean="0" sz="2800" baseline="0">
+          <a:solidFill>
+            <a:schemeClr val="tx1"/>
+          </a:solidFill>
+          <a:latin typeface="+mn-lt"/>
+          <a:ea typeface="+mn-ea"/>
+          <a:cs typeface="+mn-cs"/>
+        </a:defRPr>
+      </a:lvl1pPr>
+      <a:lvl2pPr lvl="1" marL="742950" indent="-285750" defTabSz="914400" latinLnBrk="1">
+        <a:buChar char="-"/>
+        <a:defRPr lang="ko-KR" smtClean="0" sz="2400"/>
+      </a:lvl2pPr>
+      <a:lvl3pPr lvl="2" marL="1143000" indent="-228600" defTabSz="914400" latinLnBrk="1">
+        <a:buChar char="●"/>
+        <a:defRPr lang="ko-KR" smtClean="0" sz="2000"/>
+      </a:lvl3pPr>
+      <a:lvl4pPr lvl="3" marL="1600200" indent="-228600" defTabSz="914400" latinLnBrk="1">
+        <a:buChar char="-"/>
+        <a:defRPr lang="ko-KR" smtClean="0" sz="1800"/>
+      </a:lvl4pPr>
+      <a:lvl5pPr lvl="4" marL="2057400" indent="-228600" defTabSz="914400" latinLnBrk="1">
+        <a:buChar char="»"/>
+        <a:defRPr lang="ko-KR" smtClean="0" sz="1800"/>
+      </a:lvl5pPr>
+    </p:bodyStyle>
+    <p:otherStyle>
+      <a:lvl1pPr algn="l" marL="0" indent="0" defTabSz="914400" latinLnBrk="1">
+        <a:buNone/>
+        <a:defRPr lang="ko-KR" smtClean="0" sz="1800" baseline="0">
+          <a:solidFill>
+            <a:schemeClr val="tx1"/>
+          </a:solidFill>
+          <a:latin typeface="+mn-lt"/>
+          <a:ea typeface="+mn-ea"/>
+          <a:cs typeface="+mn-cs"/>
+        </a:defRPr>
+      </a:lvl1pPr>
+      <a:lvl2pPr lvl="1" marL="457200" indent="0" defTabSz="914400" latinLnBrk="1">
+        <a:defRPr lang="ko-KR" smtClean="0"/>
+      </a:lvl2pPr>
+      <a:lvl3pPr lvl="2" marL="914400" indent="0" defTabSz="914400" latinLnBrk="1">
+        <a:defRPr lang="ko-KR" smtClean="0"/>
+      </a:lvl3pPr>
+      <a:lvl4pPr lvl="3" marL="1371600" indent="0" defTabSz="914400" latinLnBrk="1">
+        <a:defRPr lang="ko-KR" smtClean="0"/>
+      </a:lvl4pPr>
+      <a:lvl5pPr lvl="4" marL="1828800" indent="0" defTabSz="914400" latinLnBrk="1">
+        <a:defRPr lang="ko-KR" smtClean="0"/>
+      </a:lvl5pPr>
+    </p:otherStyle>
+  </p:txStyles>
+  <p:timing>
+    <p:tnLst>
+      <p:par>
+        <p:cTn id="1" dur="indefinite" restart="never" nodeType="tmRoot"/>
+      </p:par>
+    </p:tnLst>
+  </p:timing>
+</p:sldMaster>
+</file>
+
 <file path=ppt/slides/slide1.xml><?xml version="1.0" encoding="utf-8"?>
 <p:sld xmlns:a="http://schemas.openxmlformats.org/drawingml/2006/main" xmlns:r="http://schemas.openxmlformats.org/officeDocument/2006/relationships" xmlns:p="http://schemas.openxmlformats.org/presentationml/2006/main" xmlns:p14="http://schemas.microsoft.com/office/powerpoint/2010/main">
   <p:cSld>
@@ -43339,2994 +47378,6 @@
                         </a:rPr>
                         <a:t>정철욱</a:t>
                       </a:r>
-                      <a:endParaRPr lang="ko-KR" altLang="en-US" sz="1000" kern="1200" i="0" b="0">
-                        <a:solidFill>
-                          <a:schemeClr val="tx1"/>
-                        </a:solidFill>
-                        <a:latin typeface="맑은 고딕" charset="0"/>
-                        <a:ea typeface="맑은 고딕" charset="0"/>
-                      </a:endParaRPr>
-                    </a:p>
-                  </a:txBody>
-                  <a:tcPr marL="90170" marR="90170" marT="46990" marB="46990" anchor="ctr">
-                    <a:lnL w="12700" cap="flat" cmpd="sng" algn="ctr">
-                      <a:solidFill>
-                        <a:srgbClr val="000000">
-                          <a:alpha val="100000"/>
-                        </a:srgbClr>
-                      </a:solidFill>
-                      <a:prstDash val="solid"/>
-                      <a:round/>
-                      <a:headEnd type="none" w="med" len="med"/>
-                      <a:tailEnd type="none" w="med" len="med"/>
-                    </a:lnL>
-                    <a:lnR w="12700" cap="flat" cmpd="sng" algn="ctr">
-                      <a:solidFill>
-                        <a:srgbClr val="000000">
-                          <a:alpha val="100000"/>
-                        </a:srgbClr>
-                      </a:solidFill>
-                      <a:prstDash val="solid"/>
-                      <a:round/>
-                      <a:headEnd type="none" w="med" len="med"/>
-                      <a:tailEnd type="none" w="med" len="med"/>
-                    </a:lnR>
-                    <a:lnT w="12700" cap="flat" cmpd="sng" algn="ctr">
-                      <a:solidFill>
-                        <a:srgbClr val="000000">
-                          <a:alpha val="100000"/>
-                        </a:srgbClr>
-                      </a:solidFill>
-                      <a:prstDash val="solid"/>
-                      <a:round/>
-                      <a:headEnd type="none" w="med" len="med"/>
-                      <a:tailEnd type="none" w="med" len="med"/>
-                    </a:lnT>
-                    <a:lnB w="12700" cap="flat" cmpd="sng" algn="ctr">
-                      <a:solidFill>
-                        <a:srgbClr val="000000">
-                          <a:alpha val="100000"/>
-                        </a:srgbClr>
-                      </a:solidFill>
-                      <a:prstDash val="solid"/>
-                      <a:round/>
-                      <a:headEnd type="none" w="med" len="med"/>
-                      <a:tailEnd type="none" w="med" len="med"/>
-                    </a:lnB>
-                    <a:solidFill>
-                      <a:schemeClr val="bg1"/>
-                    </a:solidFill>
-                  </a:tcPr>
-                </a:tc>
-              </a:tr>
-            </a:tbl>
-          </a:graphicData>
-        </a:graphic>
-      </p:graphicFrame>
-    </p:spTree>
-  </p:cSld>
-  <p:clrMapOvr>
-    <a:masterClrMapping/>
-  </p:clrMapOvr>
-  <mc:AlternateContent xmlns:mc="http://schemas.openxmlformats.org/markup-compatibility/2006">
-    <mc:Choice xmlns:p14="http://schemas.microsoft.com/office/powerpoint/2010/main" Requires="p14">
-      <p:transition spd="slow" p14:dur="2000"/>
-    </mc:Choice>
-    <mc:Fallback>
-      <p:transition spd="slow"/>
-    </mc:Fallback>
-  </mc:AlternateContent>
-  <p:timing>
-    <p:tnLst>
-      <p:par>
-        <p:cTn id="1" dur="indefinite" restart="never" nodeType="tmRoot"/>
-      </p:par>
-    </p:tnLst>
-  </p:timing>
-</p:sld>
-</file>
-
-<file path=ppt/slides/slide5.xml><?xml version="1.0" encoding="utf-8"?>
-<p:sld xmlns:a="http://schemas.openxmlformats.org/drawingml/2006/main" xmlns:r="http://schemas.openxmlformats.org/officeDocument/2006/relationships" xmlns:p="http://schemas.openxmlformats.org/presentationml/2006/main" xmlns:p14="http://schemas.microsoft.com/office/powerpoint/2010/main">
-  <p:cSld>
-    <p:spTree>
-      <p:nvGrpSpPr>
-        <p:cNvPr id="1" name=""/>
-        <p:cNvGrpSpPr/>
-        <p:nvPr/>
-      </p:nvGrpSpPr>
-      <p:grpSpPr>
-        <a:xfrm>
-          <a:off x="0" y="0"/>
-          <a:ext cx="0" cy="0"/>
-          <a:chOff x="0" y="0"/>
-          <a:chExt cx="0" cy="0"/>
-        </a:xfrm>
-      </p:grpSpPr>
-      <p:sp>
-        <p:nvSpPr>
-          <p:cNvPr id="3" name="도형 2"/>
-          <p:cNvSpPr>
-            <a:spLocks/>
-          </p:cNvSpPr>
-          <p:nvPr/>
-        </p:nvSpPr>
-        <p:spPr>
-          <a:xfrm rot="0">
-            <a:off x="142875" y="714375"/>
-            <a:ext cx="8993505" cy="5945505"/>
-          </a:xfrm>
-          <a:prstGeom prst="rect"/>
-          <a:noFill/>
-          <a:ln w="12700" cap="flat" cmpd="sng">
-            <a:solidFill>
-              <a:schemeClr val="tx1">
-                <a:alpha val="100000"/>
-              </a:schemeClr>
-            </a:solidFill>
-            <a:prstDash val="solid"/>
-            <a:miter lim="800000"/>
-          </a:ln>
-        </p:spPr>
-        <p:style>
-          <a:lnRef idx="2">
-            <a:schemeClr val="accent1">
-              <a:shade val="50000"/>
-            </a:schemeClr>
-          </a:lnRef>
-          <a:fillRef idx="1">
-            <a:schemeClr val="accent1"/>
-          </a:fillRef>
-          <a:effectRef idx="0">
-            <a:schemeClr val="accent1"/>
-          </a:effectRef>
-          <a:fontRef idx="minor">
-            <a:schemeClr val="lt1"/>
-          </a:fontRef>
-        </p:style>
-        <p:txBody>
-          <a:bodyPr wrap="square" lIns="91440" tIns="45720" rIns="91440" bIns="45720" vert="horz" anchor="ctr">
-            <a:noAutofit/>
-          </a:bodyPr>
-          <a:lstStyle/>
-          <a:p>
-            <a:pPr marL="0" indent="0" algn="ctr" defTabSz="914400" eaLnBrk="1" latinLnBrk="1" hangingPunct="1">
-              <a:lnSpc>
-                <a:spcPct val="100000"/>
-              </a:lnSpc>
-              <a:spcBef>
-                <a:spcPts val="0"/>
-              </a:spcBef>
-              <a:spcAft>
-                <a:spcPts val="0"/>
-              </a:spcAft>
-              <a:buFontTx/>
-              <a:buNone/>
-            </a:pPr>
-            <a:endParaRPr lang="ko-KR" altLang="en-US" sz="1000">
-              <a:solidFill>
-                <a:schemeClr val="tx1"/>
-              </a:solidFill>
-              <a:latin typeface="맑은 고딕" charset="0"/>
-              <a:ea typeface="맑은 고딕" charset="0"/>
-            </a:endParaRPr>
-          </a:p>
-        </p:txBody>
-      </p:sp>
-      <p:graphicFrame>
-        <p:nvGraphicFramePr>
-          <p:cNvPr id="4" name="표 3"/>
-          <p:cNvGraphicFramePr>
-            <a:graphicFrameLocks noGrp="1"/>
-          </p:cNvGraphicFramePr>
-          <p:nvPr/>
-        </p:nvGraphicFramePr>
-        <p:xfrm>
-          <a:off x="9196070" y="718185"/>
-          <a:ext cx="2891155" cy="4719955"/>
-        </p:xfrm>
-        <a:graphic>
-          <a:graphicData uri="http://schemas.openxmlformats.org/drawingml/2006/table">
-            <a:tbl>
-              <a:tblPr firstRow="1" bandRow="1">
-                <a:tableStyleId>{5C22544A-7EE6-4342-B048-85BDC9FD1C3A}</a:tableStyleId>
-              </a:tblPr>
-              <a:tblGrid>
-                <a:gridCol w="400050"/>
-                <a:gridCol w="452755"/>
-                <a:gridCol w="2038350"/>
-              </a:tblGrid>
-              <a:tr h="247650">
-                <a:tc>
-                  <a:txBody>
-                    <a:bodyPr/>
-                    <a:lstStyle/>
-                    <a:p>
-                      <a:pPr marL="0" indent="0" algn="ctr" defTabSz="914400" eaLnBrk="1" latinLnBrk="1" hangingPunct="1">
-                        <a:lnSpc>
-                          <a:spcPct val="100000"/>
-                        </a:lnSpc>
-                        <a:spcBef>
-                          <a:spcPts val="0"/>
-                        </a:spcBef>
-                        <a:spcAft>
-                          <a:spcPts val="0"/>
-                        </a:spcAft>
-                        <a:buFontTx/>
-                        <a:buNone/>
-                      </a:pPr>
-                      <a:r>
-                        <a:rPr lang="en-US" altLang="ko-KR" sz="1000" kern="1200" i="0" b="1">
-                          <a:solidFill>
-                            <a:schemeClr val="tx1"/>
-                          </a:solidFill>
-                          <a:latin typeface="맑은 고딕" charset="0"/>
-                          <a:ea typeface="맑은 고딕" charset="0"/>
-                        </a:rPr>
-                        <a:t>No.</a:t>
-                      </a:r>
-                      <a:endParaRPr lang="ko-KR" altLang="en-US" sz="1000" kern="1200" i="0" b="1">
-                        <a:solidFill>
-                          <a:schemeClr val="tx1"/>
-                        </a:solidFill>
-                        <a:latin typeface="맑은 고딕" charset="0"/>
-                        <a:ea typeface="맑은 고딕" charset="0"/>
-                      </a:endParaRPr>
-                    </a:p>
-                  </a:txBody>
-                  <a:tcPr marL="0" marR="0" marT="0" marB="0" anchor="ctr">
-                    <a:lnL w="12700" cap="flat" cmpd="sng" algn="ctr">
-                      <a:solidFill>
-                        <a:srgbClr val="000000">
-                          <a:alpha val="100000"/>
-                        </a:srgbClr>
-                      </a:solidFill>
-                      <a:prstDash val="solid"/>
-                      <a:round/>
-                      <a:headEnd type="none" w="med" len="med"/>
-                      <a:tailEnd type="none" w="med" len="med"/>
-                    </a:lnL>
-                    <a:lnR w="12700" cap="flat" cmpd="sng" algn="ctr">
-                      <a:solidFill>
-                        <a:srgbClr val="000000">
-                          <a:alpha val="100000"/>
-                        </a:srgbClr>
-                      </a:solidFill>
-                      <a:prstDash val="solid"/>
-                      <a:round/>
-                      <a:headEnd type="none" w="med" len="med"/>
-                      <a:tailEnd type="none" w="med" len="med"/>
-                    </a:lnR>
-                    <a:lnT w="12700" cap="flat" cmpd="sng" algn="ctr">
-                      <a:solidFill>
-                        <a:srgbClr val="000000">
-                          <a:alpha val="100000"/>
-                        </a:srgbClr>
-                      </a:solidFill>
-                      <a:prstDash val="solid"/>
-                      <a:round/>
-                      <a:headEnd type="none" w="med" len="med"/>
-                      <a:tailEnd type="none" w="med" len="med"/>
-                    </a:lnT>
-                    <a:lnB w="12700" cap="flat" cmpd="sng" algn="ctr">
-                      <a:solidFill>
-                        <a:srgbClr val="000000">
-                          <a:alpha val="100000"/>
-                        </a:srgbClr>
-                      </a:solidFill>
-                      <a:prstDash val="solid"/>
-                      <a:round/>
-                      <a:headEnd type="none" w="med" len="med"/>
-                      <a:tailEnd type="none" w="med" len="med"/>
-                    </a:lnB>
-                    <a:solidFill>
-                      <a:schemeClr val="bg1">
-                        <a:lumMod val="85000"/>
-                        <a:lumOff val="0"/>
-                      </a:schemeClr>
-                    </a:solidFill>
-                  </a:tcPr>
-                </a:tc>
-                <a:tc>
-                  <a:txBody>
-                    <a:bodyPr/>
-                    <a:lstStyle/>
-                    <a:p>
-                      <a:pPr marL="0" indent="0" algn="ctr" defTabSz="914400" eaLnBrk="1" latinLnBrk="1" hangingPunct="1">
-                        <a:lnSpc>
-                          <a:spcPct val="100000"/>
-                        </a:lnSpc>
-                        <a:spcBef>
-                          <a:spcPts val="0"/>
-                        </a:spcBef>
-                        <a:spcAft>
-                          <a:spcPts val="0"/>
-                        </a:spcAft>
-                        <a:buFontTx/>
-                        <a:buNone/>
-                      </a:pPr>
-                      <a:r>
-                        <a:rPr lang="en-US" altLang="ko-KR" sz="1000" kern="1200" i="0" b="1">
-                          <a:solidFill>
-                            <a:schemeClr val="tx1"/>
-                          </a:solidFill>
-                          <a:latin typeface="맑은 고딕" charset="0"/>
-                          <a:ea typeface="맑은 고딕" charset="0"/>
-                        </a:rPr>
-                        <a:t>CRUD</a:t>
-                      </a:r>
-                      <a:endParaRPr lang="ko-KR" altLang="en-US" sz="1000" kern="1200" i="0" b="1">
-                        <a:solidFill>
-                          <a:schemeClr val="tx1"/>
-                        </a:solidFill>
-                        <a:latin typeface="맑은 고딕" charset="0"/>
-                        <a:ea typeface="맑은 고딕" charset="0"/>
-                      </a:endParaRPr>
-                    </a:p>
-                  </a:txBody>
-                  <a:tcPr marL="0" marR="0" marT="0" marB="0" anchor="ctr">
-                    <a:lnL w="12700" cap="flat" cmpd="sng" algn="ctr">
-                      <a:solidFill>
-                        <a:srgbClr val="000000">
-                          <a:alpha val="100000"/>
-                        </a:srgbClr>
-                      </a:solidFill>
-                      <a:prstDash val="solid"/>
-                      <a:round/>
-                      <a:headEnd type="none" w="med" len="med"/>
-                      <a:tailEnd type="none" w="med" len="med"/>
-                    </a:lnL>
-                    <a:lnR w="12700" cap="flat" cmpd="sng" algn="ctr">
-                      <a:solidFill>
-                        <a:srgbClr val="000000">
-                          <a:alpha val="100000"/>
-                        </a:srgbClr>
-                      </a:solidFill>
-                      <a:prstDash val="solid"/>
-                      <a:round/>
-                      <a:headEnd type="none" w="med" len="med"/>
-                      <a:tailEnd type="none" w="med" len="med"/>
-                    </a:lnR>
-                    <a:lnT w="12700" cap="flat" cmpd="sng" algn="ctr">
-                      <a:solidFill>
-                        <a:srgbClr val="000000">
-                          <a:alpha val="100000"/>
-                        </a:srgbClr>
-                      </a:solidFill>
-                      <a:prstDash val="solid"/>
-                      <a:round/>
-                      <a:headEnd type="none" w="med" len="med"/>
-                      <a:tailEnd type="none" w="med" len="med"/>
-                    </a:lnT>
-                    <a:lnB w="12700" cap="flat" cmpd="sng" algn="ctr">
-                      <a:solidFill>
-                        <a:srgbClr val="000000">
-                          <a:alpha val="100000"/>
-                        </a:srgbClr>
-                      </a:solidFill>
-                      <a:prstDash val="solid"/>
-                      <a:round/>
-                      <a:headEnd type="none" w="med" len="med"/>
-                      <a:tailEnd type="none" w="med" len="med"/>
-                    </a:lnB>
-                    <a:solidFill>
-                      <a:schemeClr val="bg1">
-                        <a:lumMod val="85000"/>
-                        <a:lumOff val="0"/>
-                      </a:schemeClr>
-                    </a:solidFill>
-                  </a:tcPr>
-                </a:tc>
-                <a:tc>
-                  <a:txBody>
-                    <a:bodyPr/>
-                    <a:lstStyle/>
-                    <a:p>
-                      <a:pPr marL="0" indent="0" algn="ctr" defTabSz="914400" eaLnBrk="1" latinLnBrk="1" hangingPunct="1">
-                        <a:lnSpc>
-                          <a:spcPct val="100000"/>
-                        </a:lnSpc>
-                        <a:spcBef>
-                          <a:spcPts val="0"/>
-                        </a:spcBef>
-                        <a:spcAft>
-                          <a:spcPts val="0"/>
-                        </a:spcAft>
-                        <a:buFontTx/>
-                        <a:buNone/>
-                      </a:pPr>
-                      <a:r>
-                        <a:rPr lang="en-US" altLang="ko-KR" sz="1000" kern="1200" i="0" b="1">
-                          <a:solidFill>
-                            <a:schemeClr val="tx1"/>
-                          </a:solidFill>
-                          <a:latin typeface="맑은 고딕" charset="0"/>
-                          <a:ea typeface="맑은 고딕" charset="0"/>
-                        </a:rPr>
-                        <a:t>기능</a:t>
-                      </a:r>
-                      <a:endParaRPr lang="ko-KR" altLang="en-US" sz="1000" kern="1200" i="0" b="1">
-                        <a:solidFill>
-                          <a:schemeClr val="tx1"/>
-                        </a:solidFill>
-                        <a:latin typeface="맑은 고딕" charset="0"/>
-                        <a:ea typeface="맑은 고딕" charset="0"/>
-                      </a:endParaRPr>
-                    </a:p>
-                  </a:txBody>
-                  <a:tcPr marL="0" marR="0" marT="0" marB="0" anchor="ctr">
-                    <a:lnL w="12700" cap="flat" cmpd="sng" algn="ctr">
-                      <a:solidFill>
-                        <a:srgbClr val="000000">
-                          <a:alpha val="100000"/>
-                        </a:srgbClr>
-                      </a:solidFill>
-                      <a:prstDash val="solid"/>
-                      <a:round/>
-                      <a:headEnd type="none" w="med" len="med"/>
-                      <a:tailEnd type="none" w="med" len="med"/>
-                    </a:lnL>
-                    <a:lnR w="12700" cap="flat" cmpd="sng" algn="ctr">
-                      <a:solidFill>
-                        <a:srgbClr val="000000">
-                          <a:alpha val="100000"/>
-                        </a:srgbClr>
-                      </a:solidFill>
-                      <a:prstDash val="solid"/>
-                      <a:round/>
-                      <a:headEnd type="none" w="med" len="med"/>
-                      <a:tailEnd type="none" w="med" len="med"/>
-                    </a:lnR>
-                    <a:lnT w="12700" cap="flat" cmpd="sng" algn="ctr">
-                      <a:solidFill>
-                        <a:srgbClr val="000000">
-                          <a:alpha val="100000"/>
-                        </a:srgbClr>
-                      </a:solidFill>
-                      <a:prstDash val="solid"/>
-                      <a:round/>
-                      <a:headEnd type="none" w="med" len="med"/>
-                      <a:tailEnd type="none" w="med" len="med"/>
-                    </a:lnT>
-                    <a:lnB w="12700" cap="flat" cmpd="sng" algn="ctr">
-                      <a:solidFill>
-                        <a:srgbClr val="000000">
-                          <a:alpha val="100000"/>
-                        </a:srgbClr>
-                      </a:solidFill>
-                      <a:prstDash val="solid"/>
-                      <a:round/>
-                      <a:headEnd type="none" w="med" len="med"/>
-                      <a:tailEnd type="none" w="med" len="med"/>
-                    </a:lnB>
-                    <a:solidFill>
-                      <a:schemeClr val="bg1">
-                        <a:lumMod val="85000"/>
-                        <a:lumOff val="0"/>
-                      </a:schemeClr>
-                    </a:solidFill>
-                  </a:tcPr>
-                </a:tc>
-              </a:tr>
-              <a:tr h="526415">
-                <a:tc>
-                  <a:txBody>
-                    <a:bodyPr/>
-                    <a:lstStyle/>
-                    <a:p>
-                      <a:pPr marL="0" indent="0" algn="ctr" defTabSz="914400" eaLnBrk="1" latinLnBrk="1" hangingPunct="1">
-                        <a:lnSpc>
-                          <a:spcPct val="100000"/>
-                        </a:lnSpc>
-                        <a:spcBef>
-                          <a:spcPts val="0"/>
-                        </a:spcBef>
-                        <a:spcAft>
-                          <a:spcPts val="0"/>
-                        </a:spcAft>
-                        <a:buFontTx/>
-                        <a:buNone/>
-                      </a:pPr>
-                      <a:r>
-                        <a:rPr lang="en-US" altLang="ko-KR" sz="1000" kern="1200" i="0" b="0">
-                          <a:solidFill>
-                            <a:schemeClr val="tx1"/>
-                          </a:solidFill>
-                          <a:latin typeface="맑은 고딕" charset="0"/>
-                          <a:ea typeface="맑은 고딕" charset="0"/>
-                        </a:rPr>
-                        <a:t>1</a:t>
-                      </a:r>
-                      <a:endParaRPr lang="ko-KR" altLang="en-US" sz="1000" kern="1200" i="0" b="0">
-                        <a:solidFill>
-                          <a:schemeClr val="tx1"/>
-                        </a:solidFill>
-                        <a:latin typeface="맑은 고딕" charset="0"/>
-                        <a:ea typeface="맑은 고딕" charset="0"/>
-                      </a:endParaRPr>
-                    </a:p>
-                  </a:txBody>
-                  <a:tcPr marL="0" marR="0" marT="0" marB="0" anchor="ctr">
-                    <a:lnL w="12700" cap="flat" cmpd="sng" algn="ctr">
-                      <a:solidFill>
-                        <a:srgbClr val="000000">
-                          <a:alpha val="100000"/>
-                        </a:srgbClr>
-                      </a:solidFill>
-                      <a:prstDash val="solid"/>
-                      <a:round/>
-                      <a:headEnd type="none" w="med" len="med"/>
-                      <a:tailEnd type="none" w="med" len="med"/>
-                    </a:lnL>
-                    <a:lnR w="12700" cap="flat" cmpd="sng" algn="ctr">
-                      <a:solidFill>
-                        <a:srgbClr val="000000">
-                          <a:alpha val="100000"/>
-                        </a:srgbClr>
-                      </a:solidFill>
-                      <a:prstDash val="solid"/>
-                      <a:round/>
-                      <a:headEnd type="none" w="med" len="med"/>
-                      <a:tailEnd type="none" w="med" len="med"/>
-                    </a:lnR>
-                    <a:lnT w="12700" cap="flat" cmpd="sng" algn="ctr">
-                      <a:solidFill>
-                        <a:srgbClr val="000000">
-                          <a:alpha val="100000"/>
-                        </a:srgbClr>
-                      </a:solidFill>
-                      <a:prstDash val="solid"/>
-                      <a:round/>
-                      <a:headEnd type="none" w="med" len="med"/>
-                      <a:tailEnd type="none" w="med" len="med"/>
-                    </a:lnT>
-                    <a:lnB w="12700" cap="flat" cmpd="sng" algn="ctr">
-                      <a:solidFill>
-                        <a:srgbClr val="000000">
-                          <a:alpha val="100000"/>
-                        </a:srgbClr>
-                      </a:solidFill>
-                      <a:prstDash val="solid"/>
-                      <a:round/>
-                      <a:headEnd type="none" w="med" len="med"/>
-                      <a:tailEnd type="none" w="med" len="med"/>
-                    </a:lnB>
-                    <a:noFill/>
-                  </a:tcPr>
-                </a:tc>
-                <a:tc>
-                  <a:txBody>
-                    <a:bodyPr/>
-                    <a:lstStyle/>
-                    <a:p>
-                      <a:pPr marL="0" indent="0" algn="ctr" defTabSz="914400" eaLnBrk="1" latinLnBrk="1" hangingPunct="1">
-                        <a:lnSpc>
-                          <a:spcPct val="100000"/>
-                        </a:lnSpc>
-                        <a:spcBef>
-                          <a:spcPts val="0"/>
-                        </a:spcBef>
-                        <a:spcAft>
-                          <a:spcPts val="0"/>
-                        </a:spcAft>
-                        <a:buFontTx/>
-                        <a:buNone/>
-                      </a:pPr>
-                      <a:endParaRPr lang="ko-KR" altLang="en-US" sz="1000" kern="1200" i="0" b="0">
-                        <a:solidFill>
-                          <a:schemeClr val="tx1"/>
-                        </a:solidFill>
-                        <a:latin typeface="맑은 고딕" charset="0"/>
-                        <a:ea typeface="맑은 고딕" charset="0"/>
-                      </a:endParaRPr>
-                    </a:p>
-                  </a:txBody>
-                  <a:tcPr marL="0" marR="0" marT="0" marB="0" anchor="ctr">
-                    <a:lnL w="12700" cap="flat" cmpd="sng" algn="ctr">
-                      <a:solidFill>
-                        <a:srgbClr val="000000">
-                          <a:alpha val="100000"/>
-                        </a:srgbClr>
-                      </a:solidFill>
-                      <a:prstDash val="solid"/>
-                      <a:round/>
-                      <a:headEnd type="none" w="med" len="med"/>
-                      <a:tailEnd type="none" w="med" len="med"/>
-                    </a:lnL>
-                    <a:lnR w="12700" cap="flat" cmpd="sng" algn="ctr">
-                      <a:solidFill>
-                        <a:srgbClr val="000000">
-                          <a:alpha val="100000"/>
-                        </a:srgbClr>
-                      </a:solidFill>
-                      <a:prstDash val="solid"/>
-                      <a:round/>
-                      <a:headEnd type="none" w="med" len="med"/>
-                      <a:tailEnd type="none" w="med" len="med"/>
-                    </a:lnR>
-                    <a:lnT w="12700" cap="flat" cmpd="sng" algn="ctr">
-                      <a:solidFill>
-                        <a:srgbClr val="000000">
-                          <a:alpha val="100000"/>
-                        </a:srgbClr>
-                      </a:solidFill>
-                      <a:prstDash val="solid"/>
-                      <a:round/>
-                      <a:headEnd type="none" w="med" len="med"/>
-                      <a:tailEnd type="none" w="med" len="med"/>
-                    </a:lnT>
-                    <a:lnB w="12700" cap="flat" cmpd="sng" algn="ctr">
-                      <a:solidFill>
-                        <a:srgbClr val="000000">
-                          <a:alpha val="100000"/>
-                        </a:srgbClr>
-                      </a:solidFill>
-                      <a:prstDash val="solid"/>
-                      <a:round/>
-                      <a:headEnd type="none" w="med" len="med"/>
-                      <a:tailEnd type="none" w="med" len="med"/>
-                    </a:lnB>
-                    <a:noFill/>
-                  </a:tcPr>
-                </a:tc>
-                <a:tc>
-                  <a:txBody>
-                    <a:bodyPr/>
-                    <a:lstStyle/>
-                    <a:p>
-                      <a:pPr marL="0" indent="0" algn="l" defTabSz="914400" eaLnBrk="1" latinLnBrk="1" hangingPunct="1">
-                        <a:lnSpc>
-                          <a:spcPct val="100000"/>
-                        </a:lnSpc>
-                        <a:spcBef>
-                          <a:spcPts val="0"/>
-                        </a:spcBef>
-                        <a:spcAft>
-                          <a:spcPts val="0"/>
-                        </a:spcAft>
-                        <a:buFontTx/>
-                        <a:buNone/>
-                      </a:pPr>
-                      <a:r>
-                        <a:rPr lang="en-US" altLang="ko-KR" sz="900" kern="1200" i="0" b="0">
-                          <a:solidFill>
-                            <a:schemeClr val="tx1"/>
-                          </a:solidFill>
-                          <a:latin typeface="맑은 고딕" charset="0"/>
-                          <a:ea typeface="맑은 고딕" charset="0"/>
-                        </a:rPr>
-                        <a:t>로그인 image를 누르면 로그인 화면 초기화</a:t>
-                      </a:r>
-                      <a:endParaRPr lang="ko-KR" altLang="en-US" sz="900" kern="1200" i="0" b="0">
-                        <a:solidFill>
-                          <a:schemeClr val="tx1"/>
-                        </a:solidFill>
-                        <a:latin typeface="맑은 고딕" charset="0"/>
-                        <a:ea typeface="맑은 고딕" charset="0"/>
-                      </a:endParaRPr>
-                    </a:p>
-                  </a:txBody>
-                  <a:tcPr marL="0" marR="0" marT="0" marB="0" anchor="ctr">
-                    <a:lnL w="12700" cap="flat" cmpd="sng" algn="ctr">
-                      <a:solidFill>
-                        <a:srgbClr val="000000">
-                          <a:alpha val="100000"/>
-                        </a:srgbClr>
-                      </a:solidFill>
-                      <a:prstDash val="solid"/>
-                      <a:round/>
-                      <a:headEnd type="none" w="med" len="med"/>
-                      <a:tailEnd type="none" w="med" len="med"/>
-                    </a:lnL>
-                    <a:lnR w="12700" cap="flat" cmpd="sng" algn="ctr">
-                      <a:solidFill>
-                        <a:srgbClr val="000000">
-                          <a:alpha val="100000"/>
-                        </a:srgbClr>
-                      </a:solidFill>
-                      <a:prstDash val="solid"/>
-                      <a:round/>
-                      <a:headEnd type="none" w="med" len="med"/>
-                      <a:tailEnd type="none" w="med" len="med"/>
-                    </a:lnR>
-                    <a:lnT w="12700" cap="flat" cmpd="sng" algn="ctr">
-                      <a:solidFill>
-                        <a:srgbClr val="000000">
-                          <a:alpha val="100000"/>
-                        </a:srgbClr>
-                      </a:solidFill>
-                      <a:prstDash val="solid"/>
-                      <a:round/>
-                      <a:headEnd type="none" w="med" len="med"/>
-                      <a:tailEnd type="none" w="med" len="med"/>
-                    </a:lnT>
-                    <a:lnB w="12700" cap="flat" cmpd="sng" algn="ctr">
-                      <a:solidFill>
-                        <a:srgbClr val="000000">
-                          <a:alpha val="100000"/>
-                        </a:srgbClr>
-                      </a:solidFill>
-                      <a:prstDash val="solid"/>
-                      <a:round/>
-                      <a:headEnd type="none" w="med" len="med"/>
-                      <a:tailEnd type="none" w="med" len="med"/>
-                    </a:lnB>
-                    <a:solidFill>
-                      <a:schemeClr val="bg1"/>
-                    </a:solidFill>
-                  </a:tcPr>
-                </a:tc>
-              </a:tr>
-              <a:tr h="526415">
-                <a:tc>
-                  <a:txBody>
-                    <a:bodyPr/>
-                    <a:lstStyle/>
-                    <a:p>
-                      <a:pPr marL="0" indent="0" algn="ctr" defTabSz="914400" eaLnBrk="1" latinLnBrk="1" hangingPunct="1">
-                        <a:lnSpc>
-                          <a:spcPct val="100000"/>
-                        </a:lnSpc>
-                        <a:spcBef>
-                          <a:spcPts val="0"/>
-                        </a:spcBef>
-                        <a:spcAft>
-                          <a:spcPts val="0"/>
-                        </a:spcAft>
-                        <a:buFontTx/>
-                        <a:buNone/>
-                      </a:pPr>
-                      <a:r>
-                        <a:rPr lang="en-US" altLang="ko-KR" sz="1000" kern="1200" i="0" b="0">
-                          <a:solidFill>
-                            <a:schemeClr val="tx1"/>
-                          </a:solidFill>
-                          <a:latin typeface="맑은 고딕" charset="0"/>
-                          <a:ea typeface="맑은 고딕" charset="0"/>
-                        </a:rPr>
-                        <a:t>2</a:t>
-                      </a:r>
-                      <a:endParaRPr lang="ko-KR" altLang="en-US" sz="1000" kern="1200" i="0" b="0">
-                        <a:solidFill>
-                          <a:schemeClr val="tx1"/>
-                        </a:solidFill>
-                        <a:latin typeface="맑은 고딕" charset="0"/>
-                        <a:ea typeface="맑은 고딕" charset="0"/>
-                      </a:endParaRPr>
-                    </a:p>
-                  </a:txBody>
-                  <a:tcPr marL="0" marR="0" marT="0" marB="0" anchor="ctr">
-                    <a:lnL w="12700" cap="flat" cmpd="sng" algn="ctr">
-                      <a:solidFill>
-                        <a:srgbClr val="000000">
-                          <a:alpha val="100000"/>
-                        </a:srgbClr>
-                      </a:solidFill>
-                      <a:prstDash val="solid"/>
-                      <a:round/>
-                      <a:headEnd type="none" w="med" len="med"/>
-                      <a:tailEnd type="none" w="med" len="med"/>
-                    </a:lnL>
-                    <a:lnR w="12700" cap="flat" cmpd="sng" algn="ctr">
-                      <a:solidFill>
-                        <a:srgbClr val="000000">
-                          <a:alpha val="100000"/>
-                        </a:srgbClr>
-                      </a:solidFill>
-                      <a:prstDash val="solid"/>
-                      <a:round/>
-                      <a:headEnd type="none" w="med" len="med"/>
-                      <a:tailEnd type="none" w="med" len="med"/>
-                    </a:lnR>
-                    <a:lnT w="12700" cap="flat" cmpd="sng" algn="ctr">
-                      <a:solidFill>
-                        <a:srgbClr val="000000">
-                          <a:alpha val="100000"/>
-                        </a:srgbClr>
-                      </a:solidFill>
-                      <a:prstDash val="solid"/>
-                      <a:round/>
-                      <a:headEnd type="none" w="med" len="med"/>
-                      <a:tailEnd type="none" w="med" len="med"/>
-                    </a:lnT>
-                    <a:lnB w="12700" cap="flat" cmpd="sng" algn="ctr">
-                      <a:solidFill>
-                        <a:srgbClr val="000000">
-                          <a:alpha val="100000"/>
-                        </a:srgbClr>
-                      </a:solidFill>
-                      <a:prstDash val="solid"/>
-                      <a:round/>
-                      <a:headEnd type="none" w="med" len="med"/>
-                      <a:tailEnd type="none" w="med" len="med"/>
-                    </a:lnB>
-                    <a:noFill/>
-                  </a:tcPr>
-                </a:tc>
-                <a:tc>
-                  <a:txBody>
-                    <a:bodyPr/>
-                    <a:lstStyle/>
-                    <a:p>
-                      <a:pPr marL="0" indent="0" algn="ctr" defTabSz="914400" eaLnBrk="1" latinLnBrk="1" hangingPunct="1">
-                        <a:lnSpc>
-                          <a:spcPct val="100000"/>
-                        </a:lnSpc>
-                        <a:spcBef>
-                          <a:spcPts val="0"/>
-                        </a:spcBef>
-                        <a:spcAft>
-                          <a:spcPts val="0"/>
-                        </a:spcAft>
-                        <a:buFontTx/>
-                        <a:buNone/>
-                      </a:pPr>
-                      <a:endParaRPr lang="ko-KR" altLang="en-US" sz="1000" kern="1200" i="0" b="0">
-                        <a:solidFill>
-                          <a:schemeClr val="tx1"/>
-                        </a:solidFill>
-                        <a:latin typeface="맑은 고딕" charset="0"/>
-                        <a:ea typeface="맑은 고딕" charset="0"/>
-                      </a:endParaRPr>
-                    </a:p>
-                  </a:txBody>
-                  <a:tcPr marL="0" marR="0" marT="0" marB="0" anchor="ctr">
-                    <a:lnL w="12700" cap="flat" cmpd="sng" algn="ctr">
-                      <a:solidFill>
-                        <a:srgbClr val="000000">
-                          <a:alpha val="100000"/>
-                        </a:srgbClr>
-                      </a:solidFill>
-                      <a:prstDash val="solid"/>
-                      <a:round/>
-                      <a:headEnd type="none" w="med" len="med"/>
-                      <a:tailEnd type="none" w="med" len="med"/>
-                    </a:lnL>
-                    <a:lnR w="12700" cap="flat" cmpd="sng" algn="ctr">
-                      <a:solidFill>
-                        <a:srgbClr val="000000">
-                          <a:alpha val="100000"/>
-                        </a:srgbClr>
-                      </a:solidFill>
-                      <a:prstDash val="solid"/>
-                      <a:round/>
-                      <a:headEnd type="none" w="med" len="med"/>
-                      <a:tailEnd type="none" w="med" len="med"/>
-                    </a:lnR>
-                    <a:lnT w="12700" cap="flat" cmpd="sng" algn="ctr">
-                      <a:solidFill>
-                        <a:srgbClr val="000000">
-                          <a:alpha val="100000"/>
-                        </a:srgbClr>
-                      </a:solidFill>
-                      <a:prstDash val="solid"/>
-                      <a:round/>
-                      <a:headEnd type="none" w="med" len="med"/>
-                      <a:tailEnd type="none" w="med" len="med"/>
-                    </a:lnT>
-                    <a:lnB w="12700" cap="flat" cmpd="sng" algn="ctr">
-                      <a:solidFill>
-                        <a:srgbClr val="000000">
-                          <a:alpha val="100000"/>
-                        </a:srgbClr>
-                      </a:solidFill>
-                      <a:prstDash val="solid"/>
-                      <a:round/>
-                      <a:headEnd type="none" w="med" len="med"/>
-                      <a:tailEnd type="none" w="med" len="med"/>
-                    </a:lnB>
-                    <a:noFill/>
-                  </a:tcPr>
-                </a:tc>
-                <a:tc>
-                  <a:txBody>
-                    <a:bodyPr/>
-                    <a:lstStyle/>
-                    <a:p>
-                      <a:pPr marL="0" indent="0" algn="l" defTabSz="914400" eaLnBrk="1" latinLnBrk="1" hangingPunct="1">
-                        <a:lnSpc>
-                          <a:spcPct val="100000"/>
-                        </a:lnSpc>
-                        <a:spcBef>
-                          <a:spcPts val="0"/>
-                        </a:spcBef>
-                        <a:spcAft>
-                          <a:spcPts val="0"/>
-                        </a:spcAft>
-                        <a:buFontTx/>
-                        <a:buNone/>
-                      </a:pPr>
-                      <a:r>
-                        <a:rPr lang="en-US" altLang="ko-KR" sz="900" kern="1200" i="0" b="0">
-                          <a:solidFill>
-                            <a:schemeClr val="tx1"/>
-                          </a:solidFill>
-                          <a:latin typeface="맑은 고딕" charset="0"/>
-                          <a:ea typeface="맑은 고딕" charset="0"/>
-                        </a:rPr>
-                        <a:t>아이디 입력칸에 5글자이상 20글자 이하 영문소문자, 숫자만 입력 할 수 있다.</a:t>
-                      </a:r>
-                      <a:endParaRPr lang="ko-KR" altLang="en-US" sz="900" kern="1200" i="0" b="0">
-                        <a:solidFill>
-                          <a:schemeClr val="tx1"/>
-                        </a:solidFill>
-                        <a:latin typeface="맑은 고딕" charset="0"/>
-                        <a:ea typeface="맑은 고딕" charset="0"/>
-                      </a:endParaRPr>
-                    </a:p>
-                  </a:txBody>
-                  <a:tcPr marL="0" marR="0" marT="0" marB="0" anchor="ctr">
-                    <a:lnL w="12700" cap="flat" cmpd="sng" algn="ctr">
-                      <a:solidFill>
-                        <a:srgbClr val="000000">
-                          <a:alpha val="100000"/>
-                        </a:srgbClr>
-                      </a:solidFill>
-                      <a:prstDash val="solid"/>
-                      <a:round/>
-                      <a:headEnd type="none" w="med" len="med"/>
-                      <a:tailEnd type="none" w="med" len="med"/>
-                    </a:lnL>
-                    <a:lnR w="12700" cap="flat" cmpd="sng" algn="ctr">
-                      <a:solidFill>
-                        <a:srgbClr val="000000">
-                          <a:alpha val="100000"/>
-                        </a:srgbClr>
-                      </a:solidFill>
-                      <a:prstDash val="solid"/>
-                      <a:round/>
-                      <a:headEnd type="none" w="med" len="med"/>
-                      <a:tailEnd type="none" w="med" len="med"/>
-                    </a:lnR>
-                    <a:lnT w="12700" cap="flat" cmpd="sng" algn="ctr">
-                      <a:solidFill>
-                        <a:srgbClr val="000000">
-                          <a:alpha val="100000"/>
-                        </a:srgbClr>
-                      </a:solidFill>
-                      <a:prstDash val="solid"/>
-                      <a:round/>
-                      <a:headEnd type="none" w="med" len="med"/>
-                      <a:tailEnd type="none" w="med" len="med"/>
-                    </a:lnT>
-                    <a:lnB w="12700" cap="flat" cmpd="sng" algn="ctr">
-                      <a:solidFill>
-                        <a:srgbClr val="000000">
-                          <a:alpha val="100000"/>
-                        </a:srgbClr>
-                      </a:solidFill>
-                      <a:prstDash val="solid"/>
-                      <a:round/>
-                      <a:headEnd type="none" w="med" len="med"/>
-                      <a:tailEnd type="none" w="med" len="med"/>
-                    </a:lnB>
-                    <a:solidFill>
-                      <a:schemeClr val="bg1"/>
-                    </a:solidFill>
-                  </a:tcPr>
-                </a:tc>
-              </a:tr>
-              <a:tr h="526415">
-                <a:tc>
-                  <a:txBody>
-                    <a:bodyPr/>
-                    <a:lstStyle/>
-                    <a:p>
-                      <a:pPr marL="0" indent="0" algn="ctr" defTabSz="914400" eaLnBrk="1" latinLnBrk="1" hangingPunct="1">
-                        <a:lnSpc>
-                          <a:spcPct val="100000"/>
-                        </a:lnSpc>
-                        <a:spcBef>
-                          <a:spcPts val="0"/>
-                        </a:spcBef>
-                        <a:spcAft>
-                          <a:spcPts val="0"/>
-                        </a:spcAft>
-                        <a:buFontTx/>
-                        <a:buNone/>
-                      </a:pPr>
-                      <a:r>
-                        <a:rPr lang="en-US" altLang="ko-KR" sz="1000" kern="1200" i="0" b="0">
-                          <a:solidFill>
-                            <a:schemeClr val="tx1"/>
-                          </a:solidFill>
-                          <a:latin typeface="맑은 고딕" charset="0"/>
-                          <a:ea typeface="맑은 고딕" charset="0"/>
-                        </a:rPr>
-                        <a:t>3</a:t>
-                      </a:r>
-                      <a:endParaRPr lang="ko-KR" altLang="en-US" sz="1000" kern="1200" i="0" b="0">
-                        <a:solidFill>
-                          <a:schemeClr val="tx1"/>
-                        </a:solidFill>
-                        <a:latin typeface="맑은 고딕" charset="0"/>
-                        <a:ea typeface="맑은 고딕" charset="0"/>
-                      </a:endParaRPr>
-                    </a:p>
-                  </a:txBody>
-                  <a:tcPr marL="0" marR="0" marT="0" marB="0" anchor="ctr">
-                    <a:lnL w="12700" cap="flat" cmpd="sng" algn="ctr">
-                      <a:solidFill>
-                        <a:srgbClr val="000000">
-                          <a:alpha val="100000"/>
-                        </a:srgbClr>
-                      </a:solidFill>
-                      <a:prstDash val="solid"/>
-                      <a:round/>
-                      <a:headEnd type="none" w="med" len="med"/>
-                      <a:tailEnd type="none" w="med" len="med"/>
-                    </a:lnL>
-                    <a:lnR w="12700" cap="flat" cmpd="sng" algn="ctr">
-                      <a:solidFill>
-                        <a:srgbClr val="000000">
-                          <a:alpha val="100000"/>
-                        </a:srgbClr>
-                      </a:solidFill>
-                      <a:prstDash val="solid"/>
-                      <a:round/>
-                      <a:headEnd type="none" w="med" len="med"/>
-                      <a:tailEnd type="none" w="med" len="med"/>
-                    </a:lnR>
-                    <a:lnT w="12700" cap="flat" cmpd="sng" algn="ctr">
-                      <a:solidFill>
-                        <a:srgbClr val="000000">
-                          <a:alpha val="100000"/>
-                        </a:srgbClr>
-                      </a:solidFill>
-                      <a:prstDash val="solid"/>
-                      <a:round/>
-                      <a:headEnd type="none" w="med" len="med"/>
-                      <a:tailEnd type="none" w="med" len="med"/>
-                    </a:lnT>
-                    <a:lnB w="12700" cap="flat" cmpd="sng" algn="ctr">
-                      <a:solidFill>
-                        <a:srgbClr val="000000">
-                          <a:alpha val="100000"/>
-                        </a:srgbClr>
-                      </a:solidFill>
-                      <a:prstDash val="solid"/>
-                      <a:round/>
-                      <a:headEnd type="none" w="med" len="med"/>
-                      <a:tailEnd type="none" w="med" len="med"/>
-                    </a:lnB>
-                    <a:noFill/>
-                  </a:tcPr>
-                </a:tc>
-                <a:tc>
-                  <a:txBody>
-                    <a:bodyPr/>
-                    <a:lstStyle/>
-                    <a:p>
-                      <a:pPr marL="0" indent="0" algn="ctr" defTabSz="914400" eaLnBrk="1" latinLnBrk="1" hangingPunct="1">
-                        <a:lnSpc>
-                          <a:spcPct val="100000"/>
-                        </a:lnSpc>
-                        <a:spcBef>
-                          <a:spcPts val="0"/>
-                        </a:spcBef>
-                        <a:spcAft>
-                          <a:spcPts val="0"/>
-                        </a:spcAft>
-                        <a:buFontTx/>
-                        <a:buNone/>
-                      </a:pPr>
-                      <a:endParaRPr lang="ko-KR" altLang="en-US" sz="1000" kern="1200" i="0" b="0">
-                        <a:solidFill>
-                          <a:schemeClr val="tx1"/>
-                        </a:solidFill>
-                        <a:latin typeface="맑은 고딕" charset="0"/>
-                        <a:ea typeface="맑은 고딕" charset="0"/>
-                      </a:endParaRPr>
-                    </a:p>
-                  </a:txBody>
-                  <a:tcPr marL="0" marR="0" marT="0" marB="0" anchor="ctr">
-                    <a:lnL w="12700" cap="flat" cmpd="sng" algn="ctr">
-                      <a:solidFill>
-                        <a:srgbClr val="000000">
-                          <a:alpha val="100000"/>
-                        </a:srgbClr>
-                      </a:solidFill>
-                      <a:prstDash val="solid"/>
-                      <a:round/>
-                      <a:headEnd type="none" w="med" len="med"/>
-                      <a:tailEnd type="none" w="med" len="med"/>
-                    </a:lnL>
-                    <a:lnR w="12700" cap="flat" cmpd="sng" algn="ctr">
-                      <a:solidFill>
-                        <a:srgbClr val="000000">
-                          <a:alpha val="100000"/>
-                        </a:srgbClr>
-                      </a:solidFill>
-                      <a:prstDash val="solid"/>
-                      <a:round/>
-                      <a:headEnd type="none" w="med" len="med"/>
-                      <a:tailEnd type="none" w="med" len="med"/>
-                    </a:lnR>
-                    <a:lnT w="12700" cap="flat" cmpd="sng" algn="ctr">
-                      <a:solidFill>
-                        <a:srgbClr val="000000">
-                          <a:alpha val="100000"/>
-                        </a:srgbClr>
-                      </a:solidFill>
-                      <a:prstDash val="solid"/>
-                      <a:round/>
-                      <a:headEnd type="none" w="med" len="med"/>
-                      <a:tailEnd type="none" w="med" len="med"/>
-                    </a:lnT>
-                    <a:lnB w="12700" cap="flat" cmpd="sng" algn="ctr">
-                      <a:solidFill>
-                        <a:srgbClr val="000000">
-                          <a:alpha val="100000"/>
-                        </a:srgbClr>
-                      </a:solidFill>
-                      <a:prstDash val="solid"/>
-                      <a:round/>
-                      <a:headEnd type="none" w="med" len="med"/>
-                      <a:tailEnd type="none" w="med" len="med"/>
-                    </a:lnB>
-                    <a:noFill/>
-                  </a:tcPr>
-                </a:tc>
-                <a:tc>
-                  <a:txBody>
-                    <a:bodyPr/>
-                    <a:lstStyle/>
-                    <a:p>
-                      <a:pPr marL="0" indent="0" algn="l" defTabSz="914400" eaLnBrk="1" latinLnBrk="1" hangingPunct="1">
-                        <a:lnSpc>
-                          <a:spcPct val="100000"/>
-                        </a:lnSpc>
-                        <a:spcBef>
-                          <a:spcPts val="0"/>
-                        </a:spcBef>
-                        <a:spcAft>
-                          <a:spcPts val="0"/>
-                        </a:spcAft>
-                        <a:buFontTx/>
-                        <a:buNone/>
-                      </a:pPr>
-                      <a:r>
-                        <a:rPr lang="en-US" altLang="ko-KR" sz="900" kern="1200" i="0" b="0">
-                          <a:solidFill>
-                            <a:schemeClr val="tx1"/>
-                          </a:solidFill>
-                          <a:latin typeface="맑은 고딕" charset="0"/>
-                          <a:ea typeface="맑은 고딕" charset="0"/>
-                        </a:rPr>
-                        <a:t>8-16글자 사이 영문 대소문자,숫자,특수기호만 입력할 수 있다.</a:t>
-                      </a:r>
-                      <a:endParaRPr lang="ko-KR" altLang="en-US" sz="900" kern="1200" i="0" b="0">
-                        <a:solidFill>
-                          <a:schemeClr val="tx1"/>
-                        </a:solidFill>
-                        <a:latin typeface="맑은 고딕" charset="0"/>
-                        <a:ea typeface="맑은 고딕" charset="0"/>
-                      </a:endParaRPr>
-                    </a:p>
-                  </a:txBody>
-                  <a:tcPr marL="0" marR="0" marT="0" marB="0" anchor="ctr">
-                    <a:lnL w="12700" cap="flat" cmpd="sng" algn="ctr">
-                      <a:solidFill>
-                        <a:srgbClr val="000000">
-                          <a:alpha val="100000"/>
-                        </a:srgbClr>
-                      </a:solidFill>
-                      <a:prstDash val="solid"/>
-                      <a:round/>
-                      <a:headEnd type="none" w="med" len="med"/>
-                      <a:tailEnd type="none" w="med" len="med"/>
-                    </a:lnL>
-                    <a:lnR w="12700" cap="flat" cmpd="sng" algn="ctr">
-                      <a:solidFill>
-                        <a:srgbClr val="000000">
-                          <a:alpha val="100000"/>
-                        </a:srgbClr>
-                      </a:solidFill>
-                      <a:prstDash val="solid"/>
-                      <a:round/>
-                      <a:headEnd type="none" w="med" len="med"/>
-                      <a:tailEnd type="none" w="med" len="med"/>
-                    </a:lnR>
-                    <a:lnT w="12700" cap="flat" cmpd="sng" algn="ctr">
-                      <a:solidFill>
-                        <a:srgbClr val="000000">
-                          <a:alpha val="100000"/>
-                        </a:srgbClr>
-                      </a:solidFill>
-                      <a:prstDash val="solid"/>
-                      <a:round/>
-                      <a:headEnd type="none" w="med" len="med"/>
-                      <a:tailEnd type="none" w="med" len="med"/>
-                    </a:lnT>
-                    <a:lnB w="12700" cap="flat" cmpd="sng" algn="ctr">
-                      <a:solidFill>
-                        <a:srgbClr val="000000">
-                          <a:alpha val="100000"/>
-                        </a:srgbClr>
-                      </a:solidFill>
-                      <a:prstDash val="solid"/>
-                      <a:round/>
-                      <a:headEnd type="none" w="med" len="med"/>
-                      <a:tailEnd type="none" w="med" len="med"/>
-                    </a:lnB>
-                    <a:solidFill>
-                      <a:schemeClr val="bg1"/>
-                    </a:solidFill>
-                  </a:tcPr>
-                </a:tc>
-              </a:tr>
-              <a:tr h="830580">
-                <a:tc>
-                  <a:txBody>
-                    <a:bodyPr/>
-                    <a:lstStyle/>
-                    <a:p>
-                      <a:pPr marL="0" indent="0" algn="ctr" defTabSz="914400" eaLnBrk="1" latinLnBrk="1" hangingPunct="1">
-                        <a:lnSpc>
-                          <a:spcPct val="100000"/>
-                        </a:lnSpc>
-                        <a:spcBef>
-                          <a:spcPts val="0"/>
-                        </a:spcBef>
-                        <a:spcAft>
-                          <a:spcPts val="0"/>
-                        </a:spcAft>
-                        <a:buFontTx/>
-                        <a:buNone/>
-                      </a:pPr>
-                      <a:r>
-                        <a:rPr lang="en-US" altLang="ko-KR" sz="1000" kern="1200" i="0" b="0">
-                          <a:solidFill>
-                            <a:schemeClr val="tx1"/>
-                          </a:solidFill>
-                          <a:latin typeface="맑은 고딕" charset="0"/>
-                          <a:ea typeface="맑은 고딕" charset="0"/>
-                        </a:rPr>
-                        <a:t>4</a:t>
-                      </a:r>
-                      <a:endParaRPr lang="ko-KR" altLang="en-US" sz="1000" kern="1200" i="0" b="0">
-                        <a:solidFill>
-                          <a:schemeClr val="tx1"/>
-                        </a:solidFill>
-                        <a:latin typeface="맑은 고딕" charset="0"/>
-                        <a:ea typeface="맑은 고딕" charset="0"/>
-                      </a:endParaRPr>
-                    </a:p>
-                  </a:txBody>
-                  <a:tcPr marL="0" marR="0" marT="0" marB="0" anchor="ctr">
-                    <a:lnL w="12700" cap="flat" cmpd="sng" algn="ctr">
-                      <a:solidFill>
-                        <a:srgbClr val="000000">
-                          <a:alpha val="100000"/>
-                        </a:srgbClr>
-                      </a:solidFill>
-                      <a:prstDash val="solid"/>
-                      <a:round/>
-                      <a:headEnd type="none" w="med" len="med"/>
-                      <a:tailEnd type="none" w="med" len="med"/>
-                    </a:lnL>
-                    <a:lnR w="12700" cap="flat" cmpd="sng" algn="ctr">
-                      <a:solidFill>
-                        <a:srgbClr val="000000">
-                          <a:alpha val="100000"/>
-                        </a:srgbClr>
-                      </a:solidFill>
-                      <a:prstDash val="solid"/>
-                      <a:round/>
-                      <a:headEnd type="none" w="med" len="med"/>
-                      <a:tailEnd type="none" w="med" len="med"/>
-                    </a:lnR>
-                    <a:lnT w="12700" cap="flat" cmpd="sng" algn="ctr">
-                      <a:solidFill>
-                        <a:srgbClr val="000000">
-                          <a:alpha val="100000"/>
-                        </a:srgbClr>
-                      </a:solidFill>
-                      <a:prstDash val="solid"/>
-                      <a:round/>
-                      <a:headEnd type="none" w="med" len="med"/>
-                      <a:tailEnd type="none" w="med" len="med"/>
-                    </a:lnT>
-                    <a:lnB w="12700" cap="flat" cmpd="sng" algn="ctr">
-                      <a:solidFill>
-                        <a:srgbClr val="000000">
-                          <a:alpha val="100000"/>
-                        </a:srgbClr>
-                      </a:solidFill>
-                      <a:prstDash val="solid"/>
-                      <a:round/>
-                      <a:headEnd type="none" w="med" len="med"/>
-                      <a:tailEnd type="none" w="med" len="med"/>
-                    </a:lnB>
-                    <a:noFill/>
-                  </a:tcPr>
-                </a:tc>
-                <a:tc>
-                  <a:txBody>
-                    <a:bodyPr/>
-                    <a:lstStyle/>
-                    <a:p>
-                      <a:pPr marL="0" indent="0" algn="ctr" defTabSz="914400" eaLnBrk="1" latinLnBrk="1" hangingPunct="1">
-                        <a:lnSpc>
-                          <a:spcPct val="100000"/>
-                        </a:lnSpc>
-                        <a:spcBef>
-                          <a:spcPts val="0"/>
-                        </a:spcBef>
-                        <a:spcAft>
-                          <a:spcPts val="0"/>
-                        </a:spcAft>
-                        <a:buFontTx/>
-                        <a:buNone/>
-                      </a:pPr>
-                      <a:r>
-                        <a:rPr lang="en-US" altLang="ko-KR" sz="1000" kern="1200" i="0" b="0">
-                          <a:solidFill>
-                            <a:schemeClr val="tx1"/>
-                          </a:solidFill>
-                          <a:latin typeface="맑은 고딕" charset="0"/>
-                          <a:ea typeface="맑은 고딕" charset="0"/>
-                        </a:rPr>
-                        <a:t>R</a:t>
-                      </a:r>
-                      <a:endParaRPr lang="ko-KR" altLang="en-US" sz="1000" kern="1200" i="0" b="0">
-                        <a:solidFill>
-                          <a:schemeClr val="tx1"/>
-                        </a:solidFill>
-                        <a:latin typeface="맑은 고딕" charset="0"/>
-                        <a:ea typeface="맑은 고딕" charset="0"/>
-                      </a:endParaRPr>
-                    </a:p>
-                  </a:txBody>
-                  <a:tcPr marL="0" marR="0" marT="0" marB="0" anchor="ctr">
-                    <a:lnL w="12700" cap="flat" cmpd="sng" algn="ctr">
-                      <a:solidFill>
-                        <a:srgbClr val="000000">
-                          <a:alpha val="100000"/>
-                        </a:srgbClr>
-                      </a:solidFill>
-                      <a:prstDash val="solid"/>
-                      <a:round/>
-                      <a:headEnd type="none" w="med" len="med"/>
-                      <a:tailEnd type="none" w="med" len="med"/>
-                    </a:lnL>
-                    <a:lnR w="12700" cap="flat" cmpd="sng" algn="ctr">
-                      <a:solidFill>
-                        <a:srgbClr val="000000">
-                          <a:alpha val="100000"/>
-                        </a:srgbClr>
-                      </a:solidFill>
-                      <a:prstDash val="solid"/>
-                      <a:round/>
-                      <a:headEnd type="none" w="med" len="med"/>
-                      <a:tailEnd type="none" w="med" len="med"/>
-                    </a:lnR>
-                    <a:lnT w="12700" cap="flat" cmpd="sng" algn="ctr">
-                      <a:solidFill>
-                        <a:srgbClr val="000000">
-                          <a:alpha val="100000"/>
-                        </a:srgbClr>
-                      </a:solidFill>
-                      <a:prstDash val="solid"/>
-                      <a:round/>
-                      <a:headEnd type="none" w="med" len="med"/>
-                      <a:tailEnd type="none" w="med" len="med"/>
-                    </a:lnT>
-                    <a:lnB w="12700" cap="flat" cmpd="sng" algn="ctr">
-                      <a:solidFill>
-                        <a:srgbClr val="000000">
-                          <a:alpha val="100000"/>
-                        </a:srgbClr>
-                      </a:solidFill>
-                      <a:prstDash val="solid"/>
-                      <a:round/>
-                      <a:headEnd type="none" w="med" len="med"/>
-                      <a:tailEnd type="none" w="med" len="med"/>
-                    </a:lnB>
-                    <a:noFill/>
-                  </a:tcPr>
-                </a:tc>
-                <a:tc>
-                  <a:txBody>
-                    <a:bodyPr/>
-                    <a:lstStyle/>
-                    <a:p>
-                      <a:pPr marL="0" indent="0" algn="l" defTabSz="914400" eaLnBrk="1" latinLnBrk="1" hangingPunct="1">
-                        <a:lnSpc>
-                          <a:spcPct val="100000"/>
-                        </a:lnSpc>
-                        <a:spcBef>
-                          <a:spcPts val="0"/>
-                        </a:spcBef>
-                        <a:spcAft>
-                          <a:spcPts val="0"/>
-                        </a:spcAft>
-                        <a:buFontTx/>
-                        <a:buNone/>
-                      </a:pPr>
-                      <a:r>
-                        <a:rPr lang="en-US" altLang="ko-KR" sz="900" kern="1200" i="0" b="0">
-                          <a:solidFill>
-                            <a:schemeClr val="tx1"/>
-                          </a:solidFill>
-                          <a:latin typeface="맑은 고딕" charset="0"/>
-                          <a:ea typeface="맑은 고딕" charset="0"/>
-                        </a:rPr>
-                        <a:t>●로그인 버튼을 눌러서 아이디와 비밀번호가 맞으면 메인페이지로 이동 </a:t>
-                      </a:r>
-                      <a:endParaRPr lang="ko-KR" altLang="en-US" sz="900" kern="1200" i="0" b="0">
-                        <a:solidFill>
-                          <a:schemeClr val="tx1"/>
-                        </a:solidFill>
-                        <a:latin typeface="맑은 고딕" charset="0"/>
-                        <a:ea typeface="맑은 고딕" charset="0"/>
-                      </a:endParaRPr>
-                    </a:p>
-                    <a:p>
-                      <a:pPr marL="0" indent="0" algn="l" defTabSz="914400" eaLnBrk="1" latinLnBrk="1" hangingPunct="1">
-                        <a:lnSpc>
-                          <a:spcPct val="100000"/>
-                        </a:lnSpc>
-                        <a:spcBef>
-                          <a:spcPts val="0"/>
-                        </a:spcBef>
-                        <a:spcAft>
-                          <a:spcPts val="0"/>
-                        </a:spcAft>
-                        <a:buFontTx/>
-                        <a:buNone/>
-                      </a:pPr>
-                      <a:r>
-                        <a:rPr lang="en-US" altLang="ko-KR" sz="900" kern="1200" i="0" b="0">
-                          <a:solidFill>
-                            <a:schemeClr val="tx1"/>
-                          </a:solidFill>
-                          <a:latin typeface="맑은 고딕" charset="0"/>
-                          <a:ea typeface="맑은 고딕" charset="0"/>
-                        </a:rPr>
-                        <a:t>●정보가 맞지않으면 alert 를 띄워서 틀린것을 알린 후 다시 입력하도록 한다.</a:t>
-                      </a:r>
-                      <a:endParaRPr lang="ko-KR" altLang="en-US" sz="900" kern="1200" i="0" b="0">
-                        <a:solidFill>
-                          <a:schemeClr val="tx1"/>
-                        </a:solidFill>
-                        <a:latin typeface="맑은 고딕" charset="0"/>
-                        <a:ea typeface="맑은 고딕" charset="0"/>
-                      </a:endParaRPr>
-                    </a:p>
-                    <a:p>
-                      <a:pPr marL="0" indent="0" algn="l" defTabSz="914400" eaLnBrk="1" latinLnBrk="1" hangingPunct="1">
-                        <a:lnSpc>
-                          <a:spcPct val="100000"/>
-                        </a:lnSpc>
-                        <a:spcBef>
-                          <a:spcPts val="0"/>
-                        </a:spcBef>
-                        <a:spcAft>
-                          <a:spcPts val="0"/>
-                        </a:spcAft>
-                        <a:buFontTx/>
-                        <a:buNone/>
-                      </a:pPr>
-                      <a:r>
-                        <a:rPr lang="en-US" altLang="ko-KR" sz="900" kern="1200" i="0" b="0">
-                          <a:solidFill>
-                            <a:schemeClr val="tx1"/>
-                          </a:solidFill>
-                          <a:latin typeface="맑은 고딕" charset="0"/>
-                          <a:ea typeface="맑은 고딕" charset="0"/>
-                        </a:rPr>
-                        <a:t>(6번  틀리면 계정 잠금)  </a:t>
-                      </a:r>
-                      <a:endParaRPr lang="ko-KR" altLang="en-US" sz="900" kern="1200" i="0" b="0">
-                        <a:solidFill>
-                          <a:schemeClr val="tx1"/>
-                        </a:solidFill>
-                        <a:latin typeface="맑은 고딕" charset="0"/>
-                        <a:ea typeface="맑은 고딕" charset="0"/>
-                      </a:endParaRPr>
-                    </a:p>
-                    <a:p>
-                      <a:pPr marL="0" indent="0" algn="l" defTabSz="914400" eaLnBrk="1" latinLnBrk="1" hangingPunct="1">
-                        <a:lnSpc>
-                          <a:spcPct val="100000"/>
-                        </a:lnSpc>
-                        <a:spcBef>
-                          <a:spcPts val="0"/>
-                        </a:spcBef>
-                        <a:spcAft>
-                          <a:spcPts val="0"/>
-                        </a:spcAft>
-                        <a:buFontTx/>
-                        <a:buNone/>
-                      </a:pPr>
-                      <a:endParaRPr lang="ko-KR" altLang="en-US" sz="900" kern="1200" i="0" b="0">
-                        <a:solidFill>
-                          <a:schemeClr val="tx1"/>
-                        </a:solidFill>
-                        <a:latin typeface="맑은 고딕" charset="0"/>
-                        <a:ea typeface="맑은 고딕" charset="0"/>
-                      </a:endParaRPr>
-                    </a:p>
-                  </a:txBody>
-                  <a:tcPr marL="0" marR="0" marT="0" marB="0" anchor="ctr">
-                    <a:lnL w="12700" cap="flat" cmpd="sng" algn="ctr">
-                      <a:solidFill>
-                        <a:srgbClr val="000000">
-                          <a:alpha val="100000"/>
-                        </a:srgbClr>
-                      </a:solidFill>
-                      <a:prstDash val="solid"/>
-                      <a:round/>
-                      <a:headEnd type="none" w="med" len="med"/>
-                      <a:tailEnd type="none" w="med" len="med"/>
-                    </a:lnL>
-                    <a:lnR w="12700" cap="flat" cmpd="sng" algn="ctr">
-                      <a:solidFill>
-                        <a:srgbClr val="000000">
-                          <a:alpha val="100000"/>
-                        </a:srgbClr>
-                      </a:solidFill>
-                      <a:prstDash val="solid"/>
-                      <a:round/>
-                      <a:headEnd type="none" w="med" len="med"/>
-                      <a:tailEnd type="none" w="med" len="med"/>
-                    </a:lnR>
-                    <a:lnT w="12700" cap="flat" cmpd="sng" algn="ctr">
-                      <a:solidFill>
-                        <a:srgbClr val="000000">
-                          <a:alpha val="100000"/>
-                        </a:srgbClr>
-                      </a:solidFill>
-                      <a:prstDash val="solid"/>
-                      <a:round/>
-                      <a:headEnd type="none" w="med" len="med"/>
-                      <a:tailEnd type="none" w="med" len="med"/>
-                    </a:lnT>
-                    <a:lnB w="12700" cap="flat" cmpd="sng" algn="ctr">
-                      <a:solidFill>
-                        <a:srgbClr val="000000">
-                          <a:alpha val="100000"/>
-                        </a:srgbClr>
-                      </a:solidFill>
-                      <a:prstDash val="solid"/>
-                      <a:round/>
-                      <a:headEnd type="none" w="med" len="med"/>
-                      <a:tailEnd type="none" w="med" len="med"/>
-                    </a:lnB>
-                    <a:solidFill>
-                      <a:schemeClr val="bg1"/>
-                    </a:solidFill>
-                  </a:tcPr>
-                </a:tc>
-              </a:tr>
-              <a:tr h="526415">
-                <a:tc>
-                  <a:txBody>
-                    <a:bodyPr/>
-                    <a:lstStyle/>
-                    <a:p>
-                      <a:pPr marL="0" indent="0" algn="ctr" defTabSz="914400" eaLnBrk="1" latinLnBrk="1" hangingPunct="1">
-                        <a:lnSpc>
-                          <a:spcPct val="100000"/>
-                        </a:lnSpc>
-                        <a:spcBef>
-                          <a:spcPts val="0"/>
-                        </a:spcBef>
-                        <a:spcAft>
-                          <a:spcPts val="0"/>
-                        </a:spcAft>
-                        <a:buFontTx/>
-                        <a:buNone/>
-                      </a:pPr>
-                      <a:r>
-                        <a:rPr lang="en-US" altLang="ko-KR" sz="1000" kern="1200" i="0" b="0">
-                          <a:solidFill>
-                            <a:schemeClr val="tx1"/>
-                          </a:solidFill>
-                          <a:latin typeface="맑은 고딕" charset="0"/>
-                          <a:ea typeface="맑은 고딕" charset="0"/>
-                        </a:rPr>
-                        <a:t>5</a:t>
-                      </a:r>
-                      <a:endParaRPr lang="ko-KR" altLang="en-US" sz="1000" kern="1200" i="0" b="0">
-                        <a:solidFill>
-                          <a:schemeClr val="tx1"/>
-                        </a:solidFill>
-                        <a:latin typeface="맑은 고딕" charset="0"/>
-                        <a:ea typeface="맑은 고딕" charset="0"/>
-                      </a:endParaRPr>
-                    </a:p>
-                  </a:txBody>
-                  <a:tcPr marL="0" marR="0" marT="0" marB="0" anchor="ctr">
-                    <a:lnL w="12700" cap="flat" cmpd="sng" algn="ctr">
-                      <a:solidFill>
-                        <a:srgbClr val="000000">
-                          <a:alpha val="100000"/>
-                        </a:srgbClr>
-                      </a:solidFill>
-                      <a:prstDash val="solid"/>
-                      <a:round/>
-                      <a:headEnd type="none" w="med" len="med"/>
-                      <a:tailEnd type="none" w="med" len="med"/>
-                    </a:lnL>
-                    <a:lnR w="12700" cap="flat" cmpd="sng" algn="ctr">
-                      <a:solidFill>
-                        <a:srgbClr val="000000">
-                          <a:alpha val="100000"/>
-                        </a:srgbClr>
-                      </a:solidFill>
-                      <a:prstDash val="solid"/>
-                      <a:round/>
-                      <a:headEnd type="none" w="med" len="med"/>
-                      <a:tailEnd type="none" w="med" len="med"/>
-                    </a:lnR>
-                    <a:lnT w="12700" cap="flat" cmpd="sng" algn="ctr">
-                      <a:solidFill>
-                        <a:srgbClr val="000000">
-                          <a:alpha val="100000"/>
-                        </a:srgbClr>
-                      </a:solidFill>
-                      <a:prstDash val="solid"/>
-                      <a:round/>
-                      <a:headEnd type="none" w="med" len="med"/>
-                      <a:tailEnd type="none" w="med" len="med"/>
-                    </a:lnT>
-                    <a:lnB w="12700" cap="flat" cmpd="sng" algn="ctr">
-                      <a:solidFill>
-                        <a:srgbClr val="000000">
-                          <a:alpha val="100000"/>
-                        </a:srgbClr>
-                      </a:solidFill>
-                      <a:prstDash val="solid"/>
-                      <a:round/>
-                      <a:headEnd type="none" w="med" len="med"/>
-                      <a:tailEnd type="none" w="med" len="med"/>
-                    </a:lnB>
-                    <a:noFill/>
-                  </a:tcPr>
-                </a:tc>
-                <a:tc>
-                  <a:txBody>
-                    <a:bodyPr/>
-                    <a:lstStyle/>
-                    <a:p>
-                      <a:pPr marL="0" indent="0" algn="ctr" defTabSz="914400" eaLnBrk="1" latinLnBrk="1" hangingPunct="1">
-                        <a:lnSpc>
-                          <a:spcPct val="100000"/>
-                        </a:lnSpc>
-                        <a:spcBef>
-                          <a:spcPts val="0"/>
-                        </a:spcBef>
-                        <a:spcAft>
-                          <a:spcPts val="0"/>
-                        </a:spcAft>
-                        <a:buFontTx/>
-                        <a:buNone/>
-                      </a:pPr>
-                      <a:endParaRPr lang="ko-KR" altLang="en-US" sz="1000" kern="1200" i="0" b="0">
-                        <a:solidFill>
-                          <a:schemeClr val="tx1"/>
-                        </a:solidFill>
-                        <a:latin typeface="맑은 고딕" charset="0"/>
-                        <a:ea typeface="맑은 고딕" charset="0"/>
-                      </a:endParaRPr>
-                    </a:p>
-                  </a:txBody>
-                  <a:tcPr marL="0" marR="0" marT="0" marB="0" anchor="ctr">
-                    <a:lnL w="12700" cap="flat" cmpd="sng" algn="ctr">
-                      <a:solidFill>
-                        <a:srgbClr val="000000">
-                          <a:alpha val="100000"/>
-                        </a:srgbClr>
-                      </a:solidFill>
-                      <a:prstDash val="solid"/>
-                      <a:round/>
-                      <a:headEnd type="none" w="med" len="med"/>
-                      <a:tailEnd type="none" w="med" len="med"/>
-                    </a:lnL>
-                    <a:lnR w="12700" cap="flat" cmpd="sng" algn="ctr">
-                      <a:solidFill>
-                        <a:srgbClr val="000000">
-                          <a:alpha val="100000"/>
-                        </a:srgbClr>
-                      </a:solidFill>
-                      <a:prstDash val="solid"/>
-                      <a:round/>
-                      <a:headEnd type="none" w="med" len="med"/>
-                      <a:tailEnd type="none" w="med" len="med"/>
-                    </a:lnR>
-                    <a:lnT w="12700" cap="flat" cmpd="sng" algn="ctr">
-                      <a:solidFill>
-                        <a:srgbClr val="000000">
-                          <a:alpha val="100000"/>
-                        </a:srgbClr>
-                      </a:solidFill>
-                      <a:prstDash val="solid"/>
-                      <a:round/>
-                      <a:headEnd type="none" w="med" len="med"/>
-                      <a:tailEnd type="none" w="med" len="med"/>
-                    </a:lnT>
-                    <a:lnB w="12700" cap="flat" cmpd="sng" algn="ctr">
-                      <a:solidFill>
-                        <a:srgbClr val="000000">
-                          <a:alpha val="100000"/>
-                        </a:srgbClr>
-                      </a:solidFill>
-                      <a:prstDash val="solid"/>
-                      <a:round/>
-                      <a:headEnd type="none" w="med" len="med"/>
-                      <a:tailEnd type="none" w="med" len="med"/>
-                    </a:lnB>
-                    <a:noFill/>
-                  </a:tcPr>
-                </a:tc>
-                <a:tc>
-                  <a:txBody>
-                    <a:bodyPr/>
-                    <a:lstStyle/>
-                    <a:p>
-                      <a:pPr marL="0" indent="0" algn="l" defTabSz="914400" eaLnBrk="1" latinLnBrk="1" hangingPunct="1">
-                        <a:lnSpc>
-                          <a:spcPct val="100000"/>
-                        </a:lnSpc>
-                        <a:spcBef>
-                          <a:spcPts val="0"/>
-                        </a:spcBef>
-                        <a:spcAft>
-                          <a:spcPts val="0"/>
-                        </a:spcAft>
-                        <a:buFontTx/>
-                        <a:buNone/>
-                      </a:pPr>
-                      <a:r>
-                        <a:rPr lang="en-US" altLang="ko-KR" sz="900" kern="1200" i="0" b="0">
-                          <a:solidFill>
-                            <a:schemeClr val="tx1"/>
-                          </a:solidFill>
-                          <a:latin typeface="맑은 고딕" charset="0"/>
-                          <a:ea typeface="맑은 고딕" charset="0"/>
-                        </a:rPr>
-                        <a:t>회원가입 페이지로 이동한다.</a:t>
-                      </a:r>
-                      <a:endParaRPr lang="ko-KR" altLang="en-US" sz="900" kern="1200" i="0" b="0">
-                        <a:solidFill>
-                          <a:schemeClr val="tx1"/>
-                        </a:solidFill>
-                        <a:latin typeface="맑은 고딕" charset="0"/>
-                        <a:ea typeface="맑은 고딕" charset="0"/>
-                      </a:endParaRPr>
-                    </a:p>
-                  </a:txBody>
-                  <a:tcPr marL="0" marR="0" marT="0" marB="0" anchor="ctr">
-                    <a:lnL w="12700" cap="flat" cmpd="sng" algn="ctr">
-                      <a:solidFill>
-                        <a:srgbClr val="000000">
-                          <a:alpha val="100000"/>
-                        </a:srgbClr>
-                      </a:solidFill>
-                      <a:prstDash val="solid"/>
-                      <a:round/>
-                      <a:headEnd type="none" w="med" len="med"/>
-                      <a:tailEnd type="none" w="med" len="med"/>
-                    </a:lnL>
-                    <a:lnR w="12700" cap="flat" cmpd="sng" algn="ctr">
-                      <a:solidFill>
-                        <a:srgbClr val="000000">
-                          <a:alpha val="100000"/>
-                        </a:srgbClr>
-                      </a:solidFill>
-                      <a:prstDash val="solid"/>
-                      <a:round/>
-                      <a:headEnd type="none" w="med" len="med"/>
-                      <a:tailEnd type="none" w="med" len="med"/>
-                    </a:lnR>
-                    <a:lnT w="12700" cap="flat" cmpd="sng" algn="ctr">
-                      <a:solidFill>
-                        <a:srgbClr val="000000">
-                          <a:alpha val="100000"/>
-                        </a:srgbClr>
-                      </a:solidFill>
-                      <a:prstDash val="solid"/>
-                      <a:round/>
-                      <a:headEnd type="none" w="med" len="med"/>
-                      <a:tailEnd type="none" w="med" len="med"/>
-                    </a:lnT>
-                    <a:lnB w="12700" cap="flat" cmpd="sng" algn="ctr">
-                      <a:solidFill>
-                        <a:srgbClr val="000000">
-                          <a:alpha val="100000"/>
-                        </a:srgbClr>
-                      </a:solidFill>
-                      <a:prstDash val="solid"/>
-                      <a:round/>
-                      <a:headEnd type="none" w="med" len="med"/>
-                      <a:tailEnd type="none" w="med" len="med"/>
-                    </a:lnB>
-                    <a:solidFill>
-                      <a:schemeClr val="bg1"/>
-                    </a:solidFill>
-                  </a:tcPr>
-                </a:tc>
-              </a:tr>
-              <a:tr h="526415">
-                <a:tc>
-                  <a:txBody>
-                    <a:bodyPr/>
-                    <a:lstStyle/>
-                    <a:p>
-                      <a:pPr marL="0" indent="0" algn="ctr" defTabSz="914400" eaLnBrk="1" latinLnBrk="1" hangingPunct="1">
-                        <a:lnSpc>
-                          <a:spcPct val="100000"/>
-                        </a:lnSpc>
-                        <a:spcBef>
-                          <a:spcPts val="0"/>
-                        </a:spcBef>
-                        <a:spcAft>
-                          <a:spcPts val="0"/>
-                        </a:spcAft>
-                        <a:buFontTx/>
-                        <a:buNone/>
-                      </a:pPr>
-                      <a:r>
-                        <a:rPr lang="en-US" altLang="ko-KR" sz="1000" kern="1200" i="0" b="0">
-                          <a:solidFill>
-                            <a:schemeClr val="tx1"/>
-                          </a:solidFill>
-                          <a:latin typeface="맑은 고딕" charset="0"/>
-                          <a:ea typeface="맑은 고딕" charset="0"/>
-                        </a:rPr>
-                        <a:t>6</a:t>
-                      </a:r>
-                      <a:endParaRPr lang="ko-KR" altLang="en-US" sz="1000" kern="1200" i="0" b="0">
-                        <a:solidFill>
-                          <a:schemeClr val="tx1"/>
-                        </a:solidFill>
-                        <a:latin typeface="맑은 고딕" charset="0"/>
-                        <a:ea typeface="맑은 고딕" charset="0"/>
-                      </a:endParaRPr>
-                    </a:p>
-                  </a:txBody>
-                  <a:tcPr marL="0" marR="0" marT="0" marB="0" anchor="ctr">
-                    <a:lnL w="12700" cap="flat" cmpd="sng" algn="ctr">
-                      <a:solidFill>
-                        <a:srgbClr val="000000">
-                          <a:alpha val="100000"/>
-                        </a:srgbClr>
-                      </a:solidFill>
-                      <a:prstDash val="solid"/>
-                      <a:round/>
-                      <a:headEnd type="none" w="med" len="med"/>
-                      <a:tailEnd type="none" w="med" len="med"/>
-                    </a:lnL>
-                    <a:lnR w="12700" cap="flat" cmpd="sng" algn="ctr">
-                      <a:solidFill>
-                        <a:srgbClr val="000000">
-                          <a:alpha val="100000"/>
-                        </a:srgbClr>
-                      </a:solidFill>
-                      <a:prstDash val="solid"/>
-                      <a:round/>
-                      <a:headEnd type="none" w="med" len="med"/>
-                      <a:tailEnd type="none" w="med" len="med"/>
-                    </a:lnR>
-                    <a:lnT w="12700" cap="flat" cmpd="sng" algn="ctr">
-                      <a:solidFill>
-                        <a:srgbClr val="000000">
-                          <a:alpha val="100000"/>
-                        </a:srgbClr>
-                      </a:solidFill>
-                      <a:prstDash val="solid"/>
-                      <a:round/>
-                      <a:headEnd type="none" w="med" len="med"/>
-                      <a:tailEnd type="none" w="med" len="med"/>
-                    </a:lnT>
-                    <a:lnB w="12700" cap="flat" cmpd="sng" algn="ctr">
-                      <a:solidFill>
-                        <a:srgbClr val="000000">
-                          <a:alpha val="100000"/>
-                        </a:srgbClr>
-                      </a:solidFill>
-                      <a:prstDash val="solid"/>
-                      <a:round/>
-                      <a:headEnd type="none" w="med" len="med"/>
-                      <a:tailEnd type="none" w="med" len="med"/>
-                    </a:lnB>
-                    <a:noFill/>
-                  </a:tcPr>
-                </a:tc>
-                <a:tc>
-                  <a:txBody>
-                    <a:bodyPr/>
-                    <a:lstStyle/>
-                    <a:p>
-                      <a:pPr marL="0" indent="0" algn="ctr" defTabSz="914400" eaLnBrk="1" latinLnBrk="1" hangingPunct="1">
-                        <a:lnSpc>
-                          <a:spcPct val="100000"/>
-                        </a:lnSpc>
-                        <a:spcBef>
-                          <a:spcPts val="0"/>
-                        </a:spcBef>
-                        <a:spcAft>
-                          <a:spcPts val="0"/>
-                        </a:spcAft>
-                        <a:buFontTx/>
-                        <a:buNone/>
-                      </a:pPr>
-                      <a:endParaRPr lang="ko-KR" altLang="en-US" sz="1000" kern="1200" i="0" b="0">
-                        <a:solidFill>
-                          <a:schemeClr val="tx1"/>
-                        </a:solidFill>
-                        <a:latin typeface="맑은 고딕" charset="0"/>
-                        <a:ea typeface="맑은 고딕" charset="0"/>
-                      </a:endParaRPr>
-                    </a:p>
-                  </a:txBody>
-                  <a:tcPr marL="0" marR="0" marT="0" marB="0" anchor="ctr">
-                    <a:lnL w="12700" cap="flat" cmpd="sng" algn="ctr">
-                      <a:solidFill>
-                        <a:srgbClr val="000000">
-                          <a:alpha val="100000"/>
-                        </a:srgbClr>
-                      </a:solidFill>
-                      <a:prstDash val="solid"/>
-                      <a:round/>
-                      <a:headEnd type="none" w="med" len="med"/>
-                      <a:tailEnd type="none" w="med" len="med"/>
-                    </a:lnL>
-                    <a:lnR w="12700" cap="flat" cmpd="sng" algn="ctr">
-                      <a:solidFill>
-                        <a:srgbClr val="000000">
-                          <a:alpha val="100000"/>
-                        </a:srgbClr>
-                      </a:solidFill>
-                      <a:prstDash val="solid"/>
-                      <a:round/>
-                      <a:headEnd type="none" w="med" len="med"/>
-                      <a:tailEnd type="none" w="med" len="med"/>
-                    </a:lnR>
-                    <a:lnT w="12700" cap="flat" cmpd="sng" algn="ctr">
-                      <a:solidFill>
-                        <a:srgbClr val="000000">
-                          <a:alpha val="100000"/>
-                        </a:srgbClr>
-                      </a:solidFill>
-                      <a:prstDash val="solid"/>
-                      <a:round/>
-                      <a:headEnd type="none" w="med" len="med"/>
-                      <a:tailEnd type="none" w="med" len="med"/>
-                    </a:lnT>
-                    <a:lnB w="12700" cap="flat" cmpd="sng" algn="ctr">
-                      <a:solidFill>
-                        <a:srgbClr val="000000">
-                          <a:alpha val="100000"/>
-                        </a:srgbClr>
-                      </a:solidFill>
-                      <a:prstDash val="solid"/>
-                      <a:round/>
-                      <a:headEnd type="none" w="med" len="med"/>
-                      <a:tailEnd type="none" w="med" len="med"/>
-                    </a:lnB>
-                    <a:noFill/>
-                  </a:tcPr>
-                </a:tc>
-                <a:tc>
-                  <a:txBody>
-                    <a:bodyPr/>
-                    <a:lstStyle/>
-                    <a:p>
-                      <a:pPr marL="0" indent="0" algn="l" defTabSz="914400" eaLnBrk="1" latinLnBrk="1" hangingPunct="1">
-                        <a:lnSpc>
-                          <a:spcPct val="100000"/>
-                        </a:lnSpc>
-                        <a:spcBef>
-                          <a:spcPts val="0"/>
-                        </a:spcBef>
-                        <a:spcAft>
-                          <a:spcPts val="0"/>
-                        </a:spcAft>
-                        <a:buFontTx/>
-                        <a:buNone/>
-                      </a:pPr>
-                      <a:r>
-                        <a:rPr lang="en-US" altLang="ko-KR" sz="900" kern="1200" i="0" b="0">
-                          <a:solidFill>
-                            <a:schemeClr val="tx1"/>
-                          </a:solidFill>
-                          <a:latin typeface="맑은 고딕" charset="0"/>
-                          <a:ea typeface="맑은 고딕" charset="0"/>
-                        </a:rPr>
-                        <a:t>아이디 찾기 페이지로 이동한다.</a:t>
-                      </a:r>
-                      <a:endParaRPr lang="ko-KR" altLang="en-US" sz="900" kern="1200" i="0" b="0">
-                        <a:solidFill>
-                          <a:schemeClr val="tx1"/>
-                        </a:solidFill>
-                        <a:latin typeface="맑은 고딕" charset="0"/>
-                        <a:ea typeface="맑은 고딕" charset="0"/>
-                      </a:endParaRPr>
-                    </a:p>
-                  </a:txBody>
-                  <a:tcPr marL="0" marR="0" marT="0" marB="0" anchor="ctr">
-                    <a:lnL w="12700" cap="flat" cmpd="sng" algn="ctr">
-                      <a:solidFill>
-                        <a:srgbClr val="000000">
-                          <a:alpha val="100000"/>
-                        </a:srgbClr>
-                      </a:solidFill>
-                      <a:prstDash val="solid"/>
-                      <a:round/>
-                      <a:headEnd type="none" w="med" len="med"/>
-                      <a:tailEnd type="none" w="med" len="med"/>
-                    </a:lnL>
-                    <a:lnR w="12700" cap="flat" cmpd="sng" algn="ctr">
-                      <a:solidFill>
-                        <a:srgbClr val="000000">
-                          <a:alpha val="100000"/>
-                        </a:srgbClr>
-                      </a:solidFill>
-                      <a:prstDash val="solid"/>
-                      <a:round/>
-                      <a:headEnd type="none" w="med" len="med"/>
-                      <a:tailEnd type="none" w="med" len="med"/>
-                    </a:lnR>
-                    <a:lnT w="12700" cap="flat" cmpd="sng" algn="ctr">
-                      <a:solidFill>
-                        <a:srgbClr val="000000">
-                          <a:alpha val="100000"/>
-                        </a:srgbClr>
-                      </a:solidFill>
-                      <a:prstDash val="solid"/>
-                      <a:round/>
-                      <a:headEnd type="none" w="med" len="med"/>
-                      <a:tailEnd type="none" w="med" len="med"/>
-                    </a:lnT>
-                    <a:lnB w="12700" cap="flat" cmpd="sng" algn="ctr">
-                      <a:solidFill>
-                        <a:srgbClr val="000000">
-                          <a:alpha val="100000"/>
-                        </a:srgbClr>
-                      </a:solidFill>
-                      <a:prstDash val="solid"/>
-                      <a:round/>
-                      <a:headEnd type="none" w="med" len="med"/>
-                      <a:tailEnd type="none" w="med" len="med"/>
-                    </a:lnB>
-                    <a:solidFill>
-                      <a:schemeClr val="bg1"/>
-                    </a:solidFill>
-                  </a:tcPr>
-                </a:tc>
-              </a:tr>
-              <a:tr h="1009650">
-                <a:tc>
-                  <a:txBody>
-                    <a:bodyPr/>
-                    <a:lstStyle/>
-                    <a:p>
-                      <a:pPr marL="0" indent="0" algn="ctr" defTabSz="914400" eaLnBrk="1" latinLnBrk="1" hangingPunct="1">
-                        <a:lnSpc>
-                          <a:spcPct val="100000"/>
-                        </a:lnSpc>
-                        <a:spcBef>
-                          <a:spcPts val="0"/>
-                        </a:spcBef>
-                        <a:spcAft>
-                          <a:spcPts val="0"/>
-                        </a:spcAft>
-                        <a:buFontTx/>
-                        <a:buNone/>
-                      </a:pPr>
-                      <a:r>
-                        <a:rPr lang="en-US" altLang="ko-KR" sz="1000" kern="1200" i="0" b="0">
-                          <a:solidFill>
-                            <a:schemeClr val="tx1"/>
-                          </a:solidFill>
-                          <a:latin typeface="맑은 고딕" charset="0"/>
-                          <a:ea typeface="맑은 고딕" charset="0"/>
-                        </a:rPr>
-                        <a:t>7</a:t>
-                      </a:r>
-                      <a:endParaRPr lang="ko-KR" altLang="en-US" sz="1000" kern="1200" i="0" b="0">
-                        <a:solidFill>
-                          <a:schemeClr val="tx1"/>
-                        </a:solidFill>
-                        <a:latin typeface="맑은 고딕" charset="0"/>
-                        <a:ea typeface="맑은 고딕" charset="0"/>
-                      </a:endParaRPr>
-                    </a:p>
-                  </a:txBody>
-                  <a:tcPr marL="0" marR="0" marT="0" marB="0" anchor="ctr">
-                    <a:lnL w="12700" cap="flat" cmpd="sng" algn="ctr">
-                      <a:solidFill>
-                        <a:srgbClr val="000000">
-                          <a:alpha val="100000"/>
-                        </a:srgbClr>
-                      </a:solidFill>
-                      <a:prstDash val="solid"/>
-                      <a:round/>
-                      <a:headEnd type="none" w="med" len="med"/>
-                      <a:tailEnd type="none" w="med" len="med"/>
-                    </a:lnL>
-                    <a:lnR w="12700" cap="flat" cmpd="sng" algn="ctr">
-                      <a:solidFill>
-                        <a:srgbClr val="000000">
-                          <a:alpha val="100000"/>
-                        </a:srgbClr>
-                      </a:solidFill>
-                      <a:prstDash val="solid"/>
-                      <a:round/>
-                      <a:headEnd type="none" w="med" len="med"/>
-                      <a:tailEnd type="none" w="med" len="med"/>
-                    </a:lnR>
-                    <a:lnT w="12700" cap="flat" cmpd="sng" algn="ctr">
-                      <a:solidFill>
-                        <a:srgbClr val="000000">
-                          <a:alpha val="100000"/>
-                        </a:srgbClr>
-                      </a:solidFill>
-                      <a:prstDash val="solid"/>
-                      <a:round/>
-                      <a:headEnd type="none" w="med" len="med"/>
-                      <a:tailEnd type="none" w="med" len="med"/>
-                    </a:lnT>
-                    <a:lnB w="12700" cap="flat" cmpd="sng" algn="ctr">
-                      <a:solidFill>
-                        <a:srgbClr val="000000">
-                          <a:alpha val="100000"/>
-                        </a:srgbClr>
-                      </a:solidFill>
-                      <a:prstDash val="solid"/>
-                      <a:round/>
-                      <a:headEnd type="none" w="med" len="med"/>
-                      <a:tailEnd type="none" w="med" len="med"/>
-                    </a:lnB>
-                    <a:noFill/>
-                  </a:tcPr>
-                </a:tc>
-                <a:tc>
-                  <a:txBody>
-                    <a:bodyPr/>
-                    <a:lstStyle/>
-                    <a:p>
-                      <a:pPr marL="0" indent="0" algn="ctr" defTabSz="914400" eaLnBrk="1" latinLnBrk="1" hangingPunct="1">
-                        <a:lnSpc>
-                          <a:spcPct val="100000"/>
-                        </a:lnSpc>
-                        <a:spcBef>
-                          <a:spcPts val="0"/>
-                        </a:spcBef>
-                        <a:spcAft>
-                          <a:spcPts val="0"/>
-                        </a:spcAft>
-                        <a:buFontTx/>
-                        <a:buNone/>
-                      </a:pPr>
-                      <a:endParaRPr lang="ko-KR" altLang="en-US" sz="1000" kern="1200" i="0" b="0">
-                        <a:solidFill>
-                          <a:schemeClr val="tx1"/>
-                        </a:solidFill>
-                        <a:latin typeface="맑은 고딕" charset="0"/>
-                        <a:ea typeface="맑은 고딕" charset="0"/>
-                      </a:endParaRPr>
-                    </a:p>
-                  </a:txBody>
-                  <a:tcPr marL="0" marR="0" marT="0" marB="0" anchor="ctr">
-                    <a:lnL w="12700" cap="flat" cmpd="sng" algn="ctr">
-                      <a:solidFill>
-                        <a:srgbClr val="000000">
-                          <a:alpha val="100000"/>
-                        </a:srgbClr>
-                      </a:solidFill>
-                      <a:prstDash val="solid"/>
-                      <a:round/>
-                      <a:headEnd type="none" w="med" len="med"/>
-                      <a:tailEnd type="none" w="med" len="med"/>
-                    </a:lnL>
-                    <a:lnR w="12700" cap="flat" cmpd="sng" algn="ctr">
-                      <a:solidFill>
-                        <a:srgbClr val="000000">
-                          <a:alpha val="100000"/>
-                        </a:srgbClr>
-                      </a:solidFill>
-                      <a:prstDash val="solid"/>
-                      <a:round/>
-                      <a:headEnd type="none" w="med" len="med"/>
-                      <a:tailEnd type="none" w="med" len="med"/>
-                    </a:lnR>
-                    <a:lnT w="12700" cap="flat" cmpd="sng" algn="ctr">
-                      <a:solidFill>
-                        <a:srgbClr val="000000">
-                          <a:alpha val="100000"/>
-                        </a:srgbClr>
-                      </a:solidFill>
-                      <a:prstDash val="solid"/>
-                      <a:round/>
-                      <a:headEnd type="none" w="med" len="med"/>
-                      <a:tailEnd type="none" w="med" len="med"/>
-                    </a:lnT>
-                    <a:lnB w="12700" cap="flat" cmpd="sng" algn="ctr">
-                      <a:solidFill>
-                        <a:srgbClr val="000000">
-                          <a:alpha val="100000"/>
-                        </a:srgbClr>
-                      </a:solidFill>
-                      <a:prstDash val="solid"/>
-                      <a:round/>
-                      <a:headEnd type="none" w="med" len="med"/>
-                      <a:tailEnd type="none" w="med" len="med"/>
-                    </a:lnB>
-                    <a:noFill/>
-                  </a:tcPr>
-                </a:tc>
-                <a:tc>
-                  <a:txBody>
-                    <a:bodyPr/>
-                    <a:lstStyle/>
-                    <a:p>
-                      <a:pPr marL="0" indent="0" algn="l" defTabSz="914400" eaLnBrk="1" latinLnBrk="1" hangingPunct="1">
-                        <a:lnSpc>
-                          <a:spcPct val="100000"/>
-                        </a:lnSpc>
-                        <a:spcBef>
-                          <a:spcPts val="0"/>
-                        </a:spcBef>
-                        <a:spcAft>
-                          <a:spcPts val="0"/>
-                        </a:spcAft>
-                        <a:buFontTx/>
-                        <a:buNone/>
-                      </a:pPr>
-                      <a:r>
-                        <a:rPr lang="en-US" altLang="ko-KR" sz="900" kern="1200" i="0" b="0">
-                          <a:solidFill>
-                            <a:schemeClr val="tx1"/>
-                          </a:solidFill>
-                          <a:latin typeface="맑은 고딕" charset="0"/>
-                          <a:ea typeface="맑은 고딕" charset="0"/>
-                        </a:rPr>
-                        <a:t>비밀번호 찾기 페이지로 이동한다</a:t>
-                      </a:r>
-                      <a:endParaRPr lang="ko-KR" altLang="en-US" sz="900" kern="1200" i="0" b="0">
-                        <a:solidFill>
-                          <a:schemeClr val="tx1"/>
-                        </a:solidFill>
-                        <a:latin typeface="맑은 고딕" charset="0"/>
-                        <a:ea typeface="맑은 고딕" charset="0"/>
-                      </a:endParaRPr>
-                    </a:p>
-                  </a:txBody>
-                  <a:tcPr marL="0" marR="0" marT="0" marB="0" anchor="ctr">
-                    <a:lnL w="12700" cap="flat" cmpd="sng" algn="ctr">
-                      <a:solidFill>
-                        <a:srgbClr val="000000">
-                          <a:alpha val="100000"/>
-                        </a:srgbClr>
-                      </a:solidFill>
-                      <a:prstDash val="solid"/>
-                      <a:round/>
-                      <a:headEnd type="none" w="med" len="med"/>
-                      <a:tailEnd type="none" w="med" len="med"/>
-                    </a:lnL>
-                    <a:lnR w="12700" cap="flat" cmpd="sng" algn="ctr">
-                      <a:solidFill>
-                        <a:srgbClr val="000000">
-                          <a:alpha val="100000"/>
-                        </a:srgbClr>
-                      </a:solidFill>
-                      <a:prstDash val="solid"/>
-                      <a:round/>
-                      <a:headEnd type="none" w="med" len="med"/>
-                      <a:tailEnd type="none" w="med" len="med"/>
-                    </a:lnR>
-                    <a:lnT w="12700" cap="flat" cmpd="sng" algn="ctr">
-                      <a:solidFill>
-                        <a:srgbClr val="000000">
-                          <a:alpha val="100000"/>
-                        </a:srgbClr>
-                      </a:solidFill>
-                      <a:prstDash val="solid"/>
-                      <a:round/>
-                      <a:headEnd type="none" w="med" len="med"/>
-                      <a:tailEnd type="none" w="med" len="med"/>
-                    </a:lnT>
-                    <a:lnB w="12700" cap="flat" cmpd="sng" algn="ctr">
-                      <a:solidFill>
-                        <a:srgbClr val="000000">
-                          <a:alpha val="100000"/>
-                        </a:srgbClr>
-                      </a:solidFill>
-                      <a:prstDash val="solid"/>
-                      <a:round/>
-                      <a:headEnd type="none" w="med" len="med"/>
-                      <a:tailEnd type="none" w="med" len="med"/>
-                    </a:lnB>
-                    <a:solidFill>
-                      <a:schemeClr val="bg1"/>
-                    </a:solidFill>
-                  </a:tcPr>
-                </a:tc>
-              </a:tr>
-            </a:tbl>
-          </a:graphicData>
-        </a:graphic>
-      </p:graphicFrame>
-      <p:pic>
-        <p:nvPicPr>
-          <p:cNvPr id="1028" name="그림 1027"/>
-          <p:cNvPicPr>
-            <a:picLocks noChangeAspect="1"/>
-          </p:cNvPicPr>
-          <p:nvPr/>
-        </p:nvPicPr>
-        <p:blipFill rotWithShape="1">
-          <a:blip r:embed="rId2" cstate="print">
-            <a:extLst>
-              <a:ext uri="{28A0092B-C50C-407E-A947-70E740481C1C}">
-                <a14:useLocalDpi xmlns:a14="http://schemas.microsoft.com/office/drawing/2010/main" val="0"/>
-              </a:ext>
-            </a:extLst>
-          </a:blip>
-          <a:srcRect/>
-          <a:stretch>
-            <a:fillRect/>
-          </a:stretch>
-        </p:blipFill>
-        <p:spPr>
-          <a:xfrm rot="0">
-            <a:off x="242570" y="1295400"/>
-            <a:ext cx="8809355" cy="4404995"/>
-          </a:xfrm>
-          <a:prstGeom prst="rect"/>
-          <a:noFill/>
-        </p:spPr>
-      </p:pic>
-      <p:graphicFrame>
-        <p:nvGraphicFramePr>
-          <p:cNvPr id="1029" name="표 1028"/>
-          <p:cNvGraphicFramePr>
-            <a:graphicFrameLocks noGrp="1"/>
-          </p:cNvGraphicFramePr>
-          <p:nvPr/>
-        </p:nvGraphicFramePr>
-        <p:xfrm>
-          <a:off x="147320" y="86360"/>
-          <a:ext cx="11958320" cy="536575"/>
-        </p:xfrm>
-        <a:graphic>
-          <a:graphicData uri="http://schemas.openxmlformats.org/drawingml/2006/table">
-            <a:tbl>
-              <a:tblPr firstRow="1" bandRow="1">
-                <a:tableStyleId>{5C22544A-7EE6-4342-B048-85BDC9FD1C3A}</a:tableStyleId>
-              </a:tblPr>
-              <a:tblGrid>
-                <a:gridCol w="1480820"/>
-                <a:gridCol w="1636395"/>
-                <a:gridCol w="7178675"/>
-                <a:gridCol w="1662430"/>
-              </a:tblGrid>
-              <a:tr h="261620">
-                <a:tc>
-                  <a:txBody>
-                    <a:bodyPr/>
-                    <a:lstStyle/>
-                    <a:p>
-                      <a:pPr marL="0" indent="0" algn="ctr" defTabSz="914400" eaLnBrk="1" latinLnBrk="1" hangingPunct="1">
-                        <a:lnSpc>
-                          <a:spcPct val="100000"/>
-                        </a:lnSpc>
-                        <a:spcBef>
-                          <a:spcPts val="0"/>
-                        </a:spcBef>
-                        <a:spcAft>
-                          <a:spcPts val="0"/>
-                        </a:spcAft>
-                        <a:buFontTx/>
-                        <a:buNone/>
-                      </a:pPr>
-                      <a:r>
-                        <a:rPr lang="en-US" altLang="ko-KR" sz="1000" kern="1200" i="0" b="0">
-                          <a:solidFill>
-                            <a:schemeClr val="tx1"/>
-                          </a:solidFill>
-                          <a:latin typeface="맑은 고딕" charset="0"/>
-                          <a:ea typeface="맑은 고딕" charset="0"/>
-                        </a:rPr>
-                        <a:t>화면 코드</a:t>
-                      </a:r>
-                      <a:endParaRPr lang="ko-KR" altLang="en-US" sz="1000" kern="1200" i="0" b="0">
-                        <a:solidFill>
-                          <a:schemeClr val="tx1"/>
-                        </a:solidFill>
-                        <a:latin typeface="맑은 고딕" charset="0"/>
-                        <a:ea typeface="맑은 고딕" charset="0"/>
-                      </a:endParaRPr>
-                    </a:p>
-                  </a:txBody>
-                  <a:tcPr marL="90170" marR="90170" marT="46990" marB="46990" anchor="ctr">
-                    <a:lnL w="12700" cap="flat" cmpd="sng" algn="ctr">
-                      <a:solidFill>
-                        <a:srgbClr val="000000">
-                          <a:alpha val="100000"/>
-                        </a:srgbClr>
-                      </a:solidFill>
-                      <a:prstDash val="solid"/>
-                      <a:round/>
-                      <a:headEnd type="none" w="med" len="med"/>
-                      <a:tailEnd type="none" w="med" len="med"/>
-                    </a:lnL>
-                    <a:lnR w="12700" cap="flat" cmpd="sng" algn="ctr">
-                      <a:solidFill>
-                        <a:srgbClr val="000000">
-                          <a:alpha val="100000"/>
-                        </a:srgbClr>
-                      </a:solidFill>
-                      <a:prstDash val="solid"/>
-                      <a:round/>
-                      <a:headEnd type="none" w="med" len="med"/>
-                      <a:tailEnd type="none" w="med" len="med"/>
-                    </a:lnR>
-                    <a:lnT w="12700" cap="flat" cmpd="sng" algn="ctr">
-                      <a:solidFill>
-                        <a:srgbClr val="000000">
-                          <a:alpha val="100000"/>
-                        </a:srgbClr>
-                      </a:solidFill>
-                      <a:prstDash val="solid"/>
-                      <a:round/>
-                      <a:headEnd type="none" w="med" len="med"/>
-                      <a:tailEnd type="none" w="med" len="med"/>
-                    </a:lnT>
-                    <a:lnB w="12700" cap="flat" cmpd="sng" algn="ctr">
-                      <a:solidFill>
-                        <a:srgbClr val="000000">
-                          <a:alpha val="100000"/>
-                        </a:srgbClr>
-                      </a:solidFill>
-                      <a:prstDash val="solid"/>
-                      <a:round/>
-                      <a:headEnd type="none" w="med" len="med"/>
-                      <a:tailEnd type="none" w="med" len="med"/>
-                    </a:lnB>
-                    <a:solidFill>
-                      <a:schemeClr val="bg1">
-                        <a:lumMod val="85000"/>
-                        <a:lumOff val="0"/>
-                      </a:schemeClr>
-                    </a:solidFill>
-                  </a:tcPr>
-                </a:tc>
-                <a:tc>
-                  <a:txBody>
-                    <a:bodyPr/>
-                    <a:lstStyle/>
-                    <a:p>
-                      <a:pPr marL="0" indent="0" algn="ctr" defTabSz="914400" eaLnBrk="1" latinLnBrk="1" hangingPunct="1">
-                        <a:lnSpc>
-                          <a:spcPct val="100000"/>
-                        </a:lnSpc>
-                        <a:spcBef>
-                          <a:spcPts val="0"/>
-                        </a:spcBef>
-                        <a:spcAft>
-                          <a:spcPts val="0"/>
-                        </a:spcAft>
-                        <a:buFontTx/>
-                        <a:buNone/>
-                      </a:pPr>
-                      <a:r>
-                        <a:rPr lang="en-US" altLang="ko-KR" sz="1000" kern="1200" i="0" b="0">
-                          <a:solidFill>
-                            <a:schemeClr val="tx1"/>
-                          </a:solidFill>
-                          <a:latin typeface="맑은 고딕" charset="0"/>
-                          <a:ea typeface="맑은 고딕" charset="0"/>
-                        </a:rPr>
-                        <a:t>파일명</a:t>
-                      </a:r>
-                      <a:endParaRPr lang="ko-KR" altLang="en-US" sz="1000" kern="1200" i="0" b="0">
-                        <a:solidFill>
-                          <a:schemeClr val="tx1"/>
-                        </a:solidFill>
-                        <a:latin typeface="맑은 고딕" charset="0"/>
-                        <a:ea typeface="맑은 고딕" charset="0"/>
-                      </a:endParaRPr>
-                    </a:p>
-                  </a:txBody>
-                  <a:tcPr marL="90170" marR="90170" marT="46990" marB="46990" anchor="ctr">
-                    <a:lnL w="12700" cap="flat" cmpd="sng" algn="ctr">
-                      <a:solidFill>
-                        <a:srgbClr val="000000">
-                          <a:alpha val="100000"/>
-                        </a:srgbClr>
-                      </a:solidFill>
-                      <a:prstDash val="solid"/>
-                      <a:round/>
-                      <a:headEnd type="none" w="med" len="med"/>
-                      <a:tailEnd type="none" w="med" len="med"/>
-                    </a:lnL>
-                    <a:lnR w="12700" cap="flat" cmpd="sng" algn="ctr">
-                      <a:solidFill>
-                        <a:srgbClr val="000000">
-                          <a:alpha val="100000"/>
-                        </a:srgbClr>
-                      </a:solidFill>
-                      <a:prstDash val="solid"/>
-                      <a:round/>
-                      <a:headEnd type="none" w="med" len="med"/>
-                      <a:tailEnd type="none" w="med" len="med"/>
-                    </a:lnR>
-                    <a:lnT w="12700" cap="flat" cmpd="sng" algn="ctr">
-                      <a:solidFill>
-                        <a:srgbClr val="000000">
-                          <a:alpha val="100000"/>
-                        </a:srgbClr>
-                      </a:solidFill>
-                      <a:prstDash val="solid"/>
-                      <a:round/>
-                      <a:headEnd type="none" w="med" len="med"/>
-                      <a:tailEnd type="none" w="med" len="med"/>
-                    </a:lnT>
-                    <a:lnB w="12700" cap="flat" cmpd="sng" algn="ctr">
-                      <a:solidFill>
-                        <a:srgbClr val="000000">
-                          <a:alpha val="100000"/>
-                        </a:srgbClr>
-                      </a:solidFill>
-                      <a:prstDash val="solid"/>
-                      <a:round/>
-                      <a:headEnd type="none" w="med" len="med"/>
-                      <a:tailEnd type="none" w="med" len="med"/>
-                    </a:lnB>
-                    <a:solidFill>
-                      <a:schemeClr val="bg1">
-                        <a:lumMod val="85000"/>
-                        <a:lumOff val="0"/>
-                      </a:schemeClr>
-                    </a:solidFill>
-                  </a:tcPr>
-                </a:tc>
-                <a:tc>
-                  <a:txBody>
-                    <a:bodyPr/>
-                    <a:lstStyle/>
-                    <a:p>
-                      <a:pPr marL="0" indent="0" algn="ctr" defTabSz="914400" eaLnBrk="1" latinLnBrk="1" hangingPunct="1">
-                        <a:lnSpc>
-                          <a:spcPct val="100000"/>
-                        </a:lnSpc>
-                        <a:spcBef>
-                          <a:spcPts val="0"/>
-                        </a:spcBef>
-                        <a:spcAft>
-                          <a:spcPts val="0"/>
-                        </a:spcAft>
-                        <a:buFontTx/>
-                        <a:buNone/>
-                      </a:pPr>
-                      <a:r>
-                        <a:rPr lang="en-US" altLang="ko-KR" sz="1000" kern="1200" i="0" b="0">
-                          <a:solidFill>
-                            <a:schemeClr val="tx1"/>
-                          </a:solidFill>
-                          <a:latin typeface="맑은 고딕" charset="0"/>
-                          <a:ea typeface="맑은 고딕" charset="0"/>
-                        </a:rPr>
-                        <a:t>화면명</a:t>
-                      </a:r>
-                      <a:endParaRPr lang="ko-KR" altLang="en-US" sz="1000" kern="1200" i="0" b="0">
-                        <a:solidFill>
-                          <a:schemeClr val="tx1"/>
-                        </a:solidFill>
-                        <a:latin typeface="맑은 고딕" charset="0"/>
-                        <a:ea typeface="맑은 고딕" charset="0"/>
-                      </a:endParaRPr>
-                    </a:p>
-                  </a:txBody>
-                  <a:tcPr marL="90170" marR="90170" marT="46990" marB="46990" anchor="ctr">
-                    <a:lnL w="12700" cap="flat" cmpd="sng" algn="ctr">
-                      <a:solidFill>
-                        <a:srgbClr val="000000">
-                          <a:alpha val="100000"/>
-                        </a:srgbClr>
-                      </a:solidFill>
-                      <a:prstDash val="solid"/>
-                      <a:round/>
-                      <a:headEnd type="none" w="med" len="med"/>
-                      <a:tailEnd type="none" w="med" len="med"/>
-                    </a:lnL>
-                    <a:lnR w="12700" cap="flat" cmpd="sng" algn="ctr">
-                      <a:solidFill>
-                        <a:srgbClr val="000000">
-                          <a:alpha val="100000"/>
-                        </a:srgbClr>
-                      </a:solidFill>
-                      <a:prstDash val="solid"/>
-                      <a:round/>
-                      <a:headEnd type="none" w="med" len="med"/>
-                      <a:tailEnd type="none" w="med" len="med"/>
-                    </a:lnR>
-                    <a:lnT w="12700" cap="flat" cmpd="sng" algn="ctr">
-                      <a:solidFill>
-                        <a:srgbClr val="000000">
-                          <a:alpha val="100000"/>
-                        </a:srgbClr>
-                      </a:solidFill>
-                      <a:prstDash val="solid"/>
-                      <a:round/>
-                      <a:headEnd type="none" w="med" len="med"/>
-                      <a:tailEnd type="none" w="med" len="med"/>
-                    </a:lnT>
-                    <a:lnB w="12700" cap="flat" cmpd="sng" algn="ctr">
-                      <a:solidFill>
-                        <a:srgbClr val="000000">
-                          <a:alpha val="100000"/>
-                        </a:srgbClr>
-                      </a:solidFill>
-                      <a:prstDash val="solid"/>
-                      <a:round/>
-                      <a:headEnd type="none" w="med" len="med"/>
-                      <a:tailEnd type="none" w="med" len="med"/>
-                    </a:lnB>
-                    <a:solidFill>
-                      <a:schemeClr val="bg1">
-                        <a:lumMod val="85000"/>
-                        <a:lumOff val="0"/>
-                      </a:schemeClr>
-                    </a:solidFill>
-                  </a:tcPr>
-                </a:tc>
-                <a:tc>
-                  <a:txBody>
-                    <a:bodyPr/>
-                    <a:lstStyle/>
-                    <a:p>
-                      <a:pPr marL="0" indent="0" algn="ctr" defTabSz="914400" eaLnBrk="1" latinLnBrk="1" hangingPunct="1">
-                        <a:lnSpc>
-                          <a:spcPct val="100000"/>
-                        </a:lnSpc>
-                        <a:spcBef>
-                          <a:spcPts val="0"/>
-                        </a:spcBef>
-                        <a:spcAft>
-                          <a:spcPts val="0"/>
-                        </a:spcAft>
-                        <a:buFontTx/>
-                        <a:buNone/>
-                      </a:pPr>
-                      <a:r>
-                        <a:rPr lang="en-US" altLang="ko-KR" sz="1000" kern="1200" i="0" b="0">
-                          <a:solidFill>
-                            <a:schemeClr val="tx1"/>
-                          </a:solidFill>
-                          <a:latin typeface="맑은 고딕" charset="0"/>
-                          <a:ea typeface="맑은 고딕" charset="0"/>
-                        </a:rPr>
-                        <a:t>작성자</a:t>
-                      </a:r>
-                      <a:endParaRPr lang="ko-KR" altLang="en-US" sz="1000" kern="1200" i="0" b="0">
-                        <a:solidFill>
-                          <a:schemeClr val="tx1"/>
-                        </a:solidFill>
-                        <a:latin typeface="맑은 고딕" charset="0"/>
-                        <a:ea typeface="맑은 고딕" charset="0"/>
-                      </a:endParaRPr>
-                    </a:p>
-                  </a:txBody>
-                  <a:tcPr marL="90170" marR="90170" marT="46990" marB="46990" anchor="ctr">
-                    <a:lnL w="12700" cap="flat" cmpd="sng" algn="ctr">
-                      <a:solidFill>
-                        <a:srgbClr val="000000">
-                          <a:alpha val="100000"/>
-                        </a:srgbClr>
-                      </a:solidFill>
-                      <a:prstDash val="solid"/>
-                      <a:round/>
-                      <a:headEnd type="none" w="med" len="med"/>
-                      <a:tailEnd type="none" w="med" len="med"/>
-                    </a:lnL>
-                    <a:lnR w="12700" cap="flat" cmpd="sng" algn="ctr">
-                      <a:solidFill>
-                        <a:srgbClr val="000000">
-                          <a:alpha val="100000"/>
-                        </a:srgbClr>
-                      </a:solidFill>
-                      <a:prstDash val="solid"/>
-                      <a:round/>
-                      <a:headEnd type="none" w="med" len="med"/>
-                      <a:tailEnd type="none" w="med" len="med"/>
-                    </a:lnR>
-                    <a:lnT w="12700" cap="flat" cmpd="sng" algn="ctr">
-                      <a:solidFill>
-                        <a:srgbClr val="000000">
-                          <a:alpha val="100000"/>
-                        </a:srgbClr>
-                      </a:solidFill>
-                      <a:prstDash val="solid"/>
-                      <a:round/>
-                      <a:headEnd type="none" w="med" len="med"/>
-                      <a:tailEnd type="none" w="med" len="med"/>
-                    </a:lnT>
-                    <a:lnB w="12700" cap="flat" cmpd="sng" algn="ctr">
-                      <a:solidFill>
-                        <a:srgbClr val="000000">
-                          <a:alpha val="100000"/>
-                        </a:srgbClr>
-                      </a:solidFill>
-                      <a:prstDash val="solid"/>
-                      <a:round/>
-                      <a:headEnd type="none" w="med" len="med"/>
-                      <a:tailEnd type="none" w="med" len="med"/>
-                    </a:lnB>
-                    <a:solidFill>
-                      <a:schemeClr val="bg1">
-                        <a:lumMod val="85000"/>
-                        <a:lumOff val="0"/>
-                      </a:schemeClr>
-                    </a:solidFill>
-                  </a:tcPr>
-                </a:tc>
-              </a:tr>
-              <a:tr h="274955">
-                <a:tc>
-                  <a:txBody>
-                    <a:bodyPr/>
-                    <a:lstStyle/>
-                    <a:p>
-                      <a:pPr marL="0" indent="0" algn="ctr" defTabSz="914400" eaLnBrk="1" latinLnBrk="1" hangingPunct="1">
-                        <a:lnSpc>
-                          <a:spcPct val="100000"/>
-                        </a:lnSpc>
-                        <a:spcBef>
-                          <a:spcPts val="0"/>
-                        </a:spcBef>
-                        <a:spcAft>
-                          <a:spcPts val="0"/>
-                        </a:spcAft>
-                        <a:buFontTx/>
-                        <a:buNone/>
-                      </a:pPr>
-                      <a:r>
-                        <a:rPr lang="en-US" altLang="ko-KR" sz="1000" kern="1200">
-                          <a:solidFill>
-                            <a:srgbClr val="000000"/>
-                          </a:solidFill>
-                          <a:latin typeface="맑은 고딕" charset="0"/>
-                          <a:ea typeface="맑은 고딕" charset="0"/>
-                        </a:rPr>
-                        <a:t>F-LI</a:t>
-                      </a:r>
-                      <a:endParaRPr lang="ko-KR" altLang="en-US" sz="1000" kern="1200" i="0" b="0">
-                        <a:solidFill>
-                          <a:schemeClr val="tx1"/>
-                        </a:solidFill>
-                        <a:latin typeface="맑은 고딕" charset="0"/>
-                        <a:ea typeface="맑은 고딕" charset="0"/>
-                      </a:endParaRPr>
-                    </a:p>
-                  </a:txBody>
-                  <a:tcPr marL="0" marR="0" marT="0" marB="0" anchor="ctr">
-                    <a:lnL w="12700" cap="flat" cmpd="sng" algn="ctr">
-                      <a:solidFill>
-                        <a:srgbClr val="000000">
-                          <a:alpha val="100000"/>
-                        </a:srgbClr>
-                      </a:solidFill>
-                      <a:prstDash val="solid"/>
-                      <a:round/>
-                      <a:headEnd type="none" w="med" len="med"/>
-                      <a:tailEnd type="none" w="med" len="med"/>
-                    </a:lnL>
-                    <a:lnR w="12700" cap="flat" cmpd="sng" algn="ctr">
-                      <a:solidFill>
-                        <a:srgbClr val="000000">
-                          <a:alpha val="100000"/>
-                        </a:srgbClr>
-                      </a:solidFill>
-                      <a:prstDash val="solid"/>
-                      <a:round/>
-                      <a:headEnd type="none" w="med" len="med"/>
-                      <a:tailEnd type="none" w="med" len="med"/>
-                    </a:lnR>
-                    <a:lnT w="12700" cap="flat" cmpd="sng" algn="ctr">
-                      <a:solidFill>
-                        <a:srgbClr val="000000">
-                          <a:alpha val="100000"/>
-                        </a:srgbClr>
-                      </a:solidFill>
-                      <a:prstDash val="solid"/>
-                      <a:round/>
-                      <a:headEnd type="none" w="med" len="med"/>
-                      <a:tailEnd type="none" w="med" len="med"/>
-                    </a:lnT>
-                    <a:lnB w="12700" cap="flat" cmpd="sng" algn="ctr">
-                      <a:solidFill>
-                        <a:srgbClr val="000000">
-                          <a:alpha val="100000"/>
-                        </a:srgbClr>
-                      </a:solidFill>
-                      <a:prstDash val="solid"/>
-                      <a:round/>
-                      <a:headEnd type="none" w="med" len="med"/>
-                      <a:tailEnd type="none" w="med" len="med"/>
-                    </a:lnB>
-                    <a:solidFill>
-                      <a:schemeClr val="bg1"/>
-                    </a:solidFill>
-                  </a:tcPr>
-                </a:tc>
-                <a:tc>
-                  <a:txBody>
-                    <a:bodyPr/>
-                    <a:lstStyle/>
-                    <a:p>
-                      <a:pPr marL="0" indent="0" algn="ctr" defTabSz="914400" eaLnBrk="1" latinLnBrk="1" hangingPunct="1">
-                        <a:lnSpc>
-                          <a:spcPct val="100000"/>
-                        </a:lnSpc>
-                        <a:spcBef>
-                          <a:spcPts val="0"/>
-                        </a:spcBef>
-                        <a:spcAft>
-                          <a:spcPts val="0"/>
-                        </a:spcAft>
-                        <a:buFontTx/>
-                        <a:buNone/>
-                      </a:pPr>
-                      <a:endParaRPr lang="ko-KR" altLang="en-US" sz="1000" kern="1200" i="0" b="0">
-                        <a:solidFill>
-                          <a:schemeClr val="tx1"/>
-                        </a:solidFill>
-                        <a:latin typeface="맑은 고딕" charset="0"/>
-                        <a:ea typeface="맑은 고딕" charset="0"/>
-                      </a:endParaRPr>
-                    </a:p>
-                  </a:txBody>
-                  <a:tcPr marL="90170" marR="90170" marT="46990" marB="46990" anchor="ctr">
-                    <a:lnL w="12700" cap="flat" cmpd="sng" algn="ctr">
-                      <a:solidFill>
-                        <a:srgbClr val="000000">
-                          <a:alpha val="100000"/>
-                        </a:srgbClr>
-                      </a:solidFill>
-                      <a:prstDash val="solid"/>
-                      <a:round/>
-                      <a:headEnd type="none" w="med" len="med"/>
-                      <a:tailEnd type="none" w="med" len="med"/>
-                    </a:lnL>
-                    <a:lnR w="12700" cap="flat" cmpd="sng" algn="ctr">
-                      <a:solidFill>
-                        <a:srgbClr val="000000">
-                          <a:alpha val="100000"/>
-                        </a:srgbClr>
-                      </a:solidFill>
-                      <a:prstDash val="solid"/>
-                      <a:round/>
-                      <a:headEnd type="none" w="med" len="med"/>
-                      <a:tailEnd type="none" w="med" len="med"/>
-                    </a:lnR>
-                    <a:lnT w="12700" cap="flat" cmpd="sng" algn="ctr">
-                      <a:solidFill>
-                        <a:srgbClr val="000000">
-                          <a:alpha val="100000"/>
-                        </a:srgbClr>
-                      </a:solidFill>
-                      <a:prstDash val="solid"/>
-                      <a:round/>
-                      <a:headEnd type="none" w="med" len="med"/>
-                      <a:tailEnd type="none" w="med" len="med"/>
-                    </a:lnT>
-                    <a:lnB w="12700" cap="flat" cmpd="sng" algn="ctr">
-                      <a:solidFill>
-                        <a:srgbClr val="000000">
-                          <a:alpha val="100000"/>
-                        </a:srgbClr>
-                      </a:solidFill>
-                      <a:prstDash val="solid"/>
-                      <a:round/>
-                      <a:headEnd type="none" w="med" len="med"/>
-                      <a:tailEnd type="none" w="med" len="med"/>
-                    </a:lnB>
-                    <a:solidFill>
-                      <a:schemeClr val="bg1"/>
-                    </a:solidFill>
-                  </a:tcPr>
-                </a:tc>
-                <a:tc>
-                  <a:txBody>
-                    <a:bodyPr/>
-                    <a:lstStyle/>
-                    <a:p>
-                      <a:pPr marL="0" indent="0" algn="ctr" defTabSz="914400" eaLnBrk="1" latinLnBrk="1" hangingPunct="1">
-                        <a:lnSpc>
-                          <a:spcPct val="100000"/>
-                        </a:lnSpc>
-                        <a:spcBef>
-                          <a:spcPts val="0"/>
-                        </a:spcBef>
-                        <a:spcAft>
-                          <a:spcPts val="0"/>
-                        </a:spcAft>
-                        <a:buFontTx/>
-                        <a:buNone/>
-                      </a:pPr>
-                      <a:endParaRPr lang="ko-KR" altLang="en-US" sz="1000" kern="1200" i="0" b="0">
-                        <a:solidFill>
-                          <a:schemeClr val="tx1"/>
-                        </a:solidFill>
-                        <a:latin typeface="맑은 고딕" charset="0"/>
-                        <a:ea typeface="맑은 고딕" charset="0"/>
-                      </a:endParaRPr>
-                    </a:p>
-                  </a:txBody>
-                  <a:tcPr marL="90170" marR="90170" marT="46990" marB="46990" anchor="ctr">
-                    <a:lnL w="12700" cap="flat" cmpd="sng" algn="ctr">
-                      <a:solidFill>
-                        <a:srgbClr val="000000">
-                          <a:alpha val="100000"/>
-                        </a:srgbClr>
-                      </a:solidFill>
-                      <a:prstDash val="solid"/>
-                      <a:round/>
-                      <a:headEnd type="none" w="med" len="med"/>
-                      <a:tailEnd type="none" w="med" len="med"/>
-                    </a:lnL>
-                    <a:lnR w="12700" cap="flat" cmpd="sng" algn="ctr">
-                      <a:solidFill>
-                        <a:srgbClr val="000000">
-                          <a:alpha val="100000"/>
-                        </a:srgbClr>
-                      </a:solidFill>
-                      <a:prstDash val="solid"/>
-                      <a:round/>
-                      <a:headEnd type="none" w="med" len="med"/>
-                      <a:tailEnd type="none" w="med" len="med"/>
-                    </a:lnR>
-                    <a:lnT w="12700" cap="flat" cmpd="sng" algn="ctr">
-                      <a:solidFill>
-                        <a:srgbClr val="000000">
-                          <a:alpha val="100000"/>
-                        </a:srgbClr>
-                      </a:solidFill>
-                      <a:prstDash val="solid"/>
-                      <a:round/>
-                      <a:headEnd type="none" w="med" len="med"/>
-                      <a:tailEnd type="none" w="med" len="med"/>
-                    </a:lnT>
-                    <a:lnB w="12700" cap="flat" cmpd="sng" algn="ctr">
-                      <a:solidFill>
-                        <a:srgbClr val="000000">
-                          <a:alpha val="100000"/>
-                        </a:srgbClr>
-                      </a:solidFill>
-                      <a:prstDash val="solid"/>
-                      <a:round/>
-                      <a:headEnd type="none" w="med" len="med"/>
-                      <a:tailEnd type="none" w="med" len="med"/>
-                    </a:lnB>
-                    <a:solidFill>
-                      <a:schemeClr val="bg1"/>
-                    </a:solidFill>
-                  </a:tcPr>
-                </a:tc>
-                <a:tc>
-                  <a:txBody>
-                    <a:bodyPr/>
-                    <a:lstStyle/>
-                    <a:p>
-                      <a:pPr marL="0" indent="0" algn="ctr" defTabSz="914400" eaLnBrk="1" latinLnBrk="1" hangingPunct="1">
-                        <a:lnSpc>
-                          <a:spcPct val="100000"/>
-                        </a:lnSpc>
-                        <a:spcBef>
-                          <a:spcPts val="0"/>
-                        </a:spcBef>
-                        <a:spcAft>
-                          <a:spcPts val="0"/>
-                        </a:spcAft>
-                        <a:buFontTx/>
-                        <a:buNone/>
-                      </a:pPr>
                       <a:endParaRPr lang="ko-KR" altLang="en-US" sz="1000" kern="1200" i="0" b="0">
                         <a:solidFill>
                           <a:schemeClr val="tx1"/>
@@ -47981,7 +49032,7 @@
 </file>
 
 <file path=ppt/theme/theme7.xml><?xml version="1.0" encoding="utf-8"?>
-<a:theme xmlns:a="http://schemas.openxmlformats.org/drawingml/2006/main" name="Office 테마">
+<a:theme xmlns:a="http://schemas.openxmlformats.org/drawingml/2006/main" name="Office theme">
   <a:themeElements>
     <a:clrScheme name="Office">
       <a:dk1>
@@ -48500,4 +49551,265 @@
     </a:ext>
   </a:extLst>
 </a:theme>
+</file>
+
+<file path=ppt/theme/theme9.xml><?xml version="1.0" encoding="utf-8"?>
+<a:theme xmlns:a="http://schemas.openxmlformats.org/drawingml/2006/main" name="Office 테마">
+  <a:themeElements>
+    <a:clrScheme name="Office">
+      <a:dk1>
+        <a:sysClr val="windowText" lastClr="000000"/>
+      </a:dk1>
+      <a:lt1>
+        <a:sysClr val="window" lastClr="FFFFFF"/>
+      </a:lt1>
+      <a:dk2>
+        <a:srgbClr val="44546A"/>
+      </a:dk2>
+      <a:lt2>
+        <a:srgbClr val="E7E6E6"/>
+      </a:lt2>
+      <a:accent1>
+        <a:srgbClr val="5B9BD5"/>
+      </a:accent1>
+      <a:accent2>
+        <a:srgbClr val="ED7D31"/>
+      </a:accent2>
+      <a:accent3>
+        <a:srgbClr val="A5A5A5"/>
+      </a:accent3>
+      <a:accent4>
+        <a:srgbClr val="FFC000"/>
+      </a:accent4>
+      <a:accent5>
+        <a:srgbClr val="4472C4"/>
+      </a:accent5>
+      <a:accent6>
+        <a:srgbClr val="70AD47"/>
+      </a:accent6>
+      <a:hlink>
+        <a:srgbClr val="0563C1"/>
+      </a:hlink>
+      <a:folHlink>
+        <a:srgbClr val="954F72"/>
+      </a:folHlink>
+    </a:clrScheme>
+    <a:fontScheme name="Office">
+      <a:majorFont>
+        <a:latin typeface="맑은 고딕" panose="020F0302020204030204"/>
+        <a:ea typeface=""/>
+        <a:cs typeface=""/>
+        <a:font script="Jpan" typeface="游ゴシック Light"/>
+        <a:font script="Hang" typeface="맑은 고딕"/>
+        <a:font script="Hans" typeface="等线 Light"/>
+        <a:font script="Hant" typeface="新細明體"/>
+        <a:font script="Arab" typeface="Times New Roman"/>
+        <a:font script="Hebr" typeface="Times New Roman"/>
+        <a:font script="Thai" typeface="Angsana New"/>
+        <a:font script="Ethi" typeface="Nyala"/>
+        <a:font script="Beng" typeface="Vrinda"/>
+        <a:font script="Gujr" typeface="Shruti"/>
+        <a:font script="Khmr" typeface="MoolBoran"/>
+        <a:font script="Knda" typeface="Tunga"/>
+        <a:font script="Guru" typeface="Raavi"/>
+        <a:font script="Cans" typeface="Euphemia"/>
+        <a:font script="Cher" typeface="Plantagenet Cherokee"/>
+        <a:font script="Yiii" typeface="Microsoft Yi Baiti"/>
+        <a:font script="Tibt" typeface="Microsoft Himalaya"/>
+        <a:font script="Thaa" typeface="MV Boli"/>
+        <a:font script="Deva" typeface="Mangal"/>
+        <a:font script="Telu" typeface="Gautami"/>
+        <a:font script="Taml" typeface="Latha"/>
+        <a:font script="Syrc" typeface="Estrangelo Edessa"/>
+        <a:font script="Orya" typeface="Kalinga"/>
+        <a:font script="Mlym" typeface="Kartika"/>
+        <a:font script="Laoo" typeface="DokChampa"/>
+        <a:font script="Sinh" typeface="Iskoola Pota"/>
+        <a:font script="Mong" typeface="Mongolian Baiti"/>
+        <a:font script="Viet" typeface="Times New Roman"/>
+        <a:font script="Uigh" typeface="Microsoft Uighur"/>
+        <a:font script="Geor" typeface="Sylfaen"/>
+      </a:majorFont>
+      <a:minorFont>
+        <a:latin typeface="맑은 고딕" panose="020F0502020204030204"/>
+        <a:ea typeface=""/>
+        <a:cs typeface=""/>
+        <a:font script="Jpan" typeface="游ゴシック"/>
+        <a:font script="Hang" typeface="맑은 고딕"/>
+        <a:font script="Hans" typeface="等线"/>
+        <a:font script="Hant" typeface="新細明體"/>
+        <a:font script="Arab" typeface="Arial"/>
+        <a:font script="Hebr" typeface="Arial"/>
+        <a:font script="Thai" typeface="Cordia New"/>
+        <a:font script="Ethi" typeface="Nyala"/>
+        <a:font script="Beng" typeface="Vrinda"/>
+        <a:font script="Gujr" typeface="Shruti"/>
+        <a:font script="Khmr" typeface="DaunPenh"/>
+        <a:font script="Knda" typeface="Tunga"/>
+        <a:font script="Guru" typeface="Raavi"/>
+        <a:font script="Cans" typeface="Euphemia"/>
+        <a:font script="Cher" typeface="Plantagenet Cherokee"/>
+        <a:font script="Yiii" typeface="Microsoft Yi Baiti"/>
+        <a:font script="Tibt" typeface="Microsoft Himalaya"/>
+        <a:font script="Thaa" typeface="MV Boli"/>
+        <a:font script="Deva" typeface="Mangal"/>
+        <a:font script="Telu" typeface="Gautami"/>
+        <a:font script="Taml" typeface="Latha"/>
+        <a:font script="Syrc" typeface="Estrangelo Edessa"/>
+        <a:font script="Orya" typeface="Kalinga"/>
+        <a:font script="Mlym" typeface="Kartika"/>
+        <a:font script="Laoo" typeface="DokChampa"/>
+        <a:font script="Sinh" typeface="Iskoola Pota"/>
+        <a:font script="Mong" typeface="Mongolian Baiti"/>
+        <a:font script="Viet" typeface="Arial"/>
+        <a:font script="Uigh" typeface="Microsoft Uighur"/>
+        <a:font script="Geor" typeface="Sylfaen"/>
+      </a:minorFont>
+    </a:fontScheme>
+    <a:fmtScheme name="Office">
+      <a:fillStyleLst>
+        <a:solidFill>
+          <a:schemeClr val="phClr"/>
+        </a:solidFill>
+        <a:gradFill rotWithShape="1">
+          <a:gsLst>
+            <a:gs pos="0">
+              <a:schemeClr val="phClr">
+                <a:lumMod val="110000"/>
+                <a:satMod val="105000"/>
+                <a:tint val="67000"/>
+              </a:schemeClr>
+            </a:gs>
+            <a:gs pos="50000">
+              <a:schemeClr val="phClr">
+                <a:lumMod val="105000"/>
+                <a:satMod val="103000"/>
+                <a:tint val="73000"/>
+              </a:schemeClr>
+            </a:gs>
+            <a:gs pos="100000">
+              <a:schemeClr val="phClr">
+                <a:lumMod val="105000"/>
+                <a:satMod val="109000"/>
+                <a:tint val="81000"/>
+              </a:schemeClr>
+            </a:gs>
+          </a:gsLst>
+          <a:lin ang="5400000" scaled="0"/>
+        </a:gradFill>
+        <a:gradFill rotWithShape="1">
+          <a:gsLst>
+            <a:gs pos="0">
+              <a:schemeClr val="phClr">
+                <a:satMod val="103000"/>
+                <a:lumMod val="102000"/>
+                <a:tint val="94000"/>
+              </a:schemeClr>
+            </a:gs>
+            <a:gs pos="50000">
+              <a:schemeClr val="phClr">
+                <a:satMod val="110000"/>
+                <a:lumMod val="100000"/>
+                <a:shade val="100000"/>
+              </a:schemeClr>
+            </a:gs>
+            <a:gs pos="100000">
+              <a:schemeClr val="phClr">
+                <a:lumMod val="99000"/>
+                <a:satMod val="120000"/>
+                <a:shade val="78000"/>
+              </a:schemeClr>
+            </a:gs>
+          </a:gsLst>
+          <a:lin ang="5400000" scaled="0"/>
+        </a:gradFill>
+      </a:fillStyleLst>
+      <a:lnStyleLst>
+        <a:ln w="6350" cap="flat" cmpd="sng" algn="ctr">
+          <a:solidFill>
+            <a:schemeClr val="phClr"/>
+          </a:solidFill>
+          <a:prstDash val="solid"/>
+          <a:miter lim="800000"/>
+        </a:ln>
+        <a:ln w="12700" cap="flat" cmpd="sng" algn="ctr">
+          <a:solidFill>
+            <a:schemeClr val="phClr"/>
+          </a:solidFill>
+          <a:prstDash val="solid"/>
+          <a:miter lim="800000"/>
+        </a:ln>
+        <a:ln w="19050" cap="flat" cmpd="sng" algn="ctr">
+          <a:solidFill>
+            <a:schemeClr val="phClr"/>
+          </a:solidFill>
+          <a:prstDash val="solid"/>
+          <a:miter lim="800000"/>
+        </a:ln>
+      </a:lnStyleLst>
+      <a:effectStyleLst>
+        <a:effectStyle>
+          <a:effectLst/>
+        </a:effectStyle>
+        <a:effectStyle>
+          <a:effectLst/>
+        </a:effectStyle>
+        <a:effectStyle>
+          <a:effectLst>
+            <a:outerShdw blurRad="57150" dist="19050" dir="5400000" algn="ctr" rotWithShape="0">
+              <a:srgbClr val="000000">
+                <a:alpha val="63000"/>
+              </a:srgbClr>
+            </a:outerShdw>
+          </a:effectLst>
+        </a:effectStyle>
+      </a:effectStyleLst>
+      <a:bgFillStyleLst>
+        <a:solidFill>
+          <a:schemeClr val="phClr"/>
+        </a:solidFill>
+        <a:solidFill>
+          <a:schemeClr val="phClr">
+            <a:tint val="95000"/>
+            <a:satMod val="170000"/>
+          </a:schemeClr>
+        </a:solidFill>
+        <a:gradFill rotWithShape="1">
+          <a:gsLst>
+            <a:gs pos="0">
+              <a:schemeClr val="phClr">
+                <a:tint val="93000"/>
+                <a:satMod val="150000"/>
+                <a:shade val="98000"/>
+                <a:lumMod val="102000"/>
+              </a:schemeClr>
+            </a:gs>
+            <a:gs pos="50000">
+              <a:schemeClr val="phClr">
+                <a:tint val="98000"/>
+                <a:satMod val="130000"/>
+                <a:shade val="90000"/>
+                <a:lumMod val="103000"/>
+              </a:schemeClr>
+            </a:gs>
+            <a:gs pos="100000">
+              <a:schemeClr val="phClr">
+                <a:shade val="63000"/>
+                <a:satMod val="120000"/>
+              </a:schemeClr>
+            </a:gs>
+          </a:gsLst>
+          <a:lin ang="5400000" scaled="0"/>
+        </a:gradFill>
+      </a:bgFillStyleLst>
+    </a:fmtScheme>
+  </a:themeElements>
+  <a:objectDefaults/>
+  <a:extraClrSchemeLst/>
+  <a:extLst>
+    <a:ext uri="{05A4C25C-085E-4340-85A3-A5531E510DB2}">
+      <thm15:themeFamily xmlns:thm15="http://schemas.microsoft.com/office/thememl/2012/main" name="Office Theme" id="{62F939B6-93AF-4DB8-9C6B-D6C7DFDC589F}" vid="{4A3C46E8-61CC-4603-A589-7422A47A8E4A}"/>
+    </a:ext>
+  </a:extLst>
+</a:theme>
 </file>